--- a/training/Internship Training.pptx
+++ b/training/Internship Training.pptx
@@ -1,40 +1,40 @@
 
 <file path=ppt/presentation.xml><?xml version="1.0" encoding="utf-8"?>
-<p:presentation xmlns:a="http://schemas.openxmlformats.org/drawingml/2006/main" xmlns:r="http://schemas.openxmlformats.org/officeDocument/2006/relationships" xmlns:mc="http://schemas.openxmlformats.org/markup-compatibility/2006" xmlns:mv="urn:schemas-microsoft-com:mac:vml" xmlns:p="http://schemas.openxmlformats.org/presentationml/2006/main" xmlns:c="http://schemas.openxmlformats.org/drawingml/2006/chart" xmlns:dgm="http://schemas.openxmlformats.org/drawingml/2006/diagram" xmlns:o="urn:schemas-microsoft-com:office:office" xmlns:v="urn:schemas-microsoft-com:vml" xmlns:pvml="urn:schemas-microsoft-com:office:powerpoint" xmlns:com="http://schemas.openxmlformats.org/drawingml/2006/compatibility" xmlns:p14="http://schemas.microsoft.com/office/powerpoint/2010/main" xmlns:p15="http://schemas.microsoft.com/office/powerpoint/2012/main" xmlns:ahyp="http://schemas.microsoft.com/office/drawing/2018/hyperlinkcolor" autoCompressPictures="0" embedTrueTypeFonts="1" strictFirstAndLastChars="0" saveSubsetFonts="1">
+<p:presentation xmlns:a="http://schemas.openxmlformats.org/drawingml/2006/main" xmlns:r="http://schemas.openxmlformats.org/officeDocument/2006/relationships" xmlns:p="http://schemas.openxmlformats.org/presentationml/2006/main" strictFirstAndLastChars="0" embedTrueTypeFonts="1" saveSubsetFonts="1" autoCompressPictures="0">
   <p:sldMasterIdLst>
-    <p:sldMasterId id="2147483659" r:id="rId4"/>
+    <p:sldMasterId id="2147483659" r:id="rId1"/>
   </p:sldMasterIdLst>
   <p:notesMasterIdLst>
-    <p:notesMasterId r:id="rId5"/>
+    <p:notesMasterId r:id="rId15"/>
   </p:notesMasterIdLst>
   <p:sldIdLst>
-    <p:sldId id="256" r:id="rId6"/>
-    <p:sldId id="257" r:id="rId7"/>
-    <p:sldId id="258" r:id="rId8"/>
-    <p:sldId id="259" r:id="rId9"/>
-    <p:sldId id="260" r:id="rId10"/>
-    <p:sldId id="261" r:id="rId11"/>
-    <p:sldId id="262" r:id="rId12"/>
-    <p:sldId id="263" r:id="rId13"/>
-    <p:sldId id="264" r:id="rId14"/>
-    <p:sldId id="265" r:id="rId15"/>
-    <p:sldId id="266" r:id="rId16"/>
-    <p:sldId id="267" r:id="rId17"/>
-    <p:sldId id="268" r:id="rId18"/>
+    <p:sldId id="256" r:id="rId2"/>
+    <p:sldId id="257" r:id="rId3"/>
+    <p:sldId id="258" r:id="rId4"/>
+    <p:sldId id="259" r:id="rId5"/>
+    <p:sldId id="260" r:id="rId6"/>
+    <p:sldId id="261" r:id="rId7"/>
+    <p:sldId id="262" r:id="rId8"/>
+    <p:sldId id="263" r:id="rId9"/>
+    <p:sldId id="264" r:id="rId10"/>
+    <p:sldId id="265" r:id="rId11"/>
+    <p:sldId id="266" r:id="rId12"/>
+    <p:sldId id="267" r:id="rId13"/>
+    <p:sldId id="268" r:id="rId14"/>
   </p:sldIdLst>
-  <p:sldSz cy="5143500" cx="9144000"/>
+  <p:sldSz cx="9144000" cy="5143500" type="screen16x9"/>
   <p:notesSz cx="6858000" cy="9144000"/>
   <p:embeddedFontLst>
     <p:embeddedFont>
-      <p:font typeface="Nunito"/>
-      <p:regular r:id="rId19"/>
-      <p:bold r:id="rId20"/>
-      <p:italic r:id="rId21"/>
-      <p:boldItalic r:id="rId22"/>
+      <p:font typeface="Nunito" pitchFamily="2" charset="0"/>
+      <p:regular r:id="rId16"/>
+      <p:bold r:id="rId17"/>
+      <p:italic r:id="rId18"/>
+      <p:boldItalic r:id="rId19"/>
     </p:embeddedFont>
   </p:embeddedFontLst>
   <p:defaultTextStyle>
-    <a:defPPr lvl="0" marR="0" rtl="0" algn="l">
+    <a:defPPr marR="0" lvl="0" algn="l" rtl="0">
       <a:lnSpc>
         <a:spcPct val="100000"/>
       </a:lnSpc>
@@ -45,7 +45,7 @@
         <a:spcPts val="0"/>
       </a:spcAft>
     </a:defPPr>
-    <a:lvl1pPr lvl="0" marR="0" rtl="0" algn="l">
+    <a:lvl1pPr marR="0" lvl="0" algn="l" rtl="0">
       <a:lnSpc>
         <a:spcPct val="100000"/>
       </a:lnSpc>
@@ -59,7 +59,7 @@
         <a:srgbClr val="000000"/>
       </a:buClr>
       <a:buFont typeface="Arial"/>
-      <a:defRPr b="0" i="0" sz="1400" u="none" cap="none" strike="noStrike">
+      <a:defRPr sz="1400" b="0" i="0" u="none" strike="noStrike" cap="none">
         <a:solidFill>
           <a:srgbClr val="000000"/>
         </a:solidFill>
@@ -69,7 +69,7 @@
         <a:sym typeface="Arial"/>
       </a:defRPr>
     </a:lvl1pPr>
-    <a:lvl2pPr lvl="1" marR="0" rtl="0" algn="l">
+    <a:lvl2pPr marR="0" lvl="1" algn="l" rtl="0">
       <a:lnSpc>
         <a:spcPct val="100000"/>
       </a:lnSpc>
@@ -83,7 +83,7 @@
         <a:srgbClr val="000000"/>
       </a:buClr>
       <a:buFont typeface="Arial"/>
-      <a:defRPr b="0" i="0" sz="1400" u="none" cap="none" strike="noStrike">
+      <a:defRPr sz="1400" b="0" i="0" u="none" strike="noStrike" cap="none">
         <a:solidFill>
           <a:srgbClr val="000000"/>
         </a:solidFill>
@@ -93,7 +93,7 @@
         <a:sym typeface="Arial"/>
       </a:defRPr>
     </a:lvl2pPr>
-    <a:lvl3pPr lvl="2" marR="0" rtl="0" algn="l">
+    <a:lvl3pPr marR="0" lvl="2" algn="l" rtl="0">
       <a:lnSpc>
         <a:spcPct val="100000"/>
       </a:lnSpc>
@@ -107,7 +107,7 @@
         <a:srgbClr val="000000"/>
       </a:buClr>
       <a:buFont typeface="Arial"/>
-      <a:defRPr b="0" i="0" sz="1400" u="none" cap="none" strike="noStrike">
+      <a:defRPr sz="1400" b="0" i="0" u="none" strike="noStrike" cap="none">
         <a:solidFill>
           <a:srgbClr val="000000"/>
         </a:solidFill>
@@ -117,7 +117,7 @@
         <a:sym typeface="Arial"/>
       </a:defRPr>
     </a:lvl3pPr>
-    <a:lvl4pPr lvl="3" marR="0" rtl="0" algn="l">
+    <a:lvl4pPr marR="0" lvl="3" algn="l" rtl="0">
       <a:lnSpc>
         <a:spcPct val="100000"/>
       </a:lnSpc>
@@ -131,7 +131,7 @@
         <a:srgbClr val="000000"/>
       </a:buClr>
       <a:buFont typeface="Arial"/>
-      <a:defRPr b="0" i="0" sz="1400" u="none" cap="none" strike="noStrike">
+      <a:defRPr sz="1400" b="0" i="0" u="none" strike="noStrike" cap="none">
         <a:solidFill>
           <a:srgbClr val="000000"/>
         </a:solidFill>
@@ -141,7 +141,7 @@
         <a:sym typeface="Arial"/>
       </a:defRPr>
     </a:lvl4pPr>
-    <a:lvl5pPr lvl="4" marR="0" rtl="0" algn="l">
+    <a:lvl5pPr marR="0" lvl="4" algn="l" rtl="0">
       <a:lnSpc>
         <a:spcPct val="100000"/>
       </a:lnSpc>
@@ -155,7 +155,7 @@
         <a:srgbClr val="000000"/>
       </a:buClr>
       <a:buFont typeface="Arial"/>
-      <a:defRPr b="0" i="0" sz="1400" u="none" cap="none" strike="noStrike">
+      <a:defRPr sz="1400" b="0" i="0" u="none" strike="noStrike" cap="none">
         <a:solidFill>
           <a:srgbClr val="000000"/>
         </a:solidFill>
@@ -165,7 +165,7 @@
         <a:sym typeface="Arial"/>
       </a:defRPr>
     </a:lvl5pPr>
-    <a:lvl6pPr lvl="5" marR="0" rtl="0" algn="l">
+    <a:lvl6pPr marR="0" lvl="5" algn="l" rtl="0">
       <a:lnSpc>
         <a:spcPct val="100000"/>
       </a:lnSpc>
@@ -179,7 +179,7 @@
         <a:srgbClr val="000000"/>
       </a:buClr>
       <a:buFont typeface="Arial"/>
-      <a:defRPr b="0" i="0" sz="1400" u="none" cap="none" strike="noStrike">
+      <a:defRPr sz="1400" b="0" i="0" u="none" strike="noStrike" cap="none">
         <a:solidFill>
           <a:srgbClr val="000000"/>
         </a:solidFill>
@@ -189,7 +189,7 @@
         <a:sym typeface="Arial"/>
       </a:defRPr>
     </a:lvl6pPr>
-    <a:lvl7pPr lvl="6" marR="0" rtl="0" algn="l">
+    <a:lvl7pPr marR="0" lvl="6" algn="l" rtl="0">
       <a:lnSpc>
         <a:spcPct val="100000"/>
       </a:lnSpc>
@@ -203,7 +203,7 @@
         <a:srgbClr val="000000"/>
       </a:buClr>
       <a:buFont typeface="Arial"/>
-      <a:defRPr b="0" i="0" sz="1400" u="none" cap="none" strike="noStrike">
+      <a:defRPr sz="1400" b="0" i="0" u="none" strike="noStrike" cap="none">
         <a:solidFill>
           <a:srgbClr val="000000"/>
         </a:solidFill>
@@ -213,7 +213,7 @@
         <a:sym typeface="Arial"/>
       </a:defRPr>
     </a:lvl7pPr>
-    <a:lvl8pPr lvl="7" marR="0" rtl="0" algn="l">
+    <a:lvl8pPr marR="0" lvl="7" algn="l" rtl="0">
       <a:lnSpc>
         <a:spcPct val="100000"/>
       </a:lnSpc>
@@ -227,7 +227,7 @@
         <a:srgbClr val="000000"/>
       </a:buClr>
       <a:buFont typeface="Arial"/>
-      <a:defRPr b="0" i="0" sz="1400" u="none" cap="none" strike="noStrike">
+      <a:defRPr sz="1400" b="0" i="0" u="none" strike="noStrike" cap="none">
         <a:solidFill>
           <a:srgbClr val="000000"/>
         </a:solidFill>
@@ -237,7 +237,7 @@
         <a:sym typeface="Arial"/>
       </a:defRPr>
     </a:lvl8pPr>
-    <a:lvl9pPr lvl="8" marR="0" rtl="0" algn="l">
+    <a:lvl9pPr marR="0" lvl="8" algn="l" rtl="0">
       <a:lnSpc>
         <a:spcPct val="100000"/>
       </a:lnSpc>
@@ -251,7 +251,7 @@
         <a:srgbClr val="000000"/>
       </a:buClr>
       <a:buFont typeface="Arial"/>
-      <a:defRPr b="0" i="0" sz="1400" u="none" cap="none" strike="noStrike">
+      <a:defRPr sz="1400" b="0" i="0" u="none" strike="noStrike" cap="none">
         <a:solidFill>
           <a:srgbClr val="000000"/>
         </a:solidFill>
@@ -264,7 +264,7 @@
   </p:defaultTextStyle>
   <p:extLst>
     <p:ext uri="{EFAFB233-063F-42B5-8137-9DF3F51BA10A}">
-      <p15:sldGuideLst>
+      <p15:sldGuideLst xmlns:p15="http://schemas.microsoft.com/office/powerpoint/2012/main">
         <p15:guide id="1" orient="horz" pos="1620">
           <p15:clr>
             <a:srgbClr val="747775"/>
@@ -282,11 +282,16 @@
 </file>
 
 <file path=ppt/notesMasters/notesMaster1.xml><?xml version="1.0" encoding="utf-8"?>
-<p:notesMaster xmlns:a="http://schemas.openxmlformats.org/drawingml/2006/main" xmlns:r="http://schemas.openxmlformats.org/officeDocument/2006/relationships" xmlns:mc="http://schemas.openxmlformats.org/markup-compatibility/2006" xmlns:mv="urn:schemas-microsoft-com:mac:vml" xmlns:p="http://schemas.openxmlformats.org/presentationml/2006/main" xmlns:c="http://schemas.openxmlformats.org/drawingml/2006/chart" xmlns:dgm="http://schemas.openxmlformats.org/drawingml/2006/diagram" xmlns:o="urn:schemas-microsoft-com:office:office" xmlns:v="urn:schemas-microsoft-com:vml" xmlns:pvml="urn:schemas-microsoft-com:office:powerpoint" xmlns:com="http://schemas.openxmlformats.org/drawingml/2006/compatibility" xmlns:p14="http://schemas.microsoft.com/office/powerpoint/2010/main" xmlns:p15="http://schemas.microsoft.com/office/powerpoint/2012/main" xmlns:ahyp="http://schemas.microsoft.com/office/drawing/2018/hyperlinkcolor">
+<p:notesMaster xmlns:a="http://schemas.openxmlformats.org/drawingml/2006/main" xmlns:r="http://schemas.openxmlformats.org/officeDocument/2006/relationships" xmlns:p="http://schemas.openxmlformats.org/presentationml/2006/main">
   <p:cSld>
+    <p:bg>
+      <p:bgRef idx="1001">
+        <a:schemeClr val="bg1"/>
+      </p:bgRef>
+    </p:bg>
     <p:spTree>
       <p:nvGrpSpPr>
-        <p:cNvPr id="2" name="Shape 2"/>
+        <p:cNvPr id="1" name="Shape 2"/>
         <p:cNvGrpSpPr/>
         <p:nvPr/>
       </p:nvGrpSpPr>
@@ -301,9 +306,11 @@
       <p:sp>
         <p:nvSpPr>
           <p:cNvPr id="3" name="Google Shape;3;n"/>
-          <p:cNvSpPr/>
+          <p:cNvSpPr>
+            <a:spLocks noGrp="1" noRot="1" noChangeAspect="1"/>
+          </p:cNvSpPr>
           <p:nvPr>
-            <p:ph idx="2" type="sldImg"/>
+            <p:ph type="sldImg" idx="2"/>
           </p:nvPr>
         </p:nvSpPr>
         <p:spPr>
@@ -312,9 +319,13 @@
             <a:ext cx="6096075" cy="3429000"/>
           </a:xfrm>
           <a:custGeom>
-            <a:rect b="b" l="l" r="r" t="t"/>
+            <a:avLst/>
+            <a:gdLst/>
+            <a:ahLst/>
+            <a:cxnLst/>
+            <a:rect l="l" t="t" r="r" b="b"/>
             <a:pathLst>
-              <a:path extrusionOk="0" h="120000" w="120000">
+              <a:path w="120000" h="120000" extrusionOk="0">
                 <a:moveTo>
                   <a:pt x="0" y="0"/>
                 </a:moveTo>
@@ -332,23 +343,25 @@
             </a:pathLst>
           </a:custGeom>
           <a:noFill/>
-          <a:ln cap="flat" cmpd="sng" w="9525">
+          <a:ln w="9525" cap="flat" cmpd="sng">
             <a:solidFill>
               <a:srgbClr val="000000"/>
             </a:solidFill>
             <a:prstDash val="solid"/>
             <a:round/>
-            <a:headEnd len="sm" w="sm" type="none"/>
-            <a:tailEnd len="sm" w="sm" type="none"/>
+            <a:headEnd type="none" w="sm" len="sm"/>
+            <a:tailEnd type="none" w="sm" len="sm"/>
           </a:ln>
         </p:spPr>
       </p:sp>
       <p:sp>
         <p:nvSpPr>
           <p:cNvPr id="4" name="Google Shape;4;n"/>
-          <p:cNvSpPr txBox="1"/>
+          <p:cNvSpPr txBox="1">
+            <a:spLocks noGrp="1"/>
+          </p:cNvSpPr>
           <p:nvPr>
-            <p:ph idx="1" type="body"/>
+            <p:ph type="body" idx="1"/>
           </p:nvPr>
         </p:nvSpPr>
         <p:spPr>
@@ -365,11 +378,11 @@
           </a:ln>
         </p:spPr>
         <p:txBody>
-          <a:bodyPr anchorCtr="0" anchor="t" bIns="91425" lIns="91425" spcFirstLastPara="1" rIns="91425" wrap="square" tIns="91425">
+          <a:bodyPr spcFirstLastPara="1" wrap="square" lIns="91425" tIns="91425" rIns="91425" bIns="91425" anchor="t" anchorCtr="0">
             <a:noAutofit/>
           </a:bodyPr>
           <a:lstStyle>
-            <a:lvl1pPr indent="-317500" lvl="0" marL="457200">
+            <a:lvl1pPr marL="457200" lvl="0" indent="-317500">
               <a:spcBef>
                 <a:spcPts val="0"/>
               </a:spcBef>
@@ -380,7 +393,7 @@
               <a:buChar char="●"/>
               <a:defRPr sz="1100"/>
             </a:lvl1pPr>
-            <a:lvl2pPr indent="-317500" lvl="1" marL="914400">
+            <a:lvl2pPr marL="914400" lvl="1" indent="-317500">
               <a:spcBef>
                 <a:spcPts val="0"/>
               </a:spcBef>
@@ -391,7 +404,7 @@
               <a:buChar char="○"/>
               <a:defRPr sz="1100"/>
             </a:lvl2pPr>
-            <a:lvl3pPr indent="-317500" lvl="2" marL="1371600">
+            <a:lvl3pPr marL="1371600" lvl="2" indent="-317500">
               <a:spcBef>
                 <a:spcPts val="0"/>
               </a:spcBef>
@@ -402,7 +415,7 @@
               <a:buChar char="■"/>
               <a:defRPr sz="1100"/>
             </a:lvl3pPr>
-            <a:lvl4pPr indent="-317500" lvl="3" marL="1828800">
+            <a:lvl4pPr marL="1828800" lvl="3" indent="-317500">
               <a:spcBef>
                 <a:spcPts val="0"/>
               </a:spcBef>
@@ -413,7 +426,7 @@
               <a:buChar char="●"/>
               <a:defRPr sz="1100"/>
             </a:lvl4pPr>
-            <a:lvl5pPr indent="-317500" lvl="4" marL="2286000">
+            <a:lvl5pPr marL="2286000" lvl="4" indent="-317500">
               <a:spcBef>
                 <a:spcPts val="0"/>
               </a:spcBef>
@@ -424,7 +437,7 @@
               <a:buChar char="○"/>
               <a:defRPr sz="1100"/>
             </a:lvl5pPr>
-            <a:lvl6pPr indent="-317500" lvl="5" marL="2743200">
+            <a:lvl6pPr marL="2743200" lvl="5" indent="-317500">
               <a:spcBef>
                 <a:spcPts val="0"/>
               </a:spcBef>
@@ -435,7 +448,7 @@
               <a:buChar char="■"/>
               <a:defRPr sz="1100"/>
             </a:lvl6pPr>
-            <a:lvl7pPr indent="-317500" lvl="6" marL="3200400">
+            <a:lvl7pPr marL="3200400" lvl="6" indent="-317500">
               <a:spcBef>
                 <a:spcPts val="0"/>
               </a:spcBef>
@@ -446,7 +459,7 @@
               <a:buChar char="●"/>
               <a:defRPr sz="1100"/>
             </a:lvl7pPr>
-            <a:lvl8pPr indent="-317500" lvl="7" marL="3657600">
+            <a:lvl8pPr marL="3657600" lvl="7" indent="-317500">
               <a:spcBef>
                 <a:spcPts val="0"/>
               </a:spcBef>
@@ -457,7 +470,7 @@
               <a:buChar char="○"/>
               <a:defRPr sz="1100"/>
             </a:lvl8pPr>
-            <a:lvl9pPr indent="-317500" lvl="8" marL="4114800">
+            <a:lvl9pPr marL="4114800" lvl="8" indent="-317500">
               <a:spcBef>
                 <a:spcPts val="0"/>
               </a:spcBef>
@@ -469,14 +482,16 @@
               <a:defRPr sz="1100"/>
             </a:lvl9pPr>
           </a:lstStyle>
-          <a:p/>
+          <a:p>
+            <a:endParaRPr/>
+          </a:p>
         </p:txBody>
       </p:sp>
     </p:spTree>
   </p:cSld>
-  <p:clrMap accent1="accent1" accent2="accent2" accent3="accent3" accent4="accent4" accent5="accent5" accent6="accent6" bg1="lt1" bg2="dk2" tx1="dk1" tx2="lt2" folHlink="folHlink" hlink="hlink"/>
+  <p:clrMap bg1="lt1" tx1="dk1" bg2="dk2" tx2="lt2" accent1="accent1" accent2="accent2" accent3="accent3" accent4="accent4" accent5="accent5" accent6="accent6" hlink="hlink" folHlink="folHlink"/>
   <p:notesStyle>
-    <a:defPPr lvl="0" marR="0" rtl="0" algn="l">
+    <a:defPPr marR="0" lvl="0" algn="l" rtl="0">
       <a:lnSpc>
         <a:spcPct val="100000"/>
       </a:lnSpc>
@@ -487,7 +502,7 @@
         <a:spcPts val="0"/>
       </a:spcAft>
     </a:defPPr>
-    <a:lvl1pPr lvl="0" marR="0" rtl="0" algn="l">
+    <a:lvl1pPr marR="0" lvl="0" algn="l" rtl="0">
       <a:lnSpc>
         <a:spcPct val="100000"/>
       </a:lnSpc>
@@ -501,7 +516,7 @@
         <a:srgbClr val="000000"/>
       </a:buClr>
       <a:buFont typeface="Arial"/>
-      <a:defRPr b="0" i="0" sz="1400" u="none" cap="none" strike="noStrike">
+      <a:defRPr sz="1400" b="0" i="0" u="none" strike="noStrike" cap="none">
         <a:solidFill>
           <a:srgbClr val="000000"/>
         </a:solidFill>
@@ -511,7 +526,7 @@
         <a:sym typeface="Arial"/>
       </a:defRPr>
     </a:lvl1pPr>
-    <a:lvl2pPr lvl="1" marR="0" rtl="0" algn="l">
+    <a:lvl2pPr marR="0" lvl="1" algn="l" rtl="0">
       <a:lnSpc>
         <a:spcPct val="100000"/>
       </a:lnSpc>
@@ -525,7 +540,7 @@
         <a:srgbClr val="000000"/>
       </a:buClr>
       <a:buFont typeface="Arial"/>
-      <a:defRPr b="0" i="0" sz="1400" u="none" cap="none" strike="noStrike">
+      <a:defRPr sz="1400" b="0" i="0" u="none" strike="noStrike" cap="none">
         <a:solidFill>
           <a:srgbClr val="000000"/>
         </a:solidFill>
@@ -535,7 +550,7 @@
         <a:sym typeface="Arial"/>
       </a:defRPr>
     </a:lvl2pPr>
-    <a:lvl3pPr lvl="2" marR="0" rtl="0" algn="l">
+    <a:lvl3pPr marR="0" lvl="2" algn="l" rtl="0">
       <a:lnSpc>
         <a:spcPct val="100000"/>
       </a:lnSpc>
@@ -549,7 +564,7 @@
         <a:srgbClr val="000000"/>
       </a:buClr>
       <a:buFont typeface="Arial"/>
-      <a:defRPr b="0" i="0" sz="1400" u="none" cap="none" strike="noStrike">
+      <a:defRPr sz="1400" b="0" i="0" u="none" strike="noStrike" cap="none">
         <a:solidFill>
           <a:srgbClr val="000000"/>
         </a:solidFill>
@@ -559,7 +574,7 @@
         <a:sym typeface="Arial"/>
       </a:defRPr>
     </a:lvl3pPr>
-    <a:lvl4pPr lvl="3" marR="0" rtl="0" algn="l">
+    <a:lvl4pPr marR="0" lvl="3" algn="l" rtl="0">
       <a:lnSpc>
         <a:spcPct val="100000"/>
       </a:lnSpc>
@@ -573,7 +588,7 @@
         <a:srgbClr val="000000"/>
       </a:buClr>
       <a:buFont typeface="Arial"/>
-      <a:defRPr b="0" i="0" sz="1400" u="none" cap="none" strike="noStrike">
+      <a:defRPr sz="1400" b="0" i="0" u="none" strike="noStrike" cap="none">
         <a:solidFill>
           <a:srgbClr val="000000"/>
         </a:solidFill>
@@ -583,7 +598,7 @@
         <a:sym typeface="Arial"/>
       </a:defRPr>
     </a:lvl4pPr>
-    <a:lvl5pPr lvl="4" marR="0" rtl="0" algn="l">
+    <a:lvl5pPr marR="0" lvl="4" algn="l" rtl="0">
       <a:lnSpc>
         <a:spcPct val="100000"/>
       </a:lnSpc>
@@ -597,7 +612,7 @@
         <a:srgbClr val="000000"/>
       </a:buClr>
       <a:buFont typeface="Arial"/>
-      <a:defRPr b="0" i="0" sz="1400" u="none" cap="none" strike="noStrike">
+      <a:defRPr sz="1400" b="0" i="0" u="none" strike="noStrike" cap="none">
         <a:solidFill>
           <a:srgbClr val="000000"/>
         </a:solidFill>
@@ -607,7 +622,7 @@
         <a:sym typeface="Arial"/>
       </a:defRPr>
     </a:lvl5pPr>
-    <a:lvl6pPr lvl="5" marR="0" rtl="0" algn="l">
+    <a:lvl6pPr marR="0" lvl="5" algn="l" rtl="0">
       <a:lnSpc>
         <a:spcPct val="100000"/>
       </a:lnSpc>
@@ -621,7 +636,7 @@
         <a:srgbClr val="000000"/>
       </a:buClr>
       <a:buFont typeface="Arial"/>
-      <a:defRPr b="0" i="0" sz="1400" u="none" cap="none" strike="noStrike">
+      <a:defRPr sz="1400" b="0" i="0" u="none" strike="noStrike" cap="none">
         <a:solidFill>
           <a:srgbClr val="000000"/>
         </a:solidFill>
@@ -631,7 +646,7 @@
         <a:sym typeface="Arial"/>
       </a:defRPr>
     </a:lvl6pPr>
-    <a:lvl7pPr lvl="6" marR="0" rtl="0" algn="l">
+    <a:lvl7pPr marR="0" lvl="6" algn="l" rtl="0">
       <a:lnSpc>
         <a:spcPct val="100000"/>
       </a:lnSpc>
@@ -645,7 +660,7 @@
         <a:srgbClr val="000000"/>
       </a:buClr>
       <a:buFont typeface="Arial"/>
-      <a:defRPr b="0" i="0" sz="1400" u="none" cap="none" strike="noStrike">
+      <a:defRPr sz="1400" b="0" i="0" u="none" strike="noStrike" cap="none">
         <a:solidFill>
           <a:srgbClr val="000000"/>
         </a:solidFill>
@@ -655,7 +670,7 @@
         <a:sym typeface="Arial"/>
       </a:defRPr>
     </a:lvl7pPr>
-    <a:lvl8pPr lvl="7" marR="0" rtl="0" algn="l">
+    <a:lvl8pPr marR="0" lvl="7" algn="l" rtl="0">
       <a:lnSpc>
         <a:spcPct val="100000"/>
       </a:lnSpc>
@@ -669,7 +684,7 @@
         <a:srgbClr val="000000"/>
       </a:buClr>
       <a:buFont typeface="Arial"/>
-      <a:defRPr b="0" i="0" sz="1400" u="none" cap="none" strike="noStrike">
+      <a:defRPr sz="1400" b="0" i="0" u="none" strike="noStrike" cap="none">
         <a:solidFill>
           <a:srgbClr val="000000"/>
         </a:solidFill>
@@ -679,7 +694,7 @@
         <a:sym typeface="Arial"/>
       </a:defRPr>
     </a:lvl8pPr>
-    <a:lvl9pPr lvl="8" marR="0" rtl="0" algn="l">
+    <a:lvl9pPr marR="0" lvl="8" algn="l" rtl="0">
       <a:lnSpc>
         <a:spcPct val="100000"/>
       </a:lnSpc>
@@ -693,7 +708,7 @@
         <a:srgbClr val="000000"/>
       </a:buClr>
       <a:buFont typeface="Arial"/>
-      <a:defRPr b="0" i="0" sz="1400" u="none" cap="none" strike="noStrike">
+      <a:defRPr sz="1400" b="0" i="0" u="none" strike="noStrike" cap="none">
         <a:solidFill>
           <a:srgbClr val="000000"/>
         </a:solidFill>
@@ -708,11 +723,11 @@
 </file>
 
 <file path=ppt/notesSlides/notesSlide1.xml><?xml version="1.0" encoding="utf-8"?>
-<p:notes xmlns:a="http://schemas.openxmlformats.org/drawingml/2006/main" xmlns:r="http://schemas.openxmlformats.org/officeDocument/2006/relationships" xmlns:mc="http://schemas.openxmlformats.org/markup-compatibility/2006" xmlns:mv="urn:schemas-microsoft-com:mac:vml" xmlns:p="http://schemas.openxmlformats.org/presentationml/2006/main" xmlns:c="http://schemas.openxmlformats.org/drawingml/2006/chart" xmlns:dgm="http://schemas.openxmlformats.org/drawingml/2006/diagram" xmlns:o="urn:schemas-microsoft-com:office:office" xmlns:v="urn:schemas-microsoft-com:vml" xmlns:pvml="urn:schemas-microsoft-com:office:powerpoint" xmlns:com="http://schemas.openxmlformats.org/drawingml/2006/compatibility" xmlns:p14="http://schemas.microsoft.com/office/powerpoint/2010/main" xmlns:p15="http://schemas.microsoft.com/office/powerpoint/2012/main" xmlns:ahyp="http://schemas.microsoft.com/office/drawing/2018/hyperlinkcolor" showMasterPhAnim="0" showMasterSp="0">
+<p:notes xmlns:a="http://schemas.openxmlformats.org/drawingml/2006/main" xmlns:r="http://schemas.openxmlformats.org/officeDocument/2006/relationships" xmlns:p="http://schemas.openxmlformats.org/presentationml/2006/main" showMasterSp="0" showMasterPhAnim="0">
   <p:cSld>
     <p:spTree>
       <p:nvGrpSpPr>
-        <p:cNvPr id="124" name="Shape 124"/>
+        <p:cNvPr id="1" name="Shape 124"/>
         <p:cNvGrpSpPr/>
         <p:nvPr/>
       </p:nvGrpSpPr>
@@ -727,9 +742,11 @@
       <p:sp>
         <p:nvSpPr>
           <p:cNvPr id="125" name="Google Shape;125;gc6f73a04f_0_0:notes"/>
-          <p:cNvSpPr/>
+          <p:cNvSpPr>
+            <a:spLocks noGrp="1" noRot="1" noChangeAspect="1"/>
+          </p:cNvSpPr>
           <p:nvPr>
-            <p:ph idx="2" type="sldImg"/>
+            <p:ph type="sldImg" idx="2"/>
           </p:nvPr>
         </p:nvSpPr>
         <p:spPr>
@@ -738,9 +755,13 @@
             <a:ext cx="6096300" cy="3429000"/>
           </a:xfrm>
           <a:custGeom>
-            <a:rect b="b" l="l" r="r" t="t"/>
+            <a:avLst/>
+            <a:gdLst/>
+            <a:ahLst/>
+            <a:cxnLst/>
+            <a:rect l="l" t="t" r="r" b="b"/>
             <a:pathLst>
-              <a:path extrusionOk="0" h="120000" w="120000">
+              <a:path w="120000" h="120000" extrusionOk="0">
                 <a:moveTo>
                   <a:pt x="0" y="0"/>
                 </a:moveTo>
@@ -762,9 +783,11 @@
       <p:sp>
         <p:nvSpPr>
           <p:cNvPr id="126" name="Google Shape;126;gc6f73a04f_0_0:notes"/>
-          <p:cNvSpPr txBox="1"/>
+          <p:cNvSpPr txBox="1">
+            <a:spLocks noGrp="1"/>
+          </p:cNvSpPr>
           <p:nvPr>
-            <p:ph idx="1" type="body"/>
+            <p:ph type="body" idx="1"/>
           </p:nvPr>
         </p:nvSpPr>
         <p:spPr>
@@ -777,12 +800,12 @@
           </a:prstGeom>
         </p:spPr>
         <p:txBody>
-          <a:bodyPr anchorCtr="0" anchor="t" bIns="91425" lIns="91425" spcFirstLastPara="1" rIns="91425" wrap="square" tIns="91425">
+          <a:bodyPr spcFirstLastPara="1" wrap="square" lIns="91425" tIns="91425" rIns="91425" bIns="91425" anchor="t" anchorCtr="0">
             <a:noAutofit/>
           </a:bodyPr>
           <a:lstStyle/>
           <a:p>
-            <a:pPr indent="0" lvl="0" marL="0" rtl="0" algn="l">
+            <a:pPr marL="0" lvl="0" indent="0" algn="l" rtl="0">
               <a:spcBef>
                 <a:spcPts val="0"/>
               </a:spcBef>
@@ -791,9 +814,6 @@
               </a:spcAft>
               <a:buNone/>
             </a:pPr>
-            <a:r>
-              <a:t/>
-            </a:r>
             <a:endParaRPr/>
           </a:p>
         </p:txBody>
@@ -807,11 +827,11 @@
 </file>
 
 <file path=ppt/notesSlides/notesSlide10.xml><?xml version="1.0" encoding="utf-8"?>
-<p:notes xmlns:a="http://schemas.openxmlformats.org/drawingml/2006/main" xmlns:r="http://schemas.openxmlformats.org/officeDocument/2006/relationships" xmlns:mc="http://schemas.openxmlformats.org/markup-compatibility/2006" xmlns:mv="urn:schemas-microsoft-com:mac:vml" xmlns:p="http://schemas.openxmlformats.org/presentationml/2006/main" xmlns:c="http://schemas.openxmlformats.org/drawingml/2006/chart" xmlns:dgm="http://schemas.openxmlformats.org/drawingml/2006/diagram" xmlns:o="urn:schemas-microsoft-com:office:office" xmlns:v="urn:schemas-microsoft-com:vml" xmlns:pvml="urn:schemas-microsoft-com:office:powerpoint" xmlns:com="http://schemas.openxmlformats.org/drawingml/2006/compatibility" xmlns:p14="http://schemas.microsoft.com/office/powerpoint/2010/main" xmlns:p15="http://schemas.microsoft.com/office/powerpoint/2012/main" xmlns:ahyp="http://schemas.microsoft.com/office/drawing/2018/hyperlinkcolor" showMasterPhAnim="0" showMasterSp="0">
+<p:notes xmlns:a="http://schemas.openxmlformats.org/drawingml/2006/main" xmlns:r="http://schemas.openxmlformats.org/officeDocument/2006/relationships" xmlns:p="http://schemas.openxmlformats.org/presentationml/2006/main" showMasterSp="0" showMasterPhAnim="0">
   <p:cSld>
     <p:spTree>
       <p:nvGrpSpPr>
-        <p:cNvPr id="189" name="Shape 189"/>
+        <p:cNvPr id="1" name="Shape 189"/>
         <p:cNvGrpSpPr/>
         <p:nvPr/>
       </p:nvGrpSpPr>
@@ -826,9 +846,11 @@
       <p:sp>
         <p:nvSpPr>
           <p:cNvPr id="190" name="Google Shape;190;g3581656b244_0_170:notes"/>
-          <p:cNvSpPr/>
+          <p:cNvSpPr>
+            <a:spLocks noGrp="1" noRot="1" noChangeAspect="1"/>
+          </p:cNvSpPr>
           <p:nvPr>
-            <p:ph idx="2" type="sldImg"/>
+            <p:ph type="sldImg" idx="2"/>
           </p:nvPr>
         </p:nvSpPr>
         <p:spPr>
@@ -837,9 +859,13 @@
             <a:ext cx="6096000" cy="3429000"/>
           </a:xfrm>
           <a:custGeom>
-            <a:rect b="b" l="l" r="r" t="t"/>
+            <a:avLst/>
+            <a:gdLst/>
+            <a:ahLst/>
+            <a:cxnLst/>
+            <a:rect l="l" t="t" r="r" b="b"/>
             <a:pathLst>
-              <a:path extrusionOk="0" h="120000" w="120000">
+              <a:path w="120000" h="120000" extrusionOk="0">
                 <a:moveTo>
                   <a:pt x="0" y="0"/>
                 </a:moveTo>
@@ -861,9 +887,11 @@
       <p:sp>
         <p:nvSpPr>
           <p:cNvPr id="191" name="Google Shape;191;g3581656b244_0_170:notes"/>
-          <p:cNvSpPr txBox="1"/>
+          <p:cNvSpPr txBox="1">
+            <a:spLocks noGrp="1"/>
+          </p:cNvSpPr>
           <p:nvPr>
-            <p:ph idx="1" type="body"/>
+            <p:ph type="body" idx="1"/>
           </p:nvPr>
         </p:nvSpPr>
         <p:spPr>
@@ -876,12 +904,12 @@
           </a:prstGeom>
         </p:spPr>
         <p:txBody>
-          <a:bodyPr anchorCtr="0" anchor="t" bIns="91425" lIns="91425" spcFirstLastPara="1" rIns="91425" wrap="square" tIns="91425">
+          <a:bodyPr spcFirstLastPara="1" wrap="square" lIns="91425" tIns="91425" rIns="91425" bIns="91425" anchor="t" anchorCtr="0">
             <a:noAutofit/>
           </a:bodyPr>
           <a:lstStyle/>
           <a:p>
-            <a:pPr indent="0" lvl="0" marL="0" rtl="0" algn="l">
+            <a:pPr marL="0" lvl="0" indent="0" algn="l" rtl="0">
               <a:spcBef>
                 <a:spcPts val="0"/>
               </a:spcBef>
@@ -890,9 +918,6 @@
               </a:spcAft>
               <a:buNone/>
             </a:pPr>
-            <a:r>
-              <a:t/>
-            </a:r>
             <a:endParaRPr/>
           </a:p>
         </p:txBody>
@@ -906,11 +931,11 @@
 </file>
 
 <file path=ppt/notesSlides/notesSlide11.xml><?xml version="1.0" encoding="utf-8"?>
-<p:notes xmlns:a="http://schemas.openxmlformats.org/drawingml/2006/main" xmlns:r="http://schemas.openxmlformats.org/officeDocument/2006/relationships" xmlns:mc="http://schemas.openxmlformats.org/markup-compatibility/2006" xmlns:mv="urn:schemas-microsoft-com:mac:vml" xmlns:p="http://schemas.openxmlformats.org/presentationml/2006/main" xmlns:c="http://schemas.openxmlformats.org/drawingml/2006/chart" xmlns:dgm="http://schemas.openxmlformats.org/drawingml/2006/diagram" xmlns:o="urn:schemas-microsoft-com:office:office" xmlns:v="urn:schemas-microsoft-com:vml" xmlns:pvml="urn:schemas-microsoft-com:office:powerpoint" xmlns:com="http://schemas.openxmlformats.org/drawingml/2006/compatibility" xmlns:p14="http://schemas.microsoft.com/office/powerpoint/2010/main" xmlns:p15="http://schemas.microsoft.com/office/powerpoint/2012/main" xmlns:ahyp="http://schemas.microsoft.com/office/drawing/2018/hyperlinkcolor" showMasterPhAnim="0" showMasterSp="0">
+<p:notes xmlns:a="http://schemas.openxmlformats.org/drawingml/2006/main" xmlns:r="http://schemas.openxmlformats.org/officeDocument/2006/relationships" xmlns:p="http://schemas.openxmlformats.org/presentationml/2006/main" showMasterSp="0" showMasterPhAnim="0">
   <p:cSld>
     <p:spTree>
       <p:nvGrpSpPr>
-        <p:cNvPr id="198" name="Shape 198"/>
+        <p:cNvPr id="1" name="Shape 198"/>
         <p:cNvGrpSpPr/>
         <p:nvPr/>
       </p:nvGrpSpPr>
@@ -925,9 +950,11 @@
       <p:sp>
         <p:nvSpPr>
           <p:cNvPr id="199" name="Google Shape;199;g3581656b244_0_165:notes"/>
-          <p:cNvSpPr/>
+          <p:cNvSpPr>
+            <a:spLocks noGrp="1" noRot="1" noChangeAspect="1"/>
+          </p:cNvSpPr>
           <p:nvPr>
-            <p:ph idx="2" type="sldImg"/>
+            <p:ph type="sldImg" idx="2"/>
           </p:nvPr>
         </p:nvSpPr>
         <p:spPr>
@@ -936,9 +963,13 @@
             <a:ext cx="6096300" cy="3429000"/>
           </a:xfrm>
           <a:custGeom>
-            <a:rect b="b" l="l" r="r" t="t"/>
+            <a:avLst/>
+            <a:gdLst/>
+            <a:ahLst/>
+            <a:cxnLst/>
+            <a:rect l="l" t="t" r="r" b="b"/>
             <a:pathLst>
-              <a:path extrusionOk="0" h="120000" w="120000">
+              <a:path w="120000" h="120000" extrusionOk="0">
                 <a:moveTo>
                   <a:pt x="0" y="0"/>
                 </a:moveTo>
@@ -960,9 +991,11 @@
       <p:sp>
         <p:nvSpPr>
           <p:cNvPr id="200" name="Google Shape;200;g3581656b244_0_165:notes"/>
-          <p:cNvSpPr txBox="1"/>
+          <p:cNvSpPr txBox="1">
+            <a:spLocks noGrp="1"/>
+          </p:cNvSpPr>
           <p:nvPr>
-            <p:ph idx="1" type="body"/>
+            <p:ph type="body" idx="1"/>
           </p:nvPr>
         </p:nvSpPr>
         <p:spPr>
@@ -975,12 +1008,12 @@
           </a:prstGeom>
         </p:spPr>
         <p:txBody>
-          <a:bodyPr anchorCtr="0" anchor="t" bIns="91425" lIns="91425" spcFirstLastPara="1" rIns="91425" wrap="square" tIns="91425">
+          <a:bodyPr spcFirstLastPara="1" wrap="square" lIns="91425" tIns="91425" rIns="91425" bIns="91425" anchor="t" anchorCtr="0">
             <a:noAutofit/>
           </a:bodyPr>
           <a:lstStyle/>
           <a:p>
-            <a:pPr indent="0" lvl="0" marL="0" rtl="0" algn="l">
+            <a:pPr marL="0" lvl="0" indent="0" algn="l" rtl="0">
               <a:spcBef>
                 <a:spcPts val="0"/>
               </a:spcBef>
@@ -989,9 +1022,6 @@
               </a:spcAft>
               <a:buNone/>
             </a:pPr>
-            <a:r>
-              <a:t/>
-            </a:r>
             <a:endParaRPr/>
           </a:p>
         </p:txBody>
@@ -1005,11 +1035,11 @@
 </file>
 
 <file path=ppt/notesSlides/notesSlide12.xml><?xml version="1.0" encoding="utf-8"?>
-<p:notes xmlns:a="http://schemas.openxmlformats.org/drawingml/2006/main" xmlns:r="http://schemas.openxmlformats.org/officeDocument/2006/relationships" xmlns:mc="http://schemas.openxmlformats.org/markup-compatibility/2006" xmlns:mv="urn:schemas-microsoft-com:mac:vml" xmlns:p="http://schemas.openxmlformats.org/presentationml/2006/main" xmlns:c="http://schemas.openxmlformats.org/drawingml/2006/chart" xmlns:dgm="http://schemas.openxmlformats.org/drawingml/2006/diagram" xmlns:o="urn:schemas-microsoft-com:office:office" xmlns:v="urn:schemas-microsoft-com:vml" xmlns:pvml="urn:schemas-microsoft-com:office:powerpoint" xmlns:com="http://schemas.openxmlformats.org/drawingml/2006/compatibility" xmlns:p14="http://schemas.microsoft.com/office/powerpoint/2010/main" xmlns:p15="http://schemas.microsoft.com/office/powerpoint/2012/main" xmlns:ahyp="http://schemas.microsoft.com/office/drawing/2018/hyperlinkcolor" showMasterPhAnim="0" showMasterSp="0">
+<p:notes xmlns:a="http://schemas.openxmlformats.org/drawingml/2006/main" xmlns:r="http://schemas.openxmlformats.org/officeDocument/2006/relationships" xmlns:p="http://schemas.openxmlformats.org/presentationml/2006/main" showMasterSp="0" showMasterPhAnim="0">
   <p:cSld>
     <p:spTree>
       <p:nvGrpSpPr>
-        <p:cNvPr id="204" name="Shape 204"/>
+        <p:cNvPr id="1" name="Shape 204"/>
         <p:cNvGrpSpPr/>
         <p:nvPr/>
       </p:nvGrpSpPr>
@@ -1024,9 +1054,11 @@
       <p:sp>
         <p:nvSpPr>
           <p:cNvPr id="205" name="Google Shape;205;g3581656b244_0_178:notes"/>
-          <p:cNvSpPr/>
+          <p:cNvSpPr>
+            <a:spLocks noGrp="1" noRot="1" noChangeAspect="1"/>
+          </p:cNvSpPr>
           <p:nvPr>
-            <p:ph idx="2" type="sldImg"/>
+            <p:ph type="sldImg" idx="2"/>
           </p:nvPr>
         </p:nvSpPr>
         <p:spPr>
@@ -1035,9 +1067,13 @@
             <a:ext cx="6096000" cy="3429000"/>
           </a:xfrm>
           <a:custGeom>
-            <a:rect b="b" l="l" r="r" t="t"/>
+            <a:avLst/>
+            <a:gdLst/>
+            <a:ahLst/>
+            <a:cxnLst/>
+            <a:rect l="l" t="t" r="r" b="b"/>
             <a:pathLst>
-              <a:path extrusionOk="0" h="120000" w="120000">
+              <a:path w="120000" h="120000" extrusionOk="0">
                 <a:moveTo>
                   <a:pt x="0" y="0"/>
                 </a:moveTo>
@@ -1059,9 +1095,11 @@
       <p:sp>
         <p:nvSpPr>
           <p:cNvPr id="206" name="Google Shape;206;g3581656b244_0_178:notes"/>
-          <p:cNvSpPr txBox="1"/>
+          <p:cNvSpPr txBox="1">
+            <a:spLocks noGrp="1"/>
+          </p:cNvSpPr>
           <p:nvPr>
-            <p:ph idx="1" type="body"/>
+            <p:ph type="body" idx="1"/>
           </p:nvPr>
         </p:nvSpPr>
         <p:spPr>
@@ -1074,12 +1112,12 @@
           </a:prstGeom>
         </p:spPr>
         <p:txBody>
-          <a:bodyPr anchorCtr="0" anchor="t" bIns="91425" lIns="91425" spcFirstLastPara="1" rIns="91425" wrap="square" tIns="91425">
+          <a:bodyPr spcFirstLastPara="1" wrap="square" lIns="91425" tIns="91425" rIns="91425" bIns="91425" anchor="t" anchorCtr="0">
             <a:noAutofit/>
           </a:bodyPr>
           <a:lstStyle/>
           <a:p>
-            <a:pPr indent="0" lvl="0" marL="0" rtl="0" algn="l">
+            <a:pPr marL="0" lvl="0" indent="0" algn="l" rtl="0">
               <a:spcBef>
                 <a:spcPts val="0"/>
               </a:spcBef>
@@ -1088,9 +1126,6 @@
               </a:spcAft>
               <a:buNone/>
             </a:pPr>
-            <a:r>
-              <a:t/>
-            </a:r>
             <a:endParaRPr/>
           </a:p>
         </p:txBody>
@@ -1104,11 +1139,11 @@
 </file>
 
 <file path=ppt/notesSlides/notesSlide13.xml><?xml version="1.0" encoding="utf-8"?>
-<p:notes xmlns:a="http://schemas.openxmlformats.org/drawingml/2006/main" xmlns:r="http://schemas.openxmlformats.org/officeDocument/2006/relationships" xmlns:mc="http://schemas.openxmlformats.org/markup-compatibility/2006" xmlns:mv="urn:schemas-microsoft-com:mac:vml" xmlns:p="http://schemas.openxmlformats.org/presentationml/2006/main" xmlns:c="http://schemas.openxmlformats.org/drawingml/2006/chart" xmlns:dgm="http://schemas.openxmlformats.org/drawingml/2006/diagram" xmlns:o="urn:schemas-microsoft-com:office:office" xmlns:v="urn:schemas-microsoft-com:vml" xmlns:pvml="urn:schemas-microsoft-com:office:powerpoint" xmlns:com="http://schemas.openxmlformats.org/drawingml/2006/compatibility" xmlns:p14="http://schemas.microsoft.com/office/powerpoint/2010/main" xmlns:p15="http://schemas.microsoft.com/office/powerpoint/2012/main" xmlns:ahyp="http://schemas.microsoft.com/office/drawing/2018/hyperlinkcolor" showMasterPhAnim="0" showMasterSp="0">
+<p:notes xmlns:a="http://schemas.openxmlformats.org/drawingml/2006/main" xmlns:r="http://schemas.openxmlformats.org/officeDocument/2006/relationships" xmlns:p="http://schemas.openxmlformats.org/presentationml/2006/main" showMasterSp="0" showMasterPhAnim="0">
   <p:cSld>
     <p:spTree>
       <p:nvGrpSpPr>
-        <p:cNvPr id="209" name="Shape 209"/>
+        <p:cNvPr id="1" name="Shape 209"/>
         <p:cNvGrpSpPr/>
         <p:nvPr/>
       </p:nvGrpSpPr>
@@ -1123,9 +1158,11 @@
       <p:sp>
         <p:nvSpPr>
           <p:cNvPr id="210" name="Google Shape;210;gc6f73a04f_0_46:notes"/>
-          <p:cNvSpPr/>
+          <p:cNvSpPr>
+            <a:spLocks noGrp="1" noRot="1" noChangeAspect="1"/>
+          </p:cNvSpPr>
           <p:nvPr>
-            <p:ph idx="2" type="sldImg"/>
+            <p:ph type="sldImg" idx="2"/>
           </p:nvPr>
         </p:nvSpPr>
         <p:spPr>
@@ -1134,9 +1171,13 @@
             <a:ext cx="6096300" cy="3429000"/>
           </a:xfrm>
           <a:custGeom>
-            <a:rect b="b" l="l" r="r" t="t"/>
+            <a:avLst/>
+            <a:gdLst/>
+            <a:ahLst/>
+            <a:cxnLst/>
+            <a:rect l="l" t="t" r="r" b="b"/>
             <a:pathLst>
-              <a:path extrusionOk="0" h="120000" w="120000">
+              <a:path w="120000" h="120000" extrusionOk="0">
                 <a:moveTo>
                   <a:pt x="0" y="0"/>
                 </a:moveTo>
@@ -1158,9 +1199,11 @@
       <p:sp>
         <p:nvSpPr>
           <p:cNvPr id="211" name="Google Shape;211;gc6f73a04f_0_46:notes"/>
-          <p:cNvSpPr txBox="1"/>
+          <p:cNvSpPr txBox="1">
+            <a:spLocks noGrp="1"/>
+          </p:cNvSpPr>
           <p:nvPr>
-            <p:ph idx="1" type="body"/>
+            <p:ph type="body" idx="1"/>
           </p:nvPr>
         </p:nvSpPr>
         <p:spPr>
@@ -1173,12 +1216,12 @@
           </a:prstGeom>
         </p:spPr>
         <p:txBody>
-          <a:bodyPr anchorCtr="0" anchor="t" bIns="91425" lIns="91425" spcFirstLastPara="1" rIns="91425" wrap="square" tIns="91425">
+          <a:bodyPr spcFirstLastPara="1" wrap="square" lIns="91425" tIns="91425" rIns="91425" bIns="91425" anchor="t" anchorCtr="0">
             <a:noAutofit/>
           </a:bodyPr>
           <a:lstStyle/>
           <a:p>
-            <a:pPr indent="0" lvl="0" marL="0" rtl="0" algn="l">
+            <a:pPr marL="0" lvl="0" indent="0" algn="l" rtl="0">
               <a:spcBef>
                 <a:spcPts val="0"/>
               </a:spcBef>
@@ -1187,9 +1230,6 @@
               </a:spcAft>
               <a:buNone/>
             </a:pPr>
-            <a:r>
-              <a:t/>
-            </a:r>
             <a:endParaRPr/>
           </a:p>
         </p:txBody>
@@ -1203,11 +1243,11 @@
 </file>
 
 <file path=ppt/notesSlides/notesSlide2.xml><?xml version="1.0" encoding="utf-8"?>
-<p:notes xmlns:a="http://schemas.openxmlformats.org/drawingml/2006/main" xmlns:r="http://schemas.openxmlformats.org/officeDocument/2006/relationships" xmlns:mc="http://schemas.openxmlformats.org/markup-compatibility/2006" xmlns:mv="urn:schemas-microsoft-com:mac:vml" xmlns:p="http://schemas.openxmlformats.org/presentationml/2006/main" xmlns:c="http://schemas.openxmlformats.org/drawingml/2006/chart" xmlns:dgm="http://schemas.openxmlformats.org/drawingml/2006/diagram" xmlns:o="urn:schemas-microsoft-com:office:office" xmlns:v="urn:schemas-microsoft-com:vml" xmlns:pvml="urn:schemas-microsoft-com:office:powerpoint" xmlns:com="http://schemas.openxmlformats.org/drawingml/2006/compatibility" xmlns:p14="http://schemas.microsoft.com/office/powerpoint/2010/main" xmlns:p15="http://schemas.microsoft.com/office/powerpoint/2012/main" xmlns:ahyp="http://schemas.microsoft.com/office/drawing/2018/hyperlinkcolor" showMasterPhAnim="0" showMasterSp="0">
+<p:notes xmlns:a="http://schemas.openxmlformats.org/drawingml/2006/main" xmlns:r="http://schemas.openxmlformats.org/officeDocument/2006/relationships" xmlns:p="http://schemas.openxmlformats.org/presentationml/2006/main" showMasterSp="0" showMasterPhAnim="0">
   <p:cSld>
     <p:spTree>
       <p:nvGrpSpPr>
-        <p:cNvPr id="130" name="Shape 130"/>
+        <p:cNvPr id="1" name="Shape 130"/>
         <p:cNvGrpSpPr/>
         <p:nvPr/>
       </p:nvGrpSpPr>
@@ -1222,9 +1262,11 @@
       <p:sp>
         <p:nvSpPr>
           <p:cNvPr id="131" name="Google Shape;131;gc6f73a04f_0_9:notes"/>
-          <p:cNvSpPr/>
+          <p:cNvSpPr>
+            <a:spLocks noGrp="1" noRot="1" noChangeAspect="1"/>
+          </p:cNvSpPr>
           <p:nvPr>
-            <p:ph idx="2" type="sldImg"/>
+            <p:ph type="sldImg" idx="2"/>
           </p:nvPr>
         </p:nvSpPr>
         <p:spPr>
@@ -1233,9 +1275,13 @@
             <a:ext cx="6096300" cy="3429000"/>
           </a:xfrm>
           <a:custGeom>
-            <a:rect b="b" l="l" r="r" t="t"/>
+            <a:avLst/>
+            <a:gdLst/>
+            <a:ahLst/>
+            <a:cxnLst/>
+            <a:rect l="l" t="t" r="r" b="b"/>
             <a:pathLst>
-              <a:path extrusionOk="0" h="120000" w="120000">
+              <a:path w="120000" h="120000" extrusionOk="0">
                 <a:moveTo>
                   <a:pt x="0" y="0"/>
                 </a:moveTo>
@@ -1257,9 +1303,11 @@
       <p:sp>
         <p:nvSpPr>
           <p:cNvPr id="132" name="Google Shape;132;gc6f73a04f_0_9:notes"/>
-          <p:cNvSpPr txBox="1"/>
+          <p:cNvSpPr txBox="1">
+            <a:spLocks noGrp="1"/>
+          </p:cNvSpPr>
           <p:nvPr>
-            <p:ph idx="1" type="body"/>
+            <p:ph type="body" idx="1"/>
           </p:nvPr>
         </p:nvSpPr>
         <p:spPr>
@@ -1272,12 +1320,12 @@
           </a:prstGeom>
         </p:spPr>
         <p:txBody>
-          <a:bodyPr anchorCtr="0" anchor="t" bIns="91425" lIns="91425" spcFirstLastPara="1" rIns="91425" wrap="square" tIns="91425">
+          <a:bodyPr spcFirstLastPara="1" wrap="square" lIns="91425" tIns="91425" rIns="91425" bIns="91425" anchor="t" anchorCtr="0">
             <a:noAutofit/>
           </a:bodyPr>
           <a:lstStyle/>
           <a:p>
-            <a:pPr indent="0" lvl="0" marL="0" rtl="0" algn="l">
+            <a:pPr marL="0" lvl="0" indent="0" algn="l" rtl="0">
               <a:spcBef>
                 <a:spcPts val="0"/>
               </a:spcBef>
@@ -1286,9 +1334,6 @@
               </a:spcAft>
               <a:buNone/>
             </a:pPr>
-            <a:r>
-              <a:t/>
-            </a:r>
             <a:endParaRPr/>
           </a:p>
         </p:txBody>
@@ -1302,11 +1347,11 @@
 </file>
 
 <file path=ppt/notesSlides/notesSlide3.xml><?xml version="1.0" encoding="utf-8"?>
-<p:notes xmlns:a="http://schemas.openxmlformats.org/drawingml/2006/main" xmlns:r="http://schemas.openxmlformats.org/officeDocument/2006/relationships" xmlns:mc="http://schemas.openxmlformats.org/markup-compatibility/2006" xmlns:mv="urn:schemas-microsoft-com:mac:vml" xmlns:p="http://schemas.openxmlformats.org/presentationml/2006/main" xmlns:c="http://schemas.openxmlformats.org/drawingml/2006/chart" xmlns:dgm="http://schemas.openxmlformats.org/drawingml/2006/diagram" xmlns:o="urn:schemas-microsoft-com:office:office" xmlns:v="urn:schemas-microsoft-com:vml" xmlns:pvml="urn:schemas-microsoft-com:office:powerpoint" xmlns:com="http://schemas.openxmlformats.org/drawingml/2006/compatibility" xmlns:p14="http://schemas.microsoft.com/office/powerpoint/2010/main" xmlns:p15="http://schemas.microsoft.com/office/powerpoint/2012/main" xmlns:ahyp="http://schemas.microsoft.com/office/drawing/2018/hyperlinkcolor" showMasterPhAnim="0" showMasterSp="0">
+<p:notes xmlns:a="http://schemas.openxmlformats.org/drawingml/2006/main" xmlns:r="http://schemas.openxmlformats.org/officeDocument/2006/relationships" xmlns:p="http://schemas.openxmlformats.org/presentationml/2006/main" showMasterSp="0" showMasterPhAnim="0">
   <p:cSld>
     <p:spTree>
       <p:nvGrpSpPr>
-        <p:cNvPr id="136" name="Shape 136"/>
+        <p:cNvPr id="1" name="Shape 136"/>
         <p:cNvGrpSpPr/>
         <p:nvPr/>
       </p:nvGrpSpPr>
@@ -1321,9 +1366,11 @@
       <p:sp>
         <p:nvSpPr>
           <p:cNvPr id="137" name="Google Shape;137;g3581656b244_0_119:notes"/>
-          <p:cNvSpPr/>
+          <p:cNvSpPr>
+            <a:spLocks noGrp="1" noRot="1" noChangeAspect="1"/>
+          </p:cNvSpPr>
           <p:nvPr>
-            <p:ph idx="2" type="sldImg"/>
+            <p:ph type="sldImg" idx="2"/>
           </p:nvPr>
         </p:nvSpPr>
         <p:spPr>
@@ -1332,9 +1379,13 @@
             <a:ext cx="6096000" cy="3429000"/>
           </a:xfrm>
           <a:custGeom>
-            <a:rect b="b" l="l" r="r" t="t"/>
+            <a:avLst/>
+            <a:gdLst/>
+            <a:ahLst/>
+            <a:cxnLst/>
+            <a:rect l="l" t="t" r="r" b="b"/>
             <a:pathLst>
-              <a:path extrusionOk="0" h="120000" w="120000">
+              <a:path w="120000" h="120000" extrusionOk="0">
                 <a:moveTo>
                   <a:pt x="0" y="0"/>
                 </a:moveTo>
@@ -1356,9 +1407,11 @@
       <p:sp>
         <p:nvSpPr>
           <p:cNvPr id="138" name="Google Shape;138;g3581656b244_0_119:notes"/>
-          <p:cNvSpPr txBox="1"/>
+          <p:cNvSpPr txBox="1">
+            <a:spLocks noGrp="1"/>
+          </p:cNvSpPr>
           <p:nvPr>
-            <p:ph idx="1" type="body"/>
+            <p:ph type="body" idx="1"/>
           </p:nvPr>
         </p:nvSpPr>
         <p:spPr>
@@ -1371,12 +1424,12 @@
           </a:prstGeom>
         </p:spPr>
         <p:txBody>
-          <a:bodyPr anchorCtr="0" anchor="t" bIns="91425" lIns="91425" spcFirstLastPara="1" rIns="91425" wrap="square" tIns="91425">
+          <a:bodyPr spcFirstLastPara="1" wrap="square" lIns="91425" tIns="91425" rIns="91425" bIns="91425" anchor="t" anchorCtr="0">
             <a:noAutofit/>
           </a:bodyPr>
           <a:lstStyle/>
           <a:p>
-            <a:pPr indent="0" lvl="0" marL="0" rtl="0" algn="l">
+            <a:pPr marL="0" lvl="0" indent="0" algn="l" rtl="0">
               <a:spcBef>
                 <a:spcPts val="0"/>
               </a:spcBef>
@@ -1385,9 +1438,6 @@
               </a:spcAft>
               <a:buNone/>
             </a:pPr>
-            <a:r>
-              <a:t/>
-            </a:r>
             <a:endParaRPr/>
           </a:p>
         </p:txBody>
@@ -1401,11 +1451,11 @@
 </file>
 
 <file path=ppt/notesSlides/notesSlide4.xml><?xml version="1.0" encoding="utf-8"?>
-<p:notes xmlns:a="http://schemas.openxmlformats.org/drawingml/2006/main" xmlns:r="http://schemas.openxmlformats.org/officeDocument/2006/relationships" xmlns:mc="http://schemas.openxmlformats.org/markup-compatibility/2006" xmlns:mv="urn:schemas-microsoft-com:mac:vml" xmlns:p="http://schemas.openxmlformats.org/presentationml/2006/main" xmlns:c="http://schemas.openxmlformats.org/drawingml/2006/chart" xmlns:dgm="http://schemas.openxmlformats.org/drawingml/2006/diagram" xmlns:o="urn:schemas-microsoft-com:office:office" xmlns:v="urn:schemas-microsoft-com:vml" xmlns:pvml="urn:schemas-microsoft-com:office:powerpoint" xmlns:com="http://schemas.openxmlformats.org/drawingml/2006/compatibility" xmlns:p14="http://schemas.microsoft.com/office/powerpoint/2010/main" xmlns:p15="http://schemas.microsoft.com/office/powerpoint/2012/main" xmlns:ahyp="http://schemas.microsoft.com/office/drawing/2018/hyperlinkcolor" showMasterPhAnim="0" showMasterSp="0">
+<p:notes xmlns:a="http://schemas.openxmlformats.org/drawingml/2006/main" xmlns:r="http://schemas.openxmlformats.org/officeDocument/2006/relationships" xmlns:p="http://schemas.openxmlformats.org/presentationml/2006/main" showMasterSp="0" showMasterPhAnim="0">
   <p:cSld>
     <p:spTree>
       <p:nvGrpSpPr>
-        <p:cNvPr id="144" name="Shape 144"/>
+        <p:cNvPr id="1" name="Shape 144"/>
         <p:cNvGrpSpPr/>
         <p:nvPr/>
       </p:nvGrpSpPr>
@@ -1420,9 +1470,11 @@
       <p:sp>
         <p:nvSpPr>
           <p:cNvPr id="145" name="Google Shape;145;gc6f73a04f_0_14:notes"/>
-          <p:cNvSpPr/>
+          <p:cNvSpPr>
+            <a:spLocks noGrp="1" noRot="1" noChangeAspect="1"/>
+          </p:cNvSpPr>
           <p:nvPr>
-            <p:ph idx="2" type="sldImg"/>
+            <p:ph type="sldImg" idx="2"/>
           </p:nvPr>
         </p:nvSpPr>
         <p:spPr>
@@ -1431,9 +1483,13 @@
             <a:ext cx="6096300" cy="3429000"/>
           </a:xfrm>
           <a:custGeom>
-            <a:rect b="b" l="l" r="r" t="t"/>
+            <a:avLst/>
+            <a:gdLst/>
+            <a:ahLst/>
+            <a:cxnLst/>
+            <a:rect l="l" t="t" r="r" b="b"/>
             <a:pathLst>
-              <a:path extrusionOk="0" h="120000" w="120000">
+              <a:path w="120000" h="120000" extrusionOk="0">
                 <a:moveTo>
                   <a:pt x="0" y="0"/>
                 </a:moveTo>
@@ -1455,9 +1511,11 @@
       <p:sp>
         <p:nvSpPr>
           <p:cNvPr id="146" name="Google Shape;146;gc6f73a04f_0_14:notes"/>
-          <p:cNvSpPr txBox="1"/>
+          <p:cNvSpPr txBox="1">
+            <a:spLocks noGrp="1"/>
+          </p:cNvSpPr>
           <p:nvPr>
-            <p:ph idx="1" type="body"/>
+            <p:ph type="body" idx="1"/>
           </p:nvPr>
         </p:nvSpPr>
         <p:spPr>
@@ -1470,12 +1528,12 @@
           </a:prstGeom>
         </p:spPr>
         <p:txBody>
-          <a:bodyPr anchorCtr="0" anchor="t" bIns="91425" lIns="91425" spcFirstLastPara="1" rIns="91425" wrap="square" tIns="91425">
+          <a:bodyPr spcFirstLastPara="1" wrap="square" lIns="91425" tIns="91425" rIns="91425" bIns="91425" anchor="t" anchorCtr="0">
             <a:noAutofit/>
           </a:bodyPr>
           <a:lstStyle/>
           <a:p>
-            <a:pPr indent="0" lvl="0" marL="0" rtl="0" algn="l">
+            <a:pPr marL="0" lvl="0" indent="0" algn="l" rtl="0">
               <a:spcBef>
                 <a:spcPts val="0"/>
               </a:spcBef>
@@ -1484,9 +1542,6 @@
               </a:spcAft>
               <a:buNone/>
             </a:pPr>
-            <a:r>
-              <a:t/>
-            </a:r>
             <a:endParaRPr/>
           </a:p>
         </p:txBody>
@@ -1500,11 +1555,11 @@
 </file>
 
 <file path=ppt/notesSlides/notesSlide5.xml><?xml version="1.0" encoding="utf-8"?>
-<p:notes xmlns:a="http://schemas.openxmlformats.org/drawingml/2006/main" xmlns:r="http://schemas.openxmlformats.org/officeDocument/2006/relationships" xmlns:mc="http://schemas.openxmlformats.org/markup-compatibility/2006" xmlns:mv="urn:schemas-microsoft-com:mac:vml" xmlns:p="http://schemas.openxmlformats.org/presentationml/2006/main" xmlns:c="http://schemas.openxmlformats.org/drawingml/2006/chart" xmlns:dgm="http://schemas.openxmlformats.org/drawingml/2006/diagram" xmlns:o="urn:schemas-microsoft-com:office:office" xmlns:v="urn:schemas-microsoft-com:vml" xmlns:pvml="urn:schemas-microsoft-com:office:powerpoint" xmlns:com="http://schemas.openxmlformats.org/drawingml/2006/compatibility" xmlns:p14="http://schemas.microsoft.com/office/powerpoint/2010/main" xmlns:p15="http://schemas.microsoft.com/office/powerpoint/2012/main" xmlns:ahyp="http://schemas.microsoft.com/office/drawing/2018/hyperlinkcolor" showMasterPhAnim="0" showMasterSp="0">
+<p:notes xmlns:a="http://schemas.openxmlformats.org/drawingml/2006/main" xmlns:r="http://schemas.openxmlformats.org/officeDocument/2006/relationships" xmlns:p="http://schemas.openxmlformats.org/presentationml/2006/main" showMasterSp="0" showMasterPhAnim="0">
   <p:cSld>
     <p:spTree>
       <p:nvGrpSpPr>
-        <p:cNvPr id="150" name="Shape 150"/>
+        <p:cNvPr id="1" name="Shape 150"/>
         <p:cNvGrpSpPr/>
         <p:nvPr/>
       </p:nvGrpSpPr>
@@ -1519,9 +1574,11 @@
       <p:sp>
         <p:nvSpPr>
           <p:cNvPr id="151" name="Google Shape;151;g3581656b244_0_126:notes"/>
-          <p:cNvSpPr/>
+          <p:cNvSpPr>
+            <a:spLocks noGrp="1" noRot="1" noChangeAspect="1"/>
+          </p:cNvSpPr>
           <p:nvPr>
-            <p:ph idx="2" type="sldImg"/>
+            <p:ph type="sldImg" idx="2"/>
           </p:nvPr>
         </p:nvSpPr>
         <p:spPr>
@@ -1530,9 +1587,13 @@
             <a:ext cx="6096000" cy="3429000"/>
           </a:xfrm>
           <a:custGeom>
-            <a:rect b="b" l="l" r="r" t="t"/>
+            <a:avLst/>
+            <a:gdLst/>
+            <a:ahLst/>
+            <a:cxnLst/>
+            <a:rect l="l" t="t" r="r" b="b"/>
             <a:pathLst>
-              <a:path extrusionOk="0" h="120000" w="120000">
+              <a:path w="120000" h="120000" extrusionOk="0">
                 <a:moveTo>
                   <a:pt x="0" y="0"/>
                 </a:moveTo>
@@ -1554,9 +1615,11 @@
       <p:sp>
         <p:nvSpPr>
           <p:cNvPr id="152" name="Google Shape;152;g3581656b244_0_126:notes"/>
-          <p:cNvSpPr txBox="1"/>
+          <p:cNvSpPr txBox="1">
+            <a:spLocks noGrp="1"/>
+          </p:cNvSpPr>
           <p:nvPr>
-            <p:ph idx="1" type="body"/>
+            <p:ph type="body" idx="1"/>
           </p:nvPr>
         </p:nvSpPr>
         <p:spPr>
@@ -1569,12 +1632,12 @@
           </a:prstGeom>
         </p:spPr>
         <p:txBody>
-          <a:bodyPr anchorCtr="0" anchor="t" bIns="91425" lIns="91425" spcFirstLastPara="1" rIns="91425" wrap="square" tIns="91425">
+          <a:bodyPr spcFirstLastPara="1" wrap="square" lIns="91425" tIns="91425" rIns="91425" bIns="91425" anchor="t" anchorCtr="0">
             <a:noAutofit/>
           </a:bodyPr>
           <a:lstStyle/>
           <a:p>
-            <a:pPr indent="0" lvl="0" marL="0" rtl="0" algn="l">
+            <a:pPr marL="0" lvl="0" indent="0" algn="l" rtl="0">
               <a:spcBef>
                 <a:spcPts val="0"/>
               </a:spcBef>
@@ -1583,9 +1646,6 @@
               </a:spcAft>
               <a:buNone/>
             </a:pPr>
-            <a:r>
-              <a:t/>
-            </a:r>
             <a:endParaRPr/>
           </a:p>
         </p:txBody>
@@ -1599,11 +1659,11 @@
 </file>
 
 <file path=ppt/notesSlides/notesSlide6.xml><?xml version="1.0" encoding="utf-8"?>
-<p:notes xmlns:a="http://schemas.openxmlformats.org/drawingml/2006/main" xmlns:r="http://schemas.openxmlformats.org/officeDocument/2006/relationships" xmlns:mc="http://schemas.openxmlformats.org/markup-compatibility/2006" xmlns:mv="urn:schemas-microsoft-com:mac:vml" xmlns:p="http://schemas.openxmlformats.org/presentationml/2006/main" xmlns:c="http://schemas.openxmlformats.org/drawingml/2006/chart" xmlns:dgm="http://schemas.openxmlformats.org/drawingml/2006/diagram" xmlns:o="urn:schemas-microsoft-com:office:office" xmlns:v="urn:schemas-microsoft-com:vml" xmlns:pvml="urn:schemas-microsoft-com:office:powerpoint" xmlns:com="http://schemas.openxmlformats.org/drawingml/2006/compatibility" xmlns:p14="http://schemas.microsoft.com/office/powerpoint/2010/main" xmlns:p15="http://schemas.microsoft.com/office/powerpoint/2012/main" xmlns:ahyp="http://schemas.microsoft.com/office/drawing/2018/hyperlinkcolor" showMasterPhAnim="0" showMasterSp="0">
+<p:notes xmlns:a="http://schemas.openxmlformats.org/drawingml/2006/main" xmlns:r="http://schemas.openxmlformats.org/officeDocument/2006/relationships" xmlns:p="http://schemas.openxmlformats.org/presentationml/2006/main" showMasterSp="0" showMasterPhAnim="0">
   <p:cSld>
     <p:spTree>
       <p:nvGrpSpPr>
-        <p:cNvPr id="157" name="Shape 157"/>
+        <p:cNvPr id="1" name="Shape 157"/>
         <p:cNvGrpSpPr/>
         <p:nvPr/>
       </p:nvGrpSpPr>
@@ -1618,9 +1678,11 @@
       <p:sp>
         <p:nvSpPr>
           <p:cNvPr id="158" name="Google Shape;158;g3581656b244_0_139:notes"/>
-          <p:cNvSpPr/>
+          <p:cNvSpPr>
+            <a:spLocks noGrp="1" noRot="1" noChangeAspect="1"/>
+          </p:cNvSpPr>
           <p:nvPr>
-            <p:ph idx="2" type="sldImg"/>
+            <p:ph type="sldImg" idx="2"/>
           </p:nvPr>
         </p:nvSpPr>
         <p:spPr>
@@ -1629,9 +1691,13 @@
             <a:ext cx="6096000" cy="3429000"/>
           </a:xfrm>
           <a:custGeom>
-            <a:rect b="b" l="l" r="r" t="t"/>
+            <a:avLst/>
+            <a:gdLst/>
+            <a:ahLst/>
+            <a:cxnLst/>
+            <a:rect l="l" t="t" r="r" b="b"/>
             <a:pathLst>
-              <a:path extrusionOk="0" h="120000" w="120000">
+              <a:path w="120000" h="120000" extrusionOk="0">
                 <a:moveTo>
                   <a:pt x="0" y="0"/>
                 </a:moveTo>
@@ -1653,9 +1719,11 @@
       <p:sp>
         <p:nvSpPr>
           <p:cNvPr id="159" name="Google Shape;159;g3581656b244_0_139:notes"/>
-          <p:cNvSpPr txBox="1"/>
+          <p:cNvSpPr txBox="1">
+            <a:spLocks noGrp="1"/>
+          </p:cNvSpPr>
           <p:nvPr>
-            <p:ph idx="1" type="body"/>
+            <p:ph type="body" idx="1"/>
           </p:nvPr>
         </p:nvSpPr>
         <p:spPr>
@@ -1668,12 +1736,12 @@
           </a:prstGeom>
         </p:spPr>
         <p:txBody>
-          <a:bodyPr anchorCtr="0" anchor="t" bIns="91425" lIns="91425" spcFirstLastPara="1" rIns="91425" wrap="square" tIns="91425">
+          <a:bodyPr spcFirstLastPara="1" wrap="square" lIns="91425" tIns="91425" rIns="91425" bIns="91425" anchor="t" anchorCtr="0">
             <a:noAutofit/>
           </a:bodyPr>
           <a:lstStyle/>
           <a:p>
-            <a:pPr indent="0" lvl="0" marL="0" rtl="0" algn="l">
+            <a:pPr marL="0" lvl="0" indent="0" algn="l" rtl="0">
               <a:spcBef>
                 <a:spcPts val="0"/>
               </a:spcBef>
@@ -1682,9 +1750,6 @@
               </a:spcAft>
               <a:buNone/>
             </a:pPr>
-            <a:r>
-              <a:t/>
-            </a:r>
             <a:endParaRPr/>
           </a:p>
         </p:txBody>
@@ -1698,11 +1763,11 @@
 </file>
 
 <file path=ppt/notesSlides/notesSlide7.xml><?xml version="1.0" encoding="utf-8"?>
-<p:notes xmlns:a="http://schemas.openxmlformats.org/drawingml/2006/main" xmlns:r="http://schemas.openxmlformats.org/officeDocument/2006/relationships" xmlns:mc="http://schemas.openxmlformats.org/markup-compatibility/2006" xmlns:mv="urn:schemas-microsoft-com:mac:vml" xmlns:p="http://schemas.openxmlformats.org/presentationml/2006/main" xmlns:c="http://schemas.openxmlformats.org/drawingml/2006/chart" xmlns:dgm="http://schemas.openxmlformats.org/drawingml/2006/diagram" xmlns:o="urn:schemas-microsoft-com:office:office" xmlns:v="urn:schemas-microsoft-com:vml" xmlns:pvml="urn:schemas-microsoft-com:office:powerpoint" xmlns:com="http://schemas.openxmlformats.org/drawingml/2006/compatibility" xmlns:p14="http://schemas.microsoft.com/office/powerpoint/2010/main" xmlns:p15="http://schemas.microsoft.com/office/powerpoint/2012/main" xmlns:ahyp="http://schemas.microsoft.com/office/drawing/2018/hyperlinkcolor" showMasterPhAnim="0" showMasterSp="0">
+<p:notes xmlns:a="http://schemas.openxmlformats.org/drawingml/2006/main" xmlns:r="http://schemas.openxmlformats.org/officeDocument/2006/relationships" xmlns:p="http://schemas.openxmlformats.org/presentationml/2006/main" showMasterSp="0" showMasterPhAnim="0">
   <p:cSld>
     <p:spTree>
       <p:nvGrpSpPr>
-        <p:cNvPr id="164" name="Shape 164"/>
+        <p:cNvPr id="1" name="Shape 164"/>
         <p:cNvGrpSpPr/>
         <p:nvPr/>
       </p:nvGrpSpPr>
@@ -1717,9 +1782,11 @@
       <p:sp>
         <p:nvSpPr>
           <p:cNvPr id="165" name="Google Shape;165;g3581656b244_0_146:notes"/>
-          <p:cNvSpPr/>
+          <p:cNvSpPr>
+            <a:spLocks noGrp="1" noRot="1" noChangeAspect="1"/>
+          </p:cNvSpPr>
           <p:nvPr>
-            <p:ph idx="2" type="sldImg"/>
+            <p:ph type="sldImg" idx="2"/>
           </p:nvPr>
         </p:nvSpPr>
         <p:spPr>
@@ -1728,9 +1795,13 @@
             <a:ext cx="6096000" cy="3429000"/>
           </a:xfrm>
           <a:custGeom>
-            <a:rect b="b" l="l" r="r" t="t"/>
+            <a:avLst/>
+            <a:gdLst/>
+            <a:ahLst/>
+            <a:cxnLst/>
+            <a:rect l="l" t="t" r="r" b="b"/>
             <a:pathLst>
-              <a:path extrusionOk="0" h="120000" w="120000">
+              <a:path w="120000" h="120000" extrusionOk="0">
                 <a:moveTo>
                   <a:pt x="0" y="0"/>
                 </a:moveTo>
@@ -1752,9 +1823,11 @@
       <p:sp>
         <p:nvSpPr>
           <p:cNvPr id="166" name="Google Shape;166;g3581656b244_0_146:notes"/>
-          <p:cNvSpPr txBox="1"/>
+          <p:cNvSpPr txBox="1">
+            <a:spLocks noGrp="1"/>
+          </p:cNvSpPr>
           <p:nvPr>
-            <p:ph idx="1" type="body"/>
+            <p:ph type="body" idx="1"/>
           </p:nvPr>
         </p:nvSpPr>
         <p:spPr>
@@ -1767,12 +1840,12 @@
           </a:prstGeom>
         </p:spPr>
         <p:txBody>
-          <a:bodyPr anchorCtr="0" anchor="t" bIns="91425" lIns="91425" spcFirstLastPara="1" rIns="91425" wrap="square" tIns="91425">
+          <a:bodyPr spcFirstLastPara="1" wrap="square" lIns="91425" tIns="91425" rIns="91425" bIns="91425" anchor="t" anchorCtr="0">
             <a:noAutofit/>
           </a:bodyPr>
           <a:lstStyle/>
           <a:p>
-            <a:pPr indent="0" lvl="0" marL="0" rtl="0" algn="l">
+            <a:pPr marL="0" lvl="0" indent="0" algn="l" rtl="0">
               <a:spcBef>
                 <a:spcPts val="0"/>
               </a:spcBef>
@@ -1781,9 +1854,6 @@
               </a:spcAft>
               <a:buNone/>
             </a:pPr>
-            <a:r>
-              <a:t/>
-            </a:r>
             <a:endParaRPr/>
           </a:p>
         </p:txBody>
@@ -1797,11 +1867,11 @@
 </file>
 
 <file path=ppt/notesSlides/notesSlide8.xml><?xml version="1.0" encoding="utf-8"?>
-<p:notes xmlns:a="http://schemas.openxmlformats.org/drawingml/2006/main" xmlns:r="http://schemas.openxmlformats.org/officeDocument/2006/relationships" xmlns:mc="http://schemas.openxmlformats.org/markup-compatibility/2006" xmlns:mv="urn:schemas-microsoft-com:mac:vml" xmlns:p="http://schemas.openxmlformats.org/presentationml/2006/main" xmlns:c="http://schemas.openxmlformats.org/drawingml/2006/chart" xmlns:dgm="http://schemas.openxmlformats.org/drawingml/2006/diagram" xmlns:o="urn:schemas-microsoft-com:office:office" xmlns:v="urn:schemas-microsoft-com:vml" xmlns:pvml="urn:schemas-microsoft-com:office:powerpoint" xmlns:com="http://schemas.openxmlformats.org/drawingml/2006/compatibility" xmlns:p14="http://schemas.microsoft.com/office/powerpoint/2010/main" xmlns:p15="http://schemas.microsoft.com/office/powerpoint/2012/main" xmlns:ahyp="http://schemas.microsoft.com/office/drawing/2018/hyperlinkcolor" showMasterPhAnim="0" showMasterSp="0">
+<p:notes xmlns:a="http://schemas.openxmlformats.org/drawingml/2006/main" xmlns:r="http://schemas.openxmlformats.org/officeDocument/2006/relationships" xmlns:p="http://schemas.openxmlformats.org/presentationml/2006/main" showMasterSp="0" showMasterPhAnim="0">
   <p:cSld>
     <p:spTree>
       <p:nvGrpSpPr>
-        <p:cNvPr id="171" name="Shape 171"/>
+        <p:cNvPr id="1" name="Shape 171"/>
         <p:cNvGrpSpPr/>
         <p:nvPr/>
       </p:nvGrpSpPr>
@@ -1816,9 +1886,11 @@
       <p:sp>
         <p:nvSpPr>
           <p:cNvPr id="172" name="Google Shape;172;g3581656b244_0_133:notes"/>
-          <p:cNvSpPr/>
+          <p:cNvSpPr>
+            <a:spLocks noGrp="1" noRot="1" noChangeAspect="1"/>
+          </p:cNvSpPr>
           <p:nvPr>
-            <p:ph idx="2" type="sldImg"/>
+            <p:ph type="sldImg" idx="2"/>
           </p:nvPr>
         </p:nvSpPr>
         <p:spPr>
@@ -1827,9 +1899,13 @@
             <a:ext cx="6096000" cy="3429000"/>
           </a:xfrm>
           <a:custGeom>
-            <a:rect b="b" l="l" r="r" t="t"/>
+            <a:avLst/>
+            <a:gdLst/>
+            <a:ahLst/>
+            <a:cxnLst/>
+            <a:rect l="l" t="t" r="r" b="b"/>
             <a:pathLst>
-              <a:path extrusionOk="0" h="120000" w="120000">
+              <a:path w="120000" h="120000" extrusionOk="0">
                 <a:moveTo>
                   <a:pt x="0" y="0"/>
                 </a:moveTo>
@@ -1851,9 +1927,11 @@
       <p:sp>
         <p:nvSpPr>
           <p:cNvPr id="173" name="Google Shape;173;g3581656b244_0_133:notes"/>
-          <p:cNvSpPr txBox="1"/>
+          <p:cNvSpPr txBox="1">
+            <a:spLocks noGrp="1"/>
+          </p:cNvSpPr>
           <p:nvPr>
-            <p:ph idx="1" type="body"/>
+            <p:ph type="body" idx="1"/>
           </p:nvPr>
         </p:nvSpPr>
         <p:spPr>
@@ -1866,12 +1944,12 @@
           </a:prstGeom>
         </p:spPr>
         <p:txBody>
-          <a:bodyPr anchorCtr="0" anchor="t" bIns="91425" lIns="91425" spcFirstLastPara="1" rIns="91425" wrap="square" tIns="91425">
+          <a:bodyPr spcFirstLastPara="1" wrap="square" lIns="91425" tIns="91425" rIns="91425" bIns="91425" anchor="t" anchorCtr="0">
             <a:noAutofit/>
           </a:bodyPr>
           <a:lstStyle/>
           <a:p>
-            <a:pPr indent="0" lvl="0" marL="0" rtl="0" algn="l">
+            <a:pPr marL="0" lvl="0" indent="0" algn="l" rtl="0">
               <a:spcBef>
                 <a:spcPts val="0"/>
               </a:spcBef>
@@ -1880,9 +1958,6 @@
               </a:spcAft>
               <a:buNone/>
             </a:pPr>
-            <a:r>
-              <a:t/>
-            </a:r>
             <a:endParaRPr/>
           </a:p>
         </p:txBody>
@@ -1896,11 +1971,11 @@
 </file>
 
 <file path=ppt/notesSlides/notesSlide9.xml><?xml version="1.0" encoding="utf-8"?>
-<p:notes xmlns:a="http://schemas.openxmlformats.org/drawingml/2006/main" xmlns:r="http://schemas.openxmlformats.org/officeDocument/2006/relationships" xmlns:mc="http://schemas.openxmlformats.org/markup-compatibility/2006" xmlns:mv="urn:schemas-microsoft-com:mac:vml" xmlns:p="http://schemas.openxmlformats.org/presentationml/2006/main" xmlns:c="http://schemas.openxmlformats.org/drawingml/2006/chart" xmlns:dgm="http://schemas.openxmlformats.org/drawingml/2006/diagram" xmlns:o="urn:schemas-microsoft-com:office:office" xmlns:v="urn:schemas-microsoft-com:vml" xmlns:pvml="urn:schemas-microsoft-com:office:powerpoint" xmlns:com="http://schemas.openxmlformats.org/drawingml/2006/compatibility" xmlns:p14="http://schemas.microsoft.com/office/powerpoint/2010/main" xmlns:p15="http://schemas.microsoft.com/office/powerpoint/2012/main" xmlns:ahyp="http://schemas.microsoft.com/office/drawing/2018/hyperlinkcolor" showMasterPhAnim="0" showMasterSp="0">
+<p:notes xmlns:a="http://schemas.openxmlformats.org/drawingml/2006/main" xmlns:r="http://schemas.openxmlformats.org/officeDocument/2006/relationships" xmlns:p="http://schemas.openxmlformats.org/presentationml/2006/main" showMasterSp="0" showMasterPhAnim="0">
   <p:cSld>
     <p:spTree>
       <p:nvGrpSpPr>
-        <p:cNvPr id="183" name="Shape 183"/>
+        <p:cNvPr id="1" name="Shape 183"/>
         <p:cNvGrpSpPr/>
         <p:nvPr/>
       </p:nvGrpSpPr>
@@ -1915,9 +1990,11 @@
       <p:sp>
         <p:nvSpPr>
           <p:cNvPr id="184" name="Google Shape;184;gc6f73a04f_0_20:notes"/>
-          <p:cNvSpPr/>
+          <p:cNvSpPr>
+            <a:spLocks noGrp="1" noRot="1" noChangeAspect="1"/>
+          </p:cNvSpPr>
           <p:nvPr>
-            <p:ph idx="2" type="sldImg"/>
+            <p:ph type="sldImg" idx="2"/>
           </p:nvPr>
         </p:nvSpPr>
         <p:spPr>
@@ -1926,9 +2003,13 @@
             <a:ext cx="6096300" cy="3429000"/>
           </a:xfrm>
           <a:custGeom>
-            <a:rect b="b" l="l" r="r" t="t"/>
+            <a:avLst/>
+            <a:gdLst/>
+            <a:ahLst/>
+            <a:cxnLst/>
+            <a:rect l="l" t="t" r="r" b="b"/>
             <a:pathLst>
-              <a:path extrusionOk="0" h="120000" w="120000">
+              <a:path w="120000" h="120000" extrusionOk="0">
                 <a:moveTo>
                   <a:pt x="0" y="0"/>
                 </a:moveTo>
@@ -1950,9 +2031,11 @@
       <p:sp>
         <p:nvSpPr>
           <p:cNvPr id="185" name="Google Shape;185;gc6f73a04f_0_20:notes"/>
-          <p:cNvSpPr txBox="1"/>
+          <p:cNvSpPr txBox="1">
+            <a:spLocks noGrp="1"/>
+          </p:cNvSpPr>
           <p:nvPr>
-            <p:ph idx="1" type="body"/>
+            <p:ph type="body" idx="1"/>
           </p:nvPr>
         </p:nvSpPr>
         <p:spPr>
@@ -1965,12 +2048,12 @@
           </a:prstGeom>
         </p:spPr>
         <p:txBody>
-          <a:bodyPr anchorCtr="0" anchor="t" bIns="91425" lIns="91425" spcFirstLastPara="1" rIns="91425" wrap="square" tIns="91425">
+          <a:bodyPr spcFirstLastPara="1" wrap="square" lIns="91425" tIns="91425" rIns="91425" bIns="91425" anchor="t" anchorCtr="0">
             <a:noAutofit/>
           </a:bodyPr>
           <a:lstStyle/>
           <a:p>
-            <a:pPr indent="0" lvl="0" marL="0" rtl="0" algn="l">
+            <a:pPr marL="0" lvl="0" indent="0" algn="l" rtl="0">
               <a:spcBef>
                 <a:spcPts val="0"/>
               </a:spcBef>
@@ -1979,9 +2062,6 @@
               </a:spcAft>
               <a:buNone/>
             </a:pPr>
-            <a:r>
-              <a:t/>
-            </a:r>
             <a:endParaRPr/>
           </a:p>
         </p:txBody>
@@ -1995,18 +2075,19 @@
 </file>
 
 <file path=ppt/slideLayouts/slideLayout1.xml><?xml version="1.0" encoding="utf-8"?>
-<p:sldLayout xmlns:a="http://schemas.openxmlformats.org/drawingml/2006/main" xmlns:r="http://schemas.openxmlformats.org/officeDocument/2006/relationships" xmlns:mc="http://schemas.openxmlformats.org/markup-compatibility/2006" xmlns:mv="urn:schemas-microsoft-com:mac:vml" xmlns:p="http://schemas.openxmlformats.org/presentationml/2006/main" xmlns:c="http://schemas.openxmlformats.org/drawingml/2006/chart" xmlns:dgm="http://schemas.openxmlformats.org/drawingml/2006/diagram" xmlns:o="urn:schemas-microsoft-com:office:office" xmlns:v="urn:schemas-microsoft-com:vml" xmlns:pvml="urn:schemas-microsoft-com:office:powerpoint" xmlns:com="http://schemas.openxmlformats.org/drawingml/2006/compatibility" xmlns:p14="http://schemas.microsoft.com/office/powerpoint/2010/main" xmlns:p15="http://schemas.microsoft.com/office/powerpoint/2012/main" xmlns:ahyp="http://schemas.microsoft.com/office/drawing/2018/hyperlinkcolor" matchingName="Title slide" type="title">
+<p:sldLayout xmlns:a="http://schemas.openxmlformats.org/drawingml/2006/main" xmlns:r="http://schemas.openxmlformats.org/officeDocument/2006/relationships" xmlns:p="http://schemas.openxmlformats.org/presentationml/2006/main" matchingName="Title slide" type="title">
   <p:cSld name="TITLE">
     <p:bg>
       <p:bgPr>
         <a:solidFill>
           <a:schemeClr val="accent6"/>
         </a:solidFill>
+        <a:effectLst/>
       </p:bgPr>
     </p:bg>
     <p:spTree>
       <p:nvGrpSpPr>
-        <p:cNvPr id="9" name="Shape 9"/>
+        <p:cNvPr id="1" name="Shape 9"/>
         <p:cNvGrpSpPr/>
         <p:nvPr/>
       </p:nvGrpSpPr>
@@ -2040,12 +2121,12 @@
           </a:ln>
         </p:spPr>
         <p:txBody>
-          <a:bodyPr anchorCtr="0" anchor="ctr" bIns="91425" lIns="91425" spcFirstLastPara="1" rIns="91425" wrap="square" tIns="91425">
+          <a:bodyPr spcFirstLastPara="1" wrap="square" lIns="91425" tIns="91425" rIns="91425" bIns="91425" anchor="ctr" anchorCtr="0">
             <a:noAutofit/>
           </a:bodyPr>
           <a:lstStyle/>
           <a:p>
-            <a:pPr indent="0" lvl="0" marL="0" rtl="0" algn="l">
+            <a:pPr marL="0" lvl="0" indent="0" algn="l" rtl="0">
               <a:spcBef>
                 <a:spcPts val="0"/>
               </a:spcBef>
@@ -2054,9 +2135,6 @@
               </a:spcAft>
               <a:buNone/>
             </a:pPr>
-            <a:r>
-              <a:t/>
-            </a:r>
             <a:endParaRPr/>
           </a:p>
         </p:txBody>
@@ -2083,12 +2161,12 @@
           </a:ln>
         </p:spPr>
         <p:txBody>
-          <a:bodyPr anchorCtr="0" anchor="ctr" bIns="91425" lIns="91425" spcFirstLastPara="1" rIns="91425" wrap="square" tIns="91425">
+          <a:bodyPr spcFirstLastPara="1" wrap="square" lIns="91425" tIns="91425" rIns="91425" bIns="91425" anchor="ctr" anchorCtr="0">
             <a:noAutofit/>
           </a:bodyPr>
           <a:lstStyle/>
           <a:p>
-            <a:pPr indent="0" lvl="0" marL="0" rtl="0" algn="l">
+            <a:pPr marL="0" lvl="0" indent="0" algn="l" rtl="0">
               <a:spcBef>
                 <a:spcPts val="0"/>
               </a:spcBef>
@@ -2097,9 +2175,6 @@
               </a:spcAft>
               <a:buNone/>
             </a:pPr>
-            <a:r>
-              <a:t/>
-            </a:r>
             <a:endParaRPr/>
           </a:p>
         </p:txBody>
@@ -2126,12 +2201,12 @@
           </a:ln>
         </p:spPr>
         <p:txBody>
-          <a:bodyPr anchorCtr="0" anchor="ctr" bIns="91425" lIns="91425" spcFirstLastPara="1" rIns="91425" wrap="square" tIns="91425">
+          <a:bodyPr spcFirstLastPara="1" wrap="square" lIns="91425" tIns="91425" rIns="91425" bIns="91425" anchor="ctr" anchorCtr="0">
             <a:noAutofit/>
           </a:bodyPr>
           <a:lstStyle/>
           <a:p>
-            <a:pPr indent="0" lvl="0" marL="0" rtl="0" algn="l">
+            <a:pPr marL="0" lvl="0" indent="0" algn="l" rtl="0">
               <a:spcBef>
                 <a:spcPts val="0"/>
               </a:spcBef>
@@ -2140,9 +2215,6 @@
               </a:spcAft>
               <a:buNone/>
             </a:pPr>
-            <a:r>
-              <a:t/>
-            </a:r>
             <a:endParaRPr/>
           </a:p>
         </p:txBody>
@@ -2168,7 +2240,7 @@
             <a:noFill/>
           </a:ln>
           <a:effectLst>
-            <a:outerShdw blurRad="228600" sx="101000" rotWithShape="0" algn="ctr" sy="101000">
+            <a:outerShdw blurRad="228600" sx="101000" sy="101000" algn="ctr" rotWithShape="0">
               <a:srgbClr val="000000">
                 <a:alpha val="40000"/>
               </a:srgbClr>
@@ -2176,12 +2248,12 @@
           </a:effectLst>
         </p:spPr>
         <p:txBody>
-          <a:bodyPr anchorCtr="0" anchor="ctr" bIns="91425" lIns="91425" spcFirstLastPara="1" rIns="91425" wrap="square" tIns="91425">
+          <a:bodyPr spcFirstLastPara="1" wrap="square" lIns="91425" tIns="91425" rIns="91425" bIns="91425" anchor="ctr" anchorCtr="0">
             <a:noAutofit/>
           </a:bodyPr>
           <a:lstStyle/>
           <a:p>
-            <a:pPr indent="0" lvl="0" marL="0" rtl="0" algn="l">
+            <a:pPr marL="0" lvl="0" indent="0" algn="l" rtl="0">
               <a:spcBef>
                 <a:spcPts val="0"/>
               </a:spcBef>
@@ -2190,9 +2262,6 @@
               </a:spcAft>
               <a:buNone/>
             </a:pPr>
-            <a:r>
-              <a:t/>
-            </a:r>
             <a:endParaRPr/>
           </a:p>
         </p:txBody>
@@ -2224,7 +2293,7 @@
             </a:xfrm>
             <a:prstGeom prst="parallelogram">
               <a:avLst>
-                <a:gd fmla="val 153193" name="adj"/>
+                <a:gd name="adj" fmla="val 153193"/>
               </a:avLst>
             </a:prstGeom>
             <a:solidFill>
@@ -2235,12 +2304,12 @@
             </a:ln>
           </p:spPr>
           <p:txBody>
-            <a:bodyPr anchorCtr="0" anchor="ctr" bIns="91425" lIns="91425" spcFirstLastPara="1" rIns="91425" wrap="square" tIns="91425">
+            <a:bodyPr spcFirstLastPara="1" wrap="square" lIns="91425" tIns="91425" rIns="91425" bIns="91425" anchor="ctr" anchorCtr="0">
               <a:noAutofit/>
             </a:bodyPr>
             <a:lstStyle/>
             <a:p>
-              <a:pPr indent="0" lvl="0" marL="0" rtl="0" algn="l">
+              <a:pPr marL="0" lvl="0" indent="0" algn="l" rtl="0">
                 <a:spcBef>
                   <a:spcPts val="0"/>
                 </a:spcBef>
@@ -2249,9 +2318,6 @@
                 </a:spcAft>
                 <a:buNone/>
               </a:pPr>
-              <a:r>
-                <a:t/>
-              </a:r>
               <a:endParaRPr/>
             </a:p>
           </p:txBody>
@@ -2269,7 +2335,7 @@
             </a:xfrm>
             <a:prstGeom prst="parallelogram">
               <a:avLst>
-                <a:gd fmla="val 153193" name="adj"/>
+                <a:gd name="adj" fmla="val 153193"/>
               </a:avLst>
             </a:prstGeom>
             <a:solidFill>
@@ -2280,12 +2346,12 @@
             </a:ln>
           </p:spPr>
           <p:txBody>
-            <a:bodyPr anchorCtr="0" anchor="ctr" bIns="91425" lIns="91425" spcFirstLastPara="1" rIns="91425" wrap="square" tIns="91425">
+            <a:bodyPr spcFirstLastPara="1" wrap="square" lIns="91425" tIns="91425" rIns="91425" bIns="91425" anchor="ctr" anchorCtr="0">
               <a:noAutofit/>
             </a:bodyPr>
             <a:lstStyle/>
             <a:p>
-              <a:pPr indent="0" lvl="0" marL="0" rtl="0" algn="l">
+              <a:pPr marL="0" lvl="0" indent="0" algn="l" rtl="0">
                 <a:spcBef>
                   <a:spcPts val="0"/>
                 </a:spcBef>
@@ -2294,9 +2360,6 @@
                 </a:spcAft>
                 <a:buNone/>
               </a:pPr>
-              <a:r>
-                <a:t/>
-              </a:r>
               <a:endParaRPr/>
             </a:p>
           </p:txBody>
@@ -2314,7 +2377,7 @@
             </a:xfrm>
             <a:prstGeom prst="parallelogram">
               <a:avLst>
-                <a:gd fmla="val 153193" name="adj"/>
+                <a:gd name="adj" fmla="val 153193"/>
               </a:avLst>
             </a:prstGeom>
             <a:solidFill>
@@ -2325,12 +2388,12 @@
             </a:ln>
           </p:spPr>
           <p:txBody>
-            <a:bodyPr anchorCtr="0" anchor="ctr" bIns="91425" lIns="91425" spcFirstLastPara="1" rIns="91425" wrap="square" tIns="91425">
+            <a:bodyPr spcFirstLastPara="1" wrap="square" lIns="91425" tIns="91425" rIns="91425" bIns="91425" anchor="ctr" anchorCtr="0">
               <a:noAutofit/>
             </a:bodyPr>
             <a:lstStyle/>
             <a:p>
-              <a:pPr indent="0" lvl="0" marL="0" rtl="0" algn="l">
+              <a:pPr marL="0" lvl="0" indent="0" algn="l" rtl="0">
                 <a:spcBef>
                   <a:spcPts val="0"/>
                 </a:spcBef>
@@ -2339,9 +2402,6 @@
                 </a:spcAft>
                 <a:buNone/>
               </a:pPr>
-              <a:r>
-                <a:t/>
-              </a:r>
               <a:endParaRPr/>
             </a:p>
           </p:txBody>
@@ -2374,7 +2434,7 @@
             </a:xfrm>
             <a:prstGeom prst="parallelogram">
               <a:avLst>
-                <a:gd fmla="val 153193" name="adj"/>
+                <a:gd name="adj" fmla="val 153193"/>
               </a:avLst>
             </a:prstGeom>
             <a:solidFill>
@@ -2385,12 +2445,12 @@
             </a:ln>
           </p:spPr>
           <p:txBody>
-            <a:bodyPr anchorCtr="0" anchor="ctr" bIns="91425" lIns="91425" spcFirstLastPara="1" rIns="91425" wrap="square" tIns="91425">
+            <a:bodyPr spcFirstLastPara="1" wrap="square" lIns="91425" tIns="91425" rIns="91425" bIns="91425" anchor="ctr" anchorCtr="0">
               <a:noAutofit/>
             </a:bodyPr>
             <a:lstStyle/>
             <a:p>
-              <a:pPr indent="0" lvl="0" marL="0" rtl="0" algn="l">
+              <a:pPr marL="0" lvl="0" indent="0" algn="l" rtl="0">
                 <a:spcBef>
                   <a:spcPts val="0"/>
                 </a:spcBef>
@@ -2399,9 +2459,6 @@
                 </a:spcAft>
                 <a:buNone/>
               </a:pPr>
-              <a:r>
-                <a:t/>
-              </a:r>
               <a:endParaRPr/>
             </a:p>
           </p:txBody>
@@ -2419,7 +2476,7 @@
             </a:xfrm>
             <a:prstGeom prst="parallelogram">
               <a:avLst>
-                <a:gd fmla="val 153193" name="adj"/>
+                <a:gd name="adj" fmla="val 153193"/>
               </a:avLst>
             </a:prstGeom>
             <a:solidFill>
@@ -2430,12 +2487,12 @@
             </a:ln>
           </p:spPr>
           <p:txBody>
-            <a:bodyPr anchorCtr="0" anchor="ctr" bIns="91425" lIns="91425" spcFirstLastPara="1" rIns="91425" wrap="square" tIns="91425">
+            <a:bodyPr spcFirstLastPara="1" wrap="square" lIns="91425" tIns="91425" rIns="91425" bIns="91425" anchor="ctr" anchorCtr="0">
               <a:noAutofit/>
             </a:bodyPr>
             <a:lstStyle/>
             <a:p>
-              <a:pPr indent="0" lvl="0" marL="0" rtl="0" algn="l">
+              <a:pPr marL="0" lvl="0" indent="0" algn="l" rtl="0">
                 <a:spcBef>
                   <a:spcPts val="0"/>
                 </a:spcBef>
@@ -2444,9 +2501,6 @@
                 </a:spcAft>
                 <a:buNone/>
               </a:pPr>
-              <a:r>
-                <a:t/>
-              </a:r>
               <a:endParaRPr/>
             </a:p>
           </p:txBody>
@@ -2464,7 +2518,7 @@
             </a:xfrm>
             <a:prstGeom prst="parallelogram">
               <a:avLst>
-                <a:gd fmla="val 153193" name="adj"/>
+                <a:gd name="adj" fmla="val 153193"/>
               </a:avLst>
             </a:prstGeom>
             <a:solidFill>
@@ -2475,12 +2529,12 @@
             </a:ln>
           </p:spPr>
           <p:txBody>
-            <a:bodyPr anchorCtr="0" anchor="ctr" bIns="91425" lIns="91425" spcFirstLastPara="1" rIns="91425" wrap="square" tIns="91425">
+            <a:bodyPr spcFirstLastPara="1" wrap="square" lIns="91425" tIns="91425" rIns="91425" bIns="91425" anchor="ctr" anchorCtr="0">
               <a:noAutofit/>
             </a:bodyPr>
             <a:lstStyle/>
             <a:p>
-              <a:pPr indent="0" lvl="0" marL="0" rtl="0" algn="l">
+              <a:pPr marL="0" lvl="0" indent="0" algn="l" rtl="0">
                 <a:spcBef>
                   <a:spcPts val="0"/>
                 </a:spcBef>
@@ -2489,9 +2543,6 @@
                 </a:spcAft>
                 <a:buNone/>
               </a:pPr>
-              <a:r>
-                <a:t/>
-              </a:r>
               <a:endParaRPr/>
             </a:p>
           </p:txBody>
@@ -2524,7 +2575,7 @@
             </a:xfrm>
             <a:prstGeom prst="parallelogram">
               <a:avLst>
-                <a:gd fmla="val 158024" name="adj"/>
+                <a:gd name="adj" fmla="val 158024"/>
               </a:avLst>
             </a:prstGeom>
             <a:solidFill>
@@ -2535,12 +2586,12 @@
             </a:ln>
           </p:spPr>
           <p:txBody>
-            <a:bodyPr anchorCtr="0" anchor="ctr" bIns="91425" lIns="91425" spcFirstLastPara="1" rIns="91425" wrap="square" tIns="91425">
+            <a:bodyPr spcFirstLastPara="1" wrap="square" lIns="91425" tIns="91425" rIns="91425" bIns="91425" anchor="ctr" anchorCtr="0">
               <a:noAutofit/>
             </a:bodyPr>
             <a:lstStyle/>
             <a:p>
-              <a:pPr indent="0" lvl="0" marL="0" rtl="0" algn="l">
+              <a:pPr marL="0" lvl="0" indent="0" algn="l" rtl="0">
                 <a:spcBef>
                   <a:spcPts val="0"/>
                 </a:spcBef>
@@ -2549,9 +2600,6 @@
                 </a:spcAft>
                 <a:buNone/>
               </a:pPr>
-              <a:r>
-                <a:t/>
-              </a:r>
               <a:endParaRPr/>
             </a:p>
           </p:txBody>
@@ -2569,7 +2617,7 @@
             </a:xfrm>
             <a:prstGeom prst="parallelogram">
               <a:avLst>
-                <a:gd fmla="val 158024" name="adj"/>
+                <a:gd name="adj" fmla="val 158024"/>
               </a:avLst>
             </a:prstGeom>
             <a:solidFill>
@@ -2580,12 +2628,12 @@
             </a:ln>
           </p:spPr>
           <p:txBody>
-            <a:bodyPr anchorCtr="0" anchor="ctr" bIns="91425" lIns="91425" spcFirstLastPara="1" rIns="91425" wrap="square" tIns="91425">
+            <a:bodyPr spcFirstLastPara="1" wrap="square" lIns="91425" tIns="91425" rIns="91425" bIns="91425" anchor="ctr" anchorCtr="0">
               <a:noAutofit/>
             </a:bodyPr>
             <a:lstStyle/>
             <a:p>
-              <a:pPr indent="0" lvl="0" marL="0" rtl="0" algn="l">
+              <a:pPr marL="0" lvl="0" indent="0" algn="l" rtl="0">
                 <a:spcBef>
                   <a:spcPts val="0"/>
                 </a:spcBef>
@@ -2594,9 +2642,6 @@
                 </a:spcAft>
                 <a:buNone/>
               </a:pPr>
-              <a:r>
-                <a:t/>
-              </a:r>
               <a:endParaRPr/>
             </a:p>
           </p:txBody>
@@ -2614,7 +2659,7 @@
             </a:xfrm>
             <a:prstGeom prst="parallelogram">
               <a:avLst>
-                <a:gd fmla="val 158024" name="adj"/>
+                <a:gd name="adj" fmla="val 158024"/>
               </a:avLst>
             </a:prstGeom>
             <a:solidFill>
@@ -2625,12 +2670,12 @@
             </a:ln>
           </p:spPr>
           <p:txBody>
-            <a:bodyPr anchorCtr="0" anchor="ctr" bIns="91425" lIns="91425" spcFirstLastPara="1" rIns="91425" wrap="square" tIns="91425">
+            <a:bodyPr spcFirstLastPara="1" wrap="square" lIns="91425" tIns="91425" rIns="91425" bIns="91425" anchor="ctr" anchorCtr="0">
               <a:noAutofit/>
             </a:bodyPr>
             <a:lstStyle/>
             <a:p>
-              <a:pPr indent="0" lvl="0" marL="0" rtl="0" algn="l">
+              <a:pPr marL="0" lvl="0" indent="0" algn="l" rtl="0">
                 <a:spcBef>
                   <a:spcPts val="0"/>
                 </a:spcBef>
@@ -2639,9 +2684,6 @@
                 </a:spcAft>
                 <a:buNone/>
               </a:pPr>
-              <a:r>
-                <a:t/>
-              </a:r>
               <a:endParaRPr/>
             </a:p>
           </p:txBody>
@@ -2674,7 +2716,7 @@
             </a:xfrm>
             <a:prstGeom prst="parallelogram">
               <a:avLst>
-                <a:gd fmla="val 158024" name="adj"/>
+                <a:gd name="adj" fmla="val 158024"/>
               </a:avLst>
             </a:prstGeom>
             <a:solidFill>
@@ -2685,12 +2727,12 @@
             </a:ln>
           </p:spPr>
           <p:txBody>
-            <a:bodyPr anchorCtr="0" anchor="ctr" bIns="91425" lIns="91425" spcFirstLastPara="1" rIns="91425" wrap="square" tIns="91425">
+            <a:bodyPr spcFirstLastPara="1" wrap="square" lIns="91425" tIns="91425" rIns="91425" bIns="91425" anchor="ctr" anchorCtr="0">
               <a:noAutofit/>
             </a:bodyPr>
             <a:lstStyle/>
             <a:p>
-              <a:pPr indent="0" lvl="0" marL="0" rtl="0" algn="l">
+              <a:pPr marL="0" lvl="0" indent="0" algn="l" rtl="0">
                 <a:spcBef>
                   <a:spcPts val="0"/>
                 </a:spcBef>
@@ -2699,9 +2741,6 @@
                 </a:spcAft>
                 <a:buNone/>
               </a:pPr>
-              <a:r>
-                <a:t/>
-              </a:r>
               <a:endParaRPr/>
             </a:p>
           </p:txBody>
@@ -2719,7 +2758,7 @@
             </a:xfrm>
             <a:prstGeom prst="parallelogram">
               <a:avLst>
-                <a:gd fmla="val 158024" name="adj"/>
+                <a:gd name="adj" fmla="val 158024"/>
               </a:avLst>
             </a:prstGeom>
             <a:solidFill>
@@ -2730,12 +2769,12 @@
             </a:ln>
           </p:spPr>
           <p:txBody>
-            <a:bodyPr anchorCtr="0" anchor="ctr" bIns="91425" lIns="91425" spcFirstLastPara="1" rIns="91425" wrap="square" tIns="91425">
+            <a:bodyPr spcFirstLastPara="1" wrap="square" lIns="91425" tIns="91425" rIns="91425" bIns="91425" anchor="ctr" anchorCtr="0">
               <a:noAutofit/>
             </a:bodyPr>
             <a:lstStyle/>
             <a:p>
-              <a:pPr indent="0" lvl="0" marL="0" rtl="0" algn="l">
+              <a:pPr marL="0" lvl="0" indent="0" algn="l" rtl="0">
                 <a:spcBef>
                   <a:spcPts val="0"/>
                 </a:spcBef>
@@ -2744,9 +2783,6 @@
                 </a:spcAft>
                 <a:buNone/>
               </a:pPr>
-              <a:r>
-                <a:t/>
-              </a:r>
               <a:endParaRPr/>
             </a:p>
           </p:txBody>
@@ -2764,7 +2800,7 @@
             </a:xfrm>
             <a:prstGeom prst="parallelogram">
               <a:avLst>
-                <a:gd fmla="val 158024" name="adj"/>
+                <a:gd name="adj" fmla="val 158024"/>
               </a:avLst>
             </a:prstGeom>
             <a:solidFill>
@@ -2775,12 +2811,12 @@
             </a:ln>
           </p:spPr>
           <p:txBody>
-            <a:bodyPr anchorCtr="0" anchor="ctr" bIns="91425" lIns="91425" spcFirstLastPara="1" rIns="91425" wrap="square" tIns="91425">
+            <a:bodyPr spcFirstLastPara="1" wrap="square" lIns="91425" tIns="91425" rIns="91425" bIns="91425" anchor="ctr" anchorCtr="0">
               <a:noAutofit/>
             </a:bodyPr>
             <a:lstStyle/>
             <a:p>
-              <a:pPr indent="0" lvl="0" marL="0" rtl="0" algn="l">
+              <a:pPr marL="0" lvl="0" indent="0" algn="l" rtl="0">
                 <a:spcBef>
                   <a:spcPts val="0"/>
                 </a:spcBef>
@@ -2789,9 +2825,6 @@
                 </a:spcAft>
                 <a:buNone/>
               </a:pPr>
-              <a:r>
-                <a:t/>
-              </a:r>
               <a:endParaRPr/>
             </a:p>
           </p:txBody>
@@ -2824,7 +2857,7 @@
             </a:xfrm>
             <a:prstGeom prst="parallelogram">
               <a:avLst>
-                <a:gd fmla="val 158024" name="adj"/>
+                <a:gd name="adj" fmla="val 158024"/>
               </a:avLst>
             </a:prstGeom>
             <a:solidFill>
@@ -2835,12 +2868,12 @@
             </a:ln>
           </p:spPr>
           <p:txBody>
-            <a:bodyPr anchorCtr="0" anchor="ctr" bIns="91425" lIns="91425" spcFirstLastPara="1" rIns="91425" wrap="square" tIns="91425">
+            <a:bodyPr spcFirstLastPara="1" wrap="square" lIns="91425" tIns="91425" rIns="91425" bIns="91425" anchor="ctr" anchorCtr="0">
               <a:noAutofit/>
             </a:bodyPr>
             <a:lstStyle/>
             <a:p>
-              <a:pPr indent="0" lvl="0" marL="0" rtl="0" algn="l">
+              <a:pPr marL="0" lvl="0" indent="0" algn="l" rtl="0">
                 <a:spcBef>
                   <a:spcPts val="0"/>
                 </a:spcBef>
@@ -2849,9 +2882,6 @@
                 </a:spcAft>
                 <a:buNone/>
               </a:pPr>
-              <a:r>
-                <a:t/>
-              </a:r>
               <a:endParaRPr/>
             </a:p>
           </p:txBody>
@@ -2869,7 +2899,7 @@
             </a:xfrm>
             <a:prstGeom prst="parallelogram">
               <a:avLst>
-                <a:gd fmla="val 158024" name="adj"/>
+                <a:gd name="adj" fmla="val 158024"/>
               </a:avLst>
             </a:prstGeom>
             <a:solidFill>
@@ -2880,12 +2910,12 @@
             </a:ln>
           </p:spPr>
           <p:txBody>
-            <a:bodyPr anchorCtr="0" anchor="ctr" bIns="91425" lIns="91425" spcFirstLastPara="1" rIns="91425" wrap="square" tIns="91425">
+            <a:bodyPr spcFirstLastPara="1" wrap="square" lIns="91425" tIns="91425" rIns="91425" bIns="91425" anchor="ctr" anchorCtr="0">
               <a:noAutofit/>
             </a:bodyPr>
             <a:lstStyle/>
             <a:p>
-              <a:pPr indent="0" lvl="0" marL="0" rtl="0" algn="l">
+              <a:pPr marL="0" lvl="0" indent="0" algn="l" rtl="0">
                 <a:spcBef>
                   <a:spcPts val="0"/>
                 </a:spcBef>
@@ -2894,9 +2924,6 @@
                 </a:spcAft>
                 <a:buNone/>
               </a:pPr>
-              <a:r>
-                <a:t/>
-              </a:r>
               <a:endParaRPr/>
             </a:p>
           </p:txBody>
@@ -2914,7 +2941,7 @@
             </a:xfrm>
             <a:prstGeom prst="parallelogram">
               <a:avLst>
-                <a:gd fmla="val 158024" name="adj"/>
+                <a:gd name="adj" fmla="val 158024"/>
               </a:avLst>
             </a:prstGeom>
             <a:solidFill>
@@ -2925,12 +2952,12 @@
             </a:ln>
           </p:spPr>
           <p:txBody>
-            <a:bodyPr anchorCtr="0" anchor="ctr" bIns="91425" lIns="91425" spcFirstLastPara="1" rIns="91425" wrap="square" tIns="91425">
+            <a:bodyPr spcFirstLastPara="1" wrap="square" lIns="91425" tIns="91425" rIns="91425" bIns="91425" anchor="ctr" anchorCtr="0">
               <a:noAutofit/>
             </a:bodyPr>
             <a:lstStyle/>
             <a:p>
-              <a:pPr indent="0" lvl="0" marL="0" rtl="0" algn="l">
+              <a:pPr marL="0" lvl="0" indent="0" algn="l" rtl="0">
                 <a:spcBef>
                   <a:spcPts val="0"/>
                 </a:spcBef>
@@ -2939,9 +2966,6 @@
                 </a:spcAft>
                 <a:buNone/>
               </a:pPr>
-              <a:r>
-                <a:t/>
-              </a:r>
               <a:endParaRPr/>
             </a:p>
           </p:txBody>
@@ -2950,7 +2974,9 @@
       <p:sp>
         <p:nvSpPr>
           <p:cNvPr id="34" name="Google Shape;34;p2"/>
-          <p:cNvSpPr txBox="1"/>
+          <p:cNvSpPr txBox="1">
+            <a:spLocks noGrp="1"/>
+          </p:cNvSpPr>
           <p:nvPr>
             <p:ph type="ctrTitle"/>
           </p:nvPr>
@@ -2965,7 +2991,7 @@
           </a:prstGeom>
         </p:spPr>
         <p:txBody>
-          <a:bodyPr anchorCtr="0" anchor="ctr" bIns="91425" lIns="91425" spcFirstLastPara="1" rIns="91425" wrap="square" tIns="91425">
+          <a:bodyPr spcFirstLastPara="1" wrap="square" lIns="91425" tIns="91425" rIns="91425" bIns="91425" anchor="ctr" anchorCtr="0">
             <a:normAutofit/>
           </a:bodyPr>
           <a:lstStyle>
@@ -3069,15 +3095,19 @@
               <a:defRPr sz="3800"/>
             </a:lvl9pPr>
           </a:lstStyle>
-          <a:p/>
+          <a:p>
+            <a:endParaRPr/>
+          </a:p>
         </p:txBody>
       </p:sp>
       <p:sp>
         <p:nvSpPr>
           <p:cNvPr id="35" name="Google Shape;35;p2"/>
-          <p:cNvSpPr txBox="1"/>
+          <p:cNvSpPr txBox="1">
+            <a:spLocks noGrp="1"/>
+          </p:cNvSpPr>
           <p:nvPr>
-            <p:ph idx="1" type="subTitle"/>
+            <p:ph type="subTitle" idx="1"/>
           </p:nvPr>
         </p:nvSpPr>
         <p:spPr>
@@ -3090,7 +3120,7 @@
           </a:prstGeom>
         </p:spPr>
         <p:txBody>
-          <a:bodyPr anchorCtr="0" anchor="t" bIns="91425" lIns="91425" spcFirstLastPara="1" rIns="91425" wrap="square" tIns="91425">
+          <a:bodyPr spcFirstLastPara="1" wrap="square" lIns="91425" tIns="91425" rIns="91425" bIns="91425" anchor="t" anchorCtr="0">
             <a:normAutofit/>
           </a:bodyPr>
           <a:lstStyle>
@@ -3284,15 +3314,19 @@
               </a:defRPr>
             </a:lvl9pPr>
           </a:lstStyle>
-          <a:p/>
+          <a:p>
+            <a:endParaRPr/>
+          </a:p>
         </p:txBody>
       </p:sp>
       <p:sp>
         <p:nvSpPr>
           <p:cNvPr id="36" name="Google Shape;36;p2"/>
-          <p:cNvSpPr txBox="1"/>
+          <p:cNvSpPr txBox="1">
+            <a:spLocks noGrp="1"/>
+          </p:cNvSpPr>
           <p:nvPr>
-            <p:ph idx="12" type="sldNum"/>
+            <p:ph type="sldNum" idx="12"/>
           </p:nvPr>
         </p:nvSpPr>
         <p:spPr>
@@ -3305,7 +3339,7 @@
           </a:prstGeom>
         </p:spPr>
         <p:txBody>
-          <a:bodyPr anchorCtr="0" anchor="ctr" bIns="91425" lIns="91425" spcFirstLastPara="1" rIns="91425" wrap="square" tIns="91425">
+          <a:bodyPr spcFirstLastPara="1" wrap="square" lIns="91425" tIns="91425" rIns="91425" bIns="91425" anchor="ctr" anchorCtr="0">
             <a:normAutofit/>
           </a:bodyPr>
           <a:lstStyle>
@@ -3347,7 +3381,7 @@
             </a:lvl9pPr>
           </a:lstStyle>
           <a:p>
-            <a:pPr indent="0" lvl="0" marL="0" rtl="0" algn="r">
+            <a:pPr marL="0" lvl="0" indent="0" algn="r" rtl="0">
               <a:spcBef>
                 <a:spcPts val="0"/>
               </a:spcBef>
@@ -3373,18 +3407,19 @@
 </file>
 
 <file path=ppt/slideLayouts/slideLayout10.xml><?xml version="1.0" encoding="utf-8"?>
-<p:sldLayout xmlns:a="http://schemas.openxmlformats.org/drawingml/2006/main" xmlns:r="http://schemas.openxmlformats.org/officeDocument/2006/relationships" xmlns:mc="http://schemas.openxmlformats.org/markup-compatibility/2006" xmlns:mv="urn:schemas-microsoft-com:mac:vml" xmlns:p="http://schemas.openxmlformats.org/presentationml/2006/main" xmlns:c="http://schemas.openxmlformats.org/drawingml/2006/chart" xmlns:dgm="http://schemas.openxmlformats.org/drawingml/2006/diagram" xmlns:o="urn:schemas-microsoft-com:office:office" xmlns:v="urn:schemas-microsoft-com:vml" xmlns:pvml="urn:schemas-microsoft-com:office:powerpoint" xmlns:com="http://schemas.openxmlformats.org/drawingml/2006/compatibility" xmlns:p14="http://schemas.microsoft.com/office/powerpoint/2010/main" xmlns:p15="http://schemas.microsoft.com/office/powerpoint/2012/main" xmlns:ahyp="http://schemas.microsoft.com/office/drawing/2018/hyperlinkcolor" matchingName="Big number">
+<p:sldLayout xmlns:a="http://schemas.openxmlformats.org/drawingml/2006/main" xmlns:r="http://schemas.openxmlformats.org/officeDocument/2006/relationships" xmlns:p="http://schemas.openxmlformats.org/presentationml/2006/main" matchingName="Big number">
   <p:cSld name="BIG_NUMBER">
     <p:bg>
       <p:bgPr>
         <a:solidFill>
           <a:schemeClr val="accent3"/>
         </a:solidFill>
+        <a:effectLst/>
       </p:bgPr>
     </p:bg>
     <p:spTree>
       <p:nvGrpSpPr>
-        <p:cNvPr id="109" name="Shape 109"/>
+        <p:cNvPr id="1" name="Shape 109"/>
         <p:cNvGrpSpPr/>
         <p:nvPr/>
       </p:nvGrpSpPr>
@@ -3418,12 +3453,12 @@
           </a:ln>
         </p:spPr>
         <p:txBody>
-          <a:bodyPr anchorCtr="0" anchor="ctr" bIns="91425" lIns="91425" spcFirstLastPara="1" rIns="91425" wrap="square" tIns="91425">
+          <a:bodyPr spcFirstLastPara="1" wrap="square" lIns="91425" tIns="91425" rIns="91425" bIns="91425" anchor="ctr" anchorCtr="0">
             <a:noAutofit/>
           </a:bodyPr>
           <a:lstStyle/>
           <a:p>
-            <a:pPr indent="0" lvl="0" marL="0" rtl="0" algn="l">
+            <a:pPr marL="0" lvl="0" indent="0" algn="l" rtl="0">
               <a:spcBef>
                 <a:spcPts val="0"/>
               </a:spcBef>
@@ -3432,9 +3467,6 @@
               </a:spcAft>
               <a:buNone/>
             </a:pPr>
-            <a:r>
-              <a:t/>
-            </a:r>
             <a:endParaRPr/>
           </a:p>
         </p:txBody>
@@ -3466,7 +3498,7 @@
             </a:xfrm>
             <a:prstGeom prst="parallelogram">
               <a:avLst>
-                <a:gd fmla="val 158024" name="adj"/>
+                <a:gd name="adj" fmla="val 158024"/>
               </a:avLst>
             </a:prstGeom>
             <a:solidFill>
@@ -3477,12 +3509,12 @@
             </a:ln>
           </p:spPr>
           <p:txBody>
-            <a:bodyPr anchorCtr="0" anchor="ctr" bIns="91425" lIns="91425" spcFirstLastPara="1" rIns="91425" wrap="square" tIns="91425">
+            <a:bodyPr spcFirstLastPara="1" wrap="square" lIns="91425" tIns="91425" rIns="91425" bIns="91425" anchor="ctr" anchorCtr="0">
               <a:noAutofit/>
             </a:bodyPr>
             <a:lstStyle/>
             <a:p>
-              <a:pPr indent="0" lvl="0" marL="0" rtl="0" algn="l">
+              <a:pPr marL="0" lvl="0" indent="0" algn="l" rtl="0">
                 <a:spcBef>
                   <a:spcPts val="0"/>
                 </a:spcBef>
@@ -3491,9 +3523,6 @@
                 </a:spcAft>
                 <a:buNone/>
               </a:pPr>
-              <a:r>
-                <a:t/>
-              </a:r>
               <a:endParaRPr/>
             </a:p>
           </p:txBody>
@@ -3511,7 +3540,7 @@
             </a:xfrm>
             <a:prstGeom prst="parallelogram">
               <a:avLst>
-                <a:gd fmla="val 158024" name="adj"/>
+                <a:gd name="adj" fmla="val 158024"/>
               </a:avLst>
             </a:prstGeom>
             <a:solidFill>
@@ -3522,12 +3551,12 @@
             </a:ln>
           </p:spPr>
           <p:txBody>
-            <a:bodyPr anchorCtr="0" anchor="ctr" bIns="91425" lIns="91425" spcFirstLastPara="1" rIns="91425" wrap="square" tIns="91425">
+            <a:bodyPr spcFirstLastPara="1" wrap="square" lIns="91425" tIns="91425" rIns="91425" bIns="91425" anchor="ctr" anchorCtr="0">
               <a:noAutofit/>
             </a:bodyPr>
             <a:lstStyle/>
             <a:p>
-              <a:pPr indent="0" lvl="0" marL="0" rtl="0" algn="l">
+              <a:pPr marL="0" lvl="0" indent="0" algn="l" rtl="0">
                 <a:spcBef>
                   <a:spcPts val="0"/>
                 </a:spcBef>
@@ -3536,9 +3565,6 @@
                 </a:spcAft>
                 <a:buNone/>
               </a:pPr>
-              <a:r>
-                <a:t/>
-              </a:r>
               <a:endParaRPr/>
             </a:p>
           </p:txBody>
@@ -3556,7 +3582,7 @@
             </a:xfrm>
             <a:prstGeom prst="parallelogram">
               <a:avLst>
-                <a:gd fmla="val 158024" name="adj"/>
+                <a:gd name="adj" fmla="val 158024"/>
               </a:avLst>
             </a:prstGeom>
             <a:solidFill>
@@ -3567,12 +3593,12 @@
             </a:ln>
           </p:spPr>
           <p:txBody>
-            <a:bodyPr anchorCtr="0" anchor="ctr" bIns="91425" lIns="91425" spcFirstLastPara="1" rIns="91425" wrap="square" tIns="91425">
+            <a:bodyPr spcFirstLastPara="1" wrap="square" lIns="91425" tIns="91425" rIns="91425" bIns="91425" anchor="ctr" anchorCtr="0">
               <a:noAutofit/>
             </a:bodyPr>
             <a:lstStyle/>
             <a:p>
-              <a:pPr indent="0" lvl="0" marL="0" rtl="0" algn="l">
+              <a:pPr marL="0" lvl="0" indent="0" algn="l" rtl="0">
                 <a:spcBef>
                   <a:spcPts val="0"/>
                 </a:spcBef>
@@ -3581,9 +3607,6 @@
                 </a:spcAft>
                 <a:buNone/>
               </a:pPr>
-              <a:r>
-                <a:t/>
-              </a:r>
               <a:endParaRPr/>
             </a:p>
           </p:txBody>
@@ -3616,7 +3639,7 @@
             </a:xfrm>
             <a:prstGeom prst="parallelogram">
               <a:avLst>
-                <a:gd fmla="val 158024" name="adj"/>
+                <a:gd name="adj" fmla="val 158024"/>
               </a:avLst>
             </a:prstGeom>
             <a:solidFill>
@@ -3627,12 +3650,12 @@
             </a:ln>
           </p:spPr>
           <p:txBody>
-            <a:bodyPr anchorCtr="0" anchor="ctr" bIns="91425" lIns="91425" spcFirstLastPara="1" rIns="91425" wrap="square" tIns="91425">
+            <a:bodyPr spcFirstLastPara="1" wrap="square" lIns="91425" tIns="91425" rIns="91425" bIns="91425" anchor="ctr" anchorCtr="0">
               <a:noAutofit/>
             </a:bodyPr>
             <a:lstStyle/>
             <a:p>
-              <a:pPr indent="0" lvl="0" marL="0" rtl="0" algn="l">
+              <a:pPr marL="0" lvl="0" indent="0" algn="l" rtl="0">
                 <a:spcBef>
                   <a:spcPts val="0"/>
                 </a:spcBef>
@@ -3641,9 +3664,6 @@
                 </a:spcAft>
                 <a:buNone/>
               </a:pPr>
-              <a:r>
-                <a:t/>
-              </a:r>
               <a:endParaRPr/>
             </a:p>
           </p:txBody>
@@ -3661,7 +3681,7 @@
             </a:xfrm>
             <a:prstGeom prst="parallelogram">
               <a:avLst>
-                <a:gd fmla="val 158024" name="adj"/>
+                <a:gd name="adj" fmla="val 158024"/>
               </a:avLst>
             </a:prstGeom>
             <a:solidFill>
@@ -3672,12 +3692,12 @@
             </a:ln>
           </p:spPr>
           <p:txBody>
-            <a:bodyPr anchorCtr="0" anchor="ctr" bIns="91425" lIns="91425" spcFirstLastPara="1" rIns="91425" wrap="square" tIns="91425">
+            <a:bodyPr spcFirstLastPara="1" wrap="square" lIns="91425" tIns="91425" rIns="91425" bIns="91425" anchor="ctr" anchorCtr="0">
               <a:noAutofit/>
             </a:bodyPr>
             <a:lstStyle/>
             <a:p>
-              <a:pPr indent="0" lvl="0" marL="0" rtl="0" algn="l">
+              <a:pPr marL="0" lvl="0" indent="0" algn="l" rtl="0">
                 <a:spcBef>
                   <a:spcPts val="0"/>
                 </a:spcBef>
@@ -3686,9 +3706,6 @@
                 </a:spcAft>
                 <a:buNone/>
               </a:pPr>
-              <a:r>
-                <a:t/>
-              </a:r>
               <a:endParaRPr/>
             </a:p>
           </p:txBody>
@@ -3706,7 +3723,7 @@
             </a:xfrm>
             <a:prstGeom prst="parallelogram">
               <a:avLst>
-                <a:gd fmla="val 158024" name="adj"/>
+                <a:gd name="adj" fmla="val 158024"/>
               </a:avLst>
             </a:prstGeom>
             <a:solidFill>
@@ -3717,12 +3734,12 @@
             </a:ln>
           </p:spPr>
           <p:txBody>
-            <a:bodyPr anchorCtr="0" anchor="ctr" bIns="91425" lIns="91425" spcFirstLastPara="1" rIns="91425" wrap="square" tIns="91425">
+            <a:bodyPr spcFirstLastPara="1" wrap="square" lIns="91425" tIns="91425" rIns="91425" bIns="91425" anchor="ctr" anchorCtr="0">
               <a:noAutofit/>
             </a:bodyPr>
             <a:lstStyle/>
             <a:p>
-              <a:pPr indent="0" lvl="0" marL="0" rtl="0" algn="l">
+              <a:pPr marL="0" lvl="0" indent="0" algn="l" rtl="0">
                 <a:spcBef>
                   <a:spcPts val="0"/>
                 </a:spcBef>
@@ -3731,9 +3748,6 @@
                 </a:spcAft>
                 <a:buNone/>
               </a:pPr>
-              <a:r>
-                <a:t/>
-              </a:r>
               <a:endParaRPr/>
             </a:p>
           </p:txBody>
@@ -3742,9 +3756,11 @@
       <p:sp>
         <p:nvSpPr>
           <p:cNvPr id="119" name="Google Shape;119;p11"/>
-          <p:cNvSpPr txBox="1"/>
+          <p:cNvSpPr txBox="1">
+            <a:spLocks noGrp="1"/>
+          </p:cNvSpPr>
           <p:nvPr>
-            <p:ph hasCustomPrompt="1" type="title"/>
+            <p:ph type="title" hasCustomPrompt="1"/>
           </p:nvPr>
         </p:nvSpPr>
         <p:spPr>
@@ -3757,7 +3773,7 @@
           </a:prstGeom>
         </p:spPr>
         <p:txBody>
-          <a:bodyPr anchorCtr="0" anchor="ctr" bIns="91425" lIns="91425" spcFirstLastPara="1" rIns="91425" wrap="square" tIns="91425">
+          <a:bodyPr spcFirstLastPara="1" wrap="square" lIns="91425" tIns="91425" rIns="91425" bIns="91425" anchor="ctr" anchorCtr="0">
             <a:normAutofit/>
           </a:bodyPr>
           <a:lstStyle>
@@ -3934,9 +3950,11 @@
       <p:sp>
         <p:nvSpPr>
           <p:cNvPr id="120" name="Google Shape;120;p11"/>
-          <p:cNvSpPr txBox="1"/>
+          <p:cNvSpPr txBox="1">
+            <a:spLocks noGrp="1"/>
+          </p:cNvSpPr>
           <p:nvPr>
-            <p:ph idx="1" type="body"/>
+            <p:ph type="body" idx="1"/>
           </p:nvPr>
         </p:nvSpPr>
         <p:spPr>
@@ -3949,11 +3967,11 @@
           </a:prstGeom>
         </p:spPr>
         <p:txBody>
-          <a:bodyPr anchorCtr="0" anchor="t" bIns="91425" lIns="91425" spcFirstLastPara="1" rIns="91425" wrap="square" tIns="91425">
+          <a:bodyPr spcFirstLastPara="1" wrap="square" lIns="91425" tIns="91425" rIns="91425" bIns="91425" anchor="t" anchorCtr="0">
             <a:normAutofit/>
           </a:bodyPr>
           <a:lstStyle>
-            <a:lvl1pPr indent="-311150" lvl="0" marL="457200" algn="ctr">
+            <a:lvl1pPr marL="457200" lvl="0" indent="-311150" algn="ctr">
               <a:spcBef>
                 <a:spcPts val="0"/>
               </a:spcBef>
@@ -3964,7 +3982,7 @@
               <a:buChar char="●"/>
               <a:defRPr/>
             </a:lvl1pPr>
-            <a:lvl2pPr indent="-298450" lvl="1" marL="914400" algn="ctr">
+            <a:lvl2pPr marL="914400" lvl="1" indent="-298450" algn="ctr">
               <a:spcBef>
                 <a:spcPts val="0"/>
               </a:spcBef>
@@ -3975,7 +3993,7 @@
               <a:buChar char="○"/>
               <a:defRPr/>
             </a:lvl2pPr>
-            <a:lvl3pPr indent="-298450" lvl="2" marL="1371600" algn="ctr">
+            <a:lvl3pPr marL="1371600" lvl="2" indent="-298450" algn="ctr">
               <a:spcBef>
                 <a:spcPts val="0"/>
               </a:spcBef>
@@ -3986,7 +4004,7 @@
               <a:buChar char="■"/>
               <a:defRPr/>
             </a:lvl3pPr>
-            <a:lvl4pPr indent="-298450" lvl="3" marL="1828800" algn="ctr">
+            <a:lvl4pPr marL="1828800" lvl="3" indent="-298450" algn="ctr">
               <a:spcBef>
                 <a:spcPts val="0"/>
               </a:spcBef>
@@ -3997,7 +4015,7 @@
               <a:buChar char="●"/>
               <a:defRPr/>
             </a:lvl4pPr>
-            <a:lvl5pPr indent="-298450" lvl="4" marL="2286000" algn="ctr">
+            <a:lvl5pPr marL="2286000" lvl="4" indent="-298450" algn="ctr">
               <a:spcBef>
                 <a:spcPts val="0"/>
               </a:spcBef>
@@ -4008,7 +4026,7 @@
               <a:buChar char="○"/>
               <a:defRPr/>
             </a:lvl5pPr>
-            <a:lvl6pPr indent="-298450" lvl="5" marL="2743200" algn="ctr">
+            <a:lvl6pPr marL="2743200" lvl="5" indent="-298450" algn="ctr">
               <a:spcBef>
                 <a:spcPts val="0"/>
               </a:spcBef>
@@ -4019,7 +4037,7 @@
               <a:buChar char="■"/>
               <a:defRPr/>
             </a:lvl6pPr>
-            <a:lvl7pPr indent="-298450" lvl="6" marL="3200400" algn="ctr">
+            <a:lvl7pPr marL="3200400" lvl="6" indent="-298450" algn="ctr">
               <a:spcBef>
                 <a:spcPts val="0"/>
               </a:spcBef>
@@ -4030,7 +4048,7 @@
               <a:buChar char="●"/>
               <a:defRPr/>
             </a:lvl7pPr>
-            <a:lvl8pPr indent="-298450" lvl="7" marL="3657600" algn="ctr">
+            <a:lvl8pPr marL="3657600" lvl="7" indent="-298450" algn="ctr">
               <a:spcBef>
                 <a:spcPts val="0"/>
               </a:spcBef>
@@ -4041,7 +4059,7 @@
               <a:buChar char="○"/>
               <a:defRPr/>
             </a:lvl8pPr>
-            <a:lvl9pPr indent="-298450" lvl="8" marL="4114800" algn="ctr">
+            <a:lvl9pPr marL="4114800" lvl="8" indent="-298450" algn="ctr">
               <a:spcBef>
                 <a:spcPts val="0"/>
               </a:spcBef>
@@ -4053,15 +4071,19 @@
               <a:defRPr/>
             </a:lvl9pPr>
           </a:lstStyle>
-          <a:p/>
+          <a:p>
+            <a:endParaRPr/>
+          </a:p>
         </p:txBody>
       </p:sp>
       <p:sp>
         <p:nvSpPr>
           <p:cNvPr id="121" name="Google Shape;121;p11"/>
-          <p:cNvSpPr txBox="1"/>
+          <p:cNvSpPr txBox="1">
+            <a:spLocks noGrp="1"/>
+          </p:cNvSpPr>
           <p:nvPr>
-            <p:ph idx="12" type="sldNum"/>
+            <p:ph type="sldNum" idx="12"/>
           </p:nvPr>
         </p:nvSpPr>
         <p:spPr>
@@ -4074,7 +4096,7 @@
           </a:prstGeom>
         </p:spPr>
         <p:txBody>
-          <a:bodyPr anchorCtr="0" anchor="ctr" bIns="91425" lIns="91425" spcFirstLastPara="1" rIns="91425" wrap="square" tIns="91425">
+          <a:bodyPr spcFirstLastPara="1" wrap="square" lIns="91425" tIns="91425" rIns="91425" bIns="91425" anchor="ctr" anchorCtr="0">
             <a:normAutofit/>
           </a:bodyPr>
           <a:lstStyle>
@@ -4116,7 +4138,7 @@
             </a:lvl9pPr>
           </a:lstStyle>
           <a:p>
-            <a:pPr indent="0" lvl="0" marL="0" rtl="0" algn="r">
+            <a:pPr marL="0" lvl="0" indent="0" algn="r" rtl="0">
               <a:spcBef>
                 <a:spcPts val="0"/>
               </a:spcBef>
@@ -4142,11 +4164,11 @@
 </file>
 
 <file path=ppt/slideLayouts/slideLayout11.xml><?xml version="1.0" encoding="utf-8"?>
-<p:sldLayout xmlns:a="http://schemas.openxmlformats.org/drawingml/2006/main" xmlns:r="http://schemas.openxmlformats.org/officeDocument/2006/relationships" xmlns:mc="http://schemas.openxmlformats.org/markup-compatibility/2006" xmlns:mv="urn:schemas-microsoft-com:mac:vml" xmlns:p="http://schemas.openxmlformats.org/presentationml/2006/main" xmlns:c="http://schemas.openxmlformats.org/drawingml/2006/chart" xmlns:dgm="http://schemas.openxmlformats.org/drawingml/2006/diagram" xmlns:o="urn:schemas-microsoft-com:office:office" xmlns:v="urn:schemas-microsoft-com:vml" xmlns:pvml="urn:schemas-microsoft-com:office:powerpoint" xmlns:com="http://schemas.openxmlformats.org/drawingml/2006/compatibility" xmlns:p14="http://schemas.microsoft.com/office/powerpoint/2010/main" xmlns:p15="http://schemas.microsoft.com/office/powerpoint/2012/main" xmlns:ahyp="http://schemas.microsoft.com/office/drawing/2018/hyperlinkcolor" matchingName="Blank" type="blank">
+<p:sldLayout xmlns:a="http://schemas.openxmlformats.org/drawingml/2006/main" xmlns:r="http://schemas.openxmlformats.org/officeDocument/2006/relationships" xmlns:p="http://schemas.openxmlformats.org/presentationml/2006/main" matchingName="Blank" type="blank">
   <p:cSld name="BLANK">
     <p:spTree>
       <p:nvGrpSpPr>
-        <p:cNvPr id="122" name="Shape 122"/>
+        <p:cNvPr id="1" name="Shape 122"/>
         <p:cNvGrpSpPr/>
         <p:nvPr/>
       </p:nvGrpSpPr>
@@ -4161,9 +4183,11 @@
       <p:sp>
         <p:nvSpPr>
           <p:cNvPr id="123" name="Google Shape;123;p12"/>
-          <p:cNvSpPr txBox="1"/>
+          <p:cNvSpPr txBox="1">
+            <a:spLocks noGrp="1"/>
+          </p:cNvSpPr>
           <p:nvPr>
-            <p:ph idx="12" type="sldNum"/>
+            <p:ph type="sldNum" idx="12"/>
           </p:nvPr>
         </p:nvSpPr>
         <p:spPr>
@@ -4176,7 +4200,7 @@
           </a:prstGeom>
         </p:spPr>
         <p:txBody>
-          <a:bodyPr anchorCtr="0" anchor="ctr" bIns="91425" lIns="91425" spcFirstLastPara="1" rIns="91425" wrap="square" tIns="91425">
+          <a:bodyPr spcFirstLastPara="1" wrap="square" lIns="91425" tIns="91425" rIns="91425" bIns="91425" anchor="ctr" anchorCtr="0">
             <a:normAutofit/>
           </a:bodyPr>
           <a:lstStyle>
@@ -4218,7 +4242,7 @@
             </a:lvl9pPr>
           </a:lstStyle>
           <a:p>
-            <a:pPr indent="0" lvl="0" marL="0" rtl="0" algn="r">
+            <a:pPr marL="0" lvl="0" indent="0" algn="r" rtl="0">
               <a:spcBef>
                 <a:spcPts val="0"/>
               </a:spcBef>
@@ -4244,18 +4268,19 @@
 </file>
 
 <file path=ppt/slideLayouts/slideLayout2.xml><?xml version="1.0" encoding="utf-8"?>
-<p:sldLayout xmlns:a="http://schemas.openxmlformats.org/drawingml/2006/main" xmlns:r="http://schemas.openxmlformats.org/officeDocument/2006/relationships" xmlns:mc="http://schemas.openxmlformats.org/markup-compatibility/2006" xmlns:mv="urn:schemas-microsoft-com:mac:vml" xmlns:p="http://schemas.openxmlformats.org/presentationml/2006/main" xmlns:c="http://schemas.openxmlformats.org/drawingml/2006/chart" xmlns:dgm="http://schemas.openxmlformats.org/drawingml/2006/diagram" xmlns:o="urn:schemas-microsoft-com:office:office" xmlns:v="urn:schemas-microsoft-com:vml" xmlns:pvml="urn:schemas-microsoft-com:office:powerpoint" xmlns:com="http://schemas.openxmlformats.org/drawingml/2006/compatibility" xmlns:p14="http://schemas.microsoft.com/office/powerpoint/2010/main" xmlns:p15="http://schemas.microsoft.com/office/powerpoint/2012/main" xmlns:ahyp="http://schemas.microsoft.com/office/drawing/2018/hyperlinkcolor" matchingName="Section header" type="secHead">
+<p:sldLayout xmlns:a="http://schemas.openxmlformats.org/drawingml/2006/main" xmlns:r="http://schemas.openxmlformats.org/officeDocument/2006/relationships" xmlns:p="http://schemas.openxmlformats.org/presentationml/2006/main" matchingName="Section header" type="secHead">
   <p:cSld name="SECTION_HEADER">
     <p:bg>
       <p:bgPr>
         <a:solidFill>
           <a:schemeClr val="accent3"/>
         </a:solidFill>
+        <a:effectLst/>
       </p:bgPr>
     </p:bg>
     <p:spTree>
       <p:nvGrpSpPr>
-        <p:cNvPr id="37" name="Shape 37"/>
+        <p:cNvPr id="1" name="Shape 37"/>
         <p:cNvGrpSpPr/>
         <p:nvPr/>
       </p:nvGrpSpPr>
@@ -4289,12 +4314,12 @@
           </a:ln>
         </p:spPr>
         <p:txBody>
-          <a:bodyPr anchorCtr="0" anchor="ctr" bIns="91425" lIns="91425" spcFirstLastPara="1" rIns="91425" wrap="square" tIns="91425">
+          <a:bodyPr spcFirstLastPara="1" wrap="square" lIns="91425" tIns="91425" rIns="91425" bIns="91425" anchor="ctr" anchorCtr="0">
             <a:noAutofit/>
           </a:bodyPr>
           <a:lstStyle/>
           <a:p>
-            <a:pPr indent="0" lvl="0" marL="0" rtl="0" algn="l">
+            <a:pPr marL="0" lvl="0" indent="0" algn="l" rtl="0">
               <a:spcBef>
                 <a:spcPts val="0"/>
               </a:spcBef>
@@ -4303,9 +4328,6 @@
               </a:spcAft>
               <a:buNone/>
             </a:pPr>
-            <a:r>
-              <a:t/>
-            </a:r>
             <a:endParaRPr/>
           </a:p>
         </p:txBody>
@@ -4337,7 +4359,7 @@
             </a:xfrm>
             <a:prstGeom prst="parallelogram">
               <a:avLst>
-                <a:gd fmla="val 158024" name="adj"/>
+                <a:gd name="adj" fmla="val 158024"/>
               </a:avLst>
             </a:prstGeom>
             <a:solidFill>
@@ -4348,12 +4370,12 @@
             </a:ln>
           </p:spPr>
           <p:txBody>
-            <a:bodyPr anchorCtr="0" anchor="ctr" bIns="91425" lIns="91425" spcFirstLastPara="1" rIns="91425" wrap="square" tIns="91425">
+            <a:bodyPr spcFirstLastPara="1" wrap="square" lIns="91425" tIns="91425" rIns="91425" bIns="91425" anchor="ctr" anchorCtr="0">
               <a:noAutofit/>
             </a:bodyPr>
             <a:lstStyle/>
             <a:p>
-              <a:pPr indent="0" lvl="0" marL="0" rtl="0" algn="l">
+              <a:pPr marL="0" lvl="0" indent="0" algn="l" rtl="0">
                 <a:spcBef>
                   <a:spcPts val="0"/>
                 </a:spcBef>
@@ -4362,9 +4384,6 @@
                 </a:spcAft>
                 <a:buNone/>
               </a:pPr>
-              <a:r>
-                <a:t/>
-              </a:r>
               <a:endParaRPr/>
             </a:p>
           </p:txBody>
@@ -4382,7 +4401,7 @@
             </a:xfrm>
             <a:prstGeom prst="parallelogram">
               <a:avLst>
-                <a:gd fmla="val 158024" name="adj"/>
+                <a:gd name="adj" fmla="val 158024"/>
               </a:avLst>
             </a:prstGeom>
             <a:solidFill>
@@ -4393,12 +4412,12 @@
             </a:ln>
           </p:spPr>
           <p:txBody>
-            <a:bodyPr anchorCtr="0" anchor="ctr" bIns="91425" lIns="91425" spcFirstLastPara="1" rIns="91425" wrap="square" tIns="91425">
+            <a:bodyPr spcFirstLastPara="1" wrap="square" lIns="91425" tIns="91425" rIns="91425" bIns="91425" anchor="ctr" anchorCtr="0">
               <a:noAutofit/>
             </a:bodyPr>
             <a:lstStyle/>
             <a:p>
-              <a:pPr indent="0" lvl="0" marL="0" rtl="0" algn="l">
+              <a:pPr marL="0" lvl="0" indent="0" algn="l" rtl="0">
                 <a:spcBef>
                   <a:spcPts val="0"/>
                 </a:spcBef>
@@ -4407,9 +4426,6 @@
                 </a:spcAft>
                 <a:buNone/>
               </a:pPr>
-              <a:r>
-                <a:t/>
-              </a:r>
               <a:endParaRPr/>
             </a:p>
           </p:txBody>
@@ -4427,7 +4443,7 @@
             </a:xfrm>
             <a:prstGeom prst="parallelogram">
               <a:avLst>
-                <a:gd fmla="val 158024" name="adj"/>
+                <a:gd name="adj" fmla="val 158024"/>
               </a:avLst>
             </a:prstGeom>
             <a:solidFill>
@@ -4438,12 +4454,12 @@
             </a:ln>
           </p:spPr>
           <p:txBody>
-            <a:bodyPr anchorCtr="0" anchor="ctr" bIns="91425" lIns="91425" spcFirstLastPara="1" rIns="91425" wrap="square" tIns="91425">
+            <a:bodyPr spcFirstLastPara="1" wrap="square" lIns="91425" tIns="91425" rIns="91425" bIns="91425" anchor="ctr" anchorCtr="0">
               <a:noAutofit/>
             </a:bodyPr>
             <a:lstStyle/>
             <a:p>
-              <a:pPr indent="0" lvl="0" marL="0" rtl="0" algn="l">
+              <a:pPr marL="0" lvl="0" indent="0" algn="l" rtl="0">
                 <a:spcBef>
                   <a:spcPts val="0"/>
                 </a:spcBef>
@@ -4452,9 +4468,6 @@
                 </a:spcAft>
                 <a:buNone/>
               </a:pPr>
-              <a:r>
-                <a:t/>
-              </a:r>
               <a:endParaRPr/>
             </a:p>
           </p:txBody>
@@ -4487,7 +4500,7 @@
             </a:xfrm>
             <a:prstGeom prst="parallelogram">
               <a:avLst>
-                <a:gd fmla="val 158024" name="adj"/>
+                <a:gd name="adj" fmla="val 158024"/>
               </a:avLst>
             </a:prstGeom>
             <a:solidFill>
@@ -4498,12 +4511,12 @@
             </a:ln>
           </p:spPr>
           <p:txBody>
-            <a:bodyPr anchorCtr="0" anchor="ctr" bIns="91425" lIns="91425" spcFirstLastPara="1" rIns="91425" wrap="square" tIns="91425">
+            <a:bodyPr spcFirstLastPara="1" wrap="square" lIns="91425" tIns="91425" rIns="91425" bIns="91425" anchor="ctr" anchorCtr="0">
               <a:noAutofit/>
             </a:bodyPr>
             <a:lstStyle/>
             <a:p>
-              <a:pPr indent="0" lvl="0" marL="0" rtl="0" algn="l">
+              <a:pPr marL="0" lvl="0" indent="0" algn="l" rtl="0">
                 <a:spcBef>
                   <a:spcPts val="0"/>
                 </a:spcBef>
@@ -4512,9 +4525,6 @@
                 </a:spcAft>
                 <a:buNone/>
               </a:pPr>
-              <a:r>
-                <a:t/>
-              </a:r>
               <a:endParaRPr/>
             </a:p>
           </p:txBody>
@@ -4532,7 +4542,7 @@
             </a:xfrm>
             <a:prstGeom prst="parallelogram">
               <a:avLst>
-                <a:gd fmla="val 158024" name="adj"/>
+                <a:gd name="adj" fmla="val 158024"/>
               </a:avLst>
             </a:prstGeom>
             <a:solidFill>
@@ -4543,12 +4553,12 @@
             </a:ln>
           </p:spPr>
           <p:txBody>
-            <a:bodyPr anchorCtr="0" anchor="ctr" bIns="91425" lIns="91425" spcFirstLastPara="1" rIns="91425" wrap="square" tIns="91425">
+            <a:bodyPr spcFirstLastPara="1" wrap="square" lIns="91425" tIns="91425" rIns="91425" bIns="91425" anchor="ctr" anchorCtr="0">
               <a:noAutofit/>
             </a:bodyPr>
             <a:lstStyle/>
             <a:p>
-              <a:pPr indent="0" lvl="0" marL="0" rtl="0" algn="l">
+              <a:pPr marL="0" lvl="0" indent="0" algn="l" rtl="0">
                 <a:spcBef>
                   <a:spcPts val="0"/>
                 </a:spcBef>
@@ -4557,9 +4567,6 @@
                 </a:spcAft>
                 <a:buNone/>
               </a:pPr>
-              <a:r>
-                <a:t/>
-              </a:r>
               <a:endParaRPr/>
             </a:p>
           </p:txBody>
@@ -4577,7 +4584,7 @@
             </a:xfrm>
             <a:prstGeom prst="parallelogram">
               <a:avLst>
-                <a:gd fmla="val 158024" name="adj"/>
+                <a:gd name="adj" fmla="val 158024"/>
               </a:avLst>
             </a:prstGeom>
             <a:solidFill>
@@ -4588,12 +4595,12 @@
             </a:ln>
           </p:spPr>
           <p:txBody>
-            <a:bodyPr anchorCtr="0" anchor="ctr" bIns="91425" lIns="91425" spcFirstLastPara="1" rIns="91425" wrap="square" tIns="91425">
+            <a:bodyPr spcFirstLastPara="1" wrap="square" lIns="91425" tIns="91425" rIns="91425" bIns="91425" anchor="ctr" anchorCtr="0">
               <a:noAutofit/>
             </a:bodyPr>
             <a:lstStyle/>
             <a:p>
-              <a:pPr indent="0" lvl="0" marL="0" rtl="0" algn="l">
+              <a:pPr marL="0" lvl="0" indent="0" algn="l" rtl="0">
                 <a:spcBef>
                   <a:spcPts val="0"/>
                 </a:spcBef>
@@ -4602,9 +4609,6 @@
                 </a:spcAft>
                 <a:buNone/>
               </a:pPr>
-              <a:r>
-                <a:t/>
-              </a:r>
               <a:endParaRPr/>
             </a:p>
           </p:txBody>
@@ -4613,7 +4617,9 @@
       <p:sp>
         <p:nvSpPr>
           <p:cNvPr id="47" name="Google Shape;47;p3"/>
-          <p:cNvSpPr txBox="1"/>
+          <p:cNvSpPr txBox="1">
+            <a:spLocks noGrp="1"/>
+          </p:cNvSpPr>
           <p:nvPr>
             <p:ph type="title"/>
           </p:nvPr>
@@ -4628,7 +4634,7 @@
           </a:prstGeom>
         </p:spPr>
         <p:txBody>
-          <a:bodyPr anchorCtr="0" anchor="ctr" bIns="91425" lIns="91425" spcFirstLastPara="1" rIns="91425" wrap="square" tIns="91425">
+          <a:bodyPr spcFirstLastPara="1" wrap="square" lIns="91425" tIns="91425" rIns="91425" bIns="91425" anchor="ctr" anchorCtr="0">
             <a:normAutofit/>
           </a:bodyPr>
           <a:lstStyle>
@@ -4795,15 +4801,19 @@
               </a:defRPr>
             </a:lvl9pPr>
           </a:lstStyle>
-          <a:p/>
+          <a:p>
+            <a:endParaRPr/>
+          </a:p>
         </p:txBody>
       </p:sp>
       <p:sp>
         <p:nvSpPr>
           <p:cNvPr id="48" name="Google Shape;48;p3"/>
-          <p:cNvSpPr txBox="1"/>
+          <p:cNvSpPr txBox="1">
+            <a:spLocks noGrp="1"/>
+          </p:cNvSpPr>
           <p:nvPr>
-            <p:ph idx="12" type="sldNum"/>
+            <p:ph type="sldNum" idx="12"/>
           </p:nvPr>
         </p:nvSpPr>
         <p:spPr>
@@ -4816,7 +4826,7 @@
           </a:prstGeom>
         </p:spPr>
         <p:txBody>
-          <a:bodyPr anchorCtr="0" anchor="ctr" bIns="91425" lIns="91425" spcFirstLastPara="1" rIns="91425" wrap="square" tIns="91425">
+          <a:bodyPr spcFirstLastPara="1" wrap="square" lIns="91425" tIns="91425" rIns="91425" bIns="91425" anchor="ctr" anchorCtr="0">
             <a:normAutofit/>
           </a:bodyPr>
           <a:lstStyle>
@@ -4858,7 +4868,7 @@
             </a:lvl9pPr>
           </a:lstStyle>
           <a:p>
-            <a:pPr indent="0" lvl="0" marL="0" rtl="0" algn="r">
+            <a:pPr marL="0" lvl="0" indent="0" algn="r" rtl="0">
               <a:spcBef>
                 <a:spcPts val="0"/>
               </a:spcBef>
@@ -4884,18 +4894,19 @@
 </file>
 
 <file path=ppt/slideLayouts/slideLayout3.xml><?xml version="1.0" encoding="utf-8"?>
-<p:sldLayout xmlns:a="http://schemas.openxmlformats.org/drawingml/2006/main" xmlns:r="http://schemas.openxmlformats.org/officeDocument/2006/relationships" xmlns:mc="http://schemas.openxmlformats.org/markup-compatibility/2006" xmlns:mv="urn:schemas-microsoft-com:mac:vml" xmlns:p="http://schemas.openxmlformats.org/presentationml/2006/main" xmlns:c="http://schemas.openxmlformats.org/drawingml/2006/chart" xmlns:dgm="http://schemas.openxmlformats.org/drawingml/2006/diagram" xmlns:o="urn:schemas-microsoft-com:office:office" xmlns:v="urn:schemas-microsoft-com:vml" xmlns:pvml="urn:schemas-microsoft-com:office:powerpoint" xmlns:com="http://schemas.openxmlformats.org/drawingml/2006/compatibility" xmlns:p14="http://schemas.microsoft.com/office/powerpoint/2010/main" xmlns:p15="http://schemas.microsoft.com/office/powerpoint/2012/main" xmlns:ahyp="http://schemas.microsoft.com/office/drawing/2018/hyperlinkcolor" matchingName="Title and body" type="tx">
+<p:sldLayout xmlns:a="http://schemas.openxmlformats.org/drawingml/2006/main" xmlns:r="http://schemas.openxmlformats.org/officeDocument/2006/relationships" xmlns:p="http://schemas.openxmlformats.org/presentationml/2006/main" matchingName="Title and body" type="tx">
   <p:cSld name="TITLE_AND_BODY">
     <p:bg>
       <p:bgPr>
         <a:solidFill>
           <a:schemeClr val="dk2"/>
         </a:solidFill>
+        <a:effectLst/>
       </p:bgPr>
     </p:bg>
     <p:spTree>
       <p:nvGrpSpPr>
-        <p:cNvPr id="49" name="Shape 49"/>
+        <p:cNvPr id="1" name="Shape 49"/>
         <p:cNvGrpSpPr/>
         <p:nvPr/>
       </p:nvGrpSpPr>
@@ -4929,12 +4940,12 @@
           </a:ln>
         </p:spPr>
         <p:txBody>
-          <a:bodyPr anchorCtr="0" anchor="ctr" bIns="91425" lIns="91425" spcFirstLastPara="1" rIns="91425" wrap="square" tIns="91425">
+          <a:bodyPr spcFirstLastPara="1" wrap="square" lIns="91425" tIns="91425" rIns="91425" bIns="91425" anchor="ctr" anchorCtr="0">
             <a:noAutofit/>
           </a:bodyPr>
           <a:lstStyle/>
           <a:p>
-            <a:pPr indent="0" lvl="0" marL="0" rtl="0" algn="l">
+            <a:pPr marL="0" lvl="0" indent="0" algn="l" rtl="0">
               <a:spcBef>
                 <a:spcPts val="0"/>
               </a:spcBef>
@@ -4943,9 +4954,6 @@
               </a:spcAft>
               <a:buNone/>
             </a:pPr>
-            <a:r>
-              <a:t/>
-            </a:r>
             <a:endParaRPr/>
           </a:p>
         </p:txBody>
@@ -4972,12 +4980,12 @@
           </a:ln>
         </p:spPr>
         <p:txBody>
-          <a:bodyPr anchorCtr="0" anchor="ctr" bIns="91425" lIns="91425" spcFirstLastPara="1" rIns="91425" wrap="square" tIns="91425">
+          <a:bodyPr spcFirstLastPara="1" wrap="square" lIns="91425" tIns="91425" rIns="91425" bIns="91425" anchor="ctr" anchorCtr="0">
             <a:noAutofit/>
           </a:bodyPr>
           <a:lstStyle/>
           <a:p>
-            <a:pPr indent="0" lvl="0" marL="0" rtl="0" algn="l">
+            <a:pPr marL="0" lvl="0" indent="0" algn="l" rtl="0">
               <a:spcBef>
                 <a:spcPts val="0"/>
               </a:spcBef>
@@ -4986,9 +4994,6 @@
               </a:spcAft>
               <a:buNone/>
             </a:pPr>
-            <a:r>
-              <a:t/>
-            </a:r>
             <a:endParaRPr/>
           </a:p>
         </p:txBody>
@@ -5014,7 +5019,7 @@
             <a:noFill/>
           </a:ln>
           <a:effectLst>
-            <a:outerShdw blurRad="228600" sx="101000" rotWithShape="0" algn="ctr" sy="101000">
+            <a:outerShdw blurRad="228600" sx="101000" sy="101000" algn="ctr" rotWithShape="0">
               <a:srgbClr val="000000">
                 <a:alpha val="40000"/>
               </a:srgbClr>
@@ -5022,12 +5027,12 @@
           </a:effectLst>
         </p:spPr>
         <p:txBody>
-          <a:bodyPr anchorCtr="0" anchor="ctr" bIns="91425" lIns="91425" spcFirstLastPara="1" rIns="91425" wrap="square" tIns="91425">
+          <a:bodyPr spcFirstLastPara="1" wrap="square" lIns="91425" tIns="91425" rIns="91425" bIns="91425" anchor="ctr" anchorCtr="0">
             <a:noAutofit/>
           </a:bodyPr>
           <a:lstStyle/>
           <a:p>
-            <a:pPr indent="0" lvl="0" marL="0" rtl="0" algn="l">
+            <a:pPr marL="0" lvl="0" indent="0" algn="l" rtl="0">
               <a:spcBef>
                 <a:spcPts val="0"/>
               </a:spcBef>
@@ -5036,9 +5041,6 @@
               </a:spcAft>
               <a:buNone/>
             </a:pPr>
-            <a:r>
-              <a:t/>
-            </a:r>
             <a:endParaRPr/>
           </a:p>
         </p:txBody>
@@ -5046,7 +5048,9 @@
       <p:sp>
         <p:nvSpPr>
           <p:cNvPr id="53" name="Google Shape;53;p4"/>
-          <p:cNvSpPr txBox="1"/>
+          <p:cNvSpPr txBox="1">
+            <a:spLocks noGrp="1"/>
+          </p:cNvSpPr>
           <p:nvPr>
             <p:ph type="title"/>
           </p:nvPr>
@@ -5061,7 +5065,7 @@
           </a:prstGeom>
         </p:spPr>
         <p:txBody>
-          <a:bodyPr anchorCtr="0" anchor="t" bIns="91425" lIns="91425" spcFirstLastPara="1" rIns="91425" wrap="square" tIns="91425">
+          <a:bodyPr spcFirstLastPara="1" wrap="square" lIns="91425" tIns="91425" rIns="91425" bIns="91425" anchor="t" anchorCtr="0">
             <a:normAutofit/>
           </a:bodyPr>
           <a:lstStyle>
@@ -5165,15 +5169,19 @@
               <a:defRPr sz="3000"/>
             </a:lvl9pPr>
           </a:lstStyle>
-          <a:p/>
+          <a:p>
+            <a:endParaRPr/>
+          </a:p>
         </p:txBody>
       </p:sp>
       <p:sp>
         <p:nvSpPr>
           <p:cNvPr id="54" name="Google Shape;54;p4"/>
-          <p:cNvSpPr txBox="1"/>
+          <p:cNvSpPr txBox="1">
+            <a:spLocks noGrp="1"/>
+          </p:cNvSpPr>
           <p:nvPr>
-            <p:ph idx="1" type="body"/>
+            <p:ph type="body" idx="1"/>
           </p:nvPr>
         </p:nvSpPr>
         <p:spPr>
@@ -5186,11 +5194,11 @@
           </a:prstGeom>
         </p:spPr>
         <p:txBody>
-          <a:bodyPr anchorCtr="0" anchor="t" bIns="91425" lIns="91425" spcFirstLastPara="1" rIns="91425" wrap="square" tIns="91425">
+          <a:bodyPr spcFirstLastPara="1" wrap="square" lIns="91425" tIns="91425" rIns="91425" bIns="91425" anchor="t" anchorCtr="0">
             <a:normAutofit/>
           </a:bodyPr>
           <a:lstStyle>
-            <a:lvl1pPr indent="-311150" lvl="0" marL="457200">
+            <a:lvl1pPr marL="457200" lvl="0" indent="-311150">
               <a:spcBef>
                 <a:spcPts val="0"/>
               </a:spcBef>
@@ -5201,7 +5209,7 @@
               <a:buChar char="●"/>
               <a:defRPr/>
             </a:lvl1pPr>
-            <a:lvl2pPr indent="-298450" lvl="1" marL="914400">
+            <a:lvl2pPr marL="914400" lvl="1" indent="-298450">
               <a:spcBef>
                 <a:spcPts val="0"/>
               </a:spcBef>
@@ -5212,7 +5220,7 @@
               <a:buChar char="○"/>
               <a:defRPr/>
             </a:lvl2pPr>
-            <a:lvl3pPr indent="-298450" lvl="2" marL="1371600">
+            <a:lvl3pPr marL="1371600" lvl="2" indent="-298450">
               <a:spcBef>
                 <a:spcPts val="0"/>
               </a:spcBef>
@@ -5223,7 +5231,7 @@
               <a:buChar char="■"/>
               <a:defRPr/>
             </a:lvl3pPr>
-            <a:lvl4pPr indent="-298450" lvl="3" marL="1828800">
+            <a:lvl4pPr marL="1828800" lvl="3" indent="-298450">
               <a:spcBef>
                 <a:spcPts val="0"/>
               </a:spcBef>
@@ -5234,7 +5242,7 @@
               <a:buChar char="●"/>
               <a:defRPr/>
             </a:lvl4pPr>
-            <a:lvl5pPr indent="-298450" lvl="4" marL="2286000">
+            <a:lvl5pPr marL="2286000" lvl="4" indent="-298450">
               <a:spcBef>
                 <a:spcPts val="0"/>
               </a:spcBef>
@@ -5245,7 +5253,7 @@
               <a:buChar char="○"/>
               <a:defRPr/>
             </a:lvl5pPr>
-            <a:lvl6pPr indent="-298450" lvl="5" marL="2743200">
+            <a:lvl6pPr marL="2743200" lvl="5" indent="-298450">
               <a:spcBef>
                 <a:spcPts val="0"/>
               </a:spcBef>
@@ -5256,7 +5264,7 @@
               <a:buChar char="■"/>
               <a:defRPr/>
             </a:lvl6pPr>
-            <a:lvl7pPr indent="-298450" lvl="6" marL="3200400">
+            <a:lvl7pPr marL="3200400" lvl="6" indent="-298450">
               <a:spcBef>
                 <a:spcPts val="0"/>
               </a:spcBef>
@@ -5267,7 +5275,7 @@
               <a:buChar char="●"/>
               <a:defRPr/>
             </a:lvl7pPr>
-            <a:lvl8pPr indent="-298450" lvl="7" marL="3657600">
+            <a:lvl8pPr marL="3657600" lvl="7" indent="-298450">
               <a:spcBef>
                 <a:spcPts val="0"/>
               </a:spcBef>
@@ -5278,7 +5286,7 @@
               <a:buChar char="○"/>
               <a:defRPr/>
             </a:lvl8pPr>
-            <a:lvl9pPr indent="-298450" lvl="8" marL="4114800">
+            <a:lvl9pPr marL="4114800" lvl="8" indent="-298450">
               <a:spcBef>
                 <a:spcPts val="0"/>
               </a:spcBef>
@@ -5290,15 +5298,19 @@
               <a:defRPr/>
             </a:lvl9pPr>
           </a:lstStyle>
-          <a:p/>
+          <a:p>
+            <a:endParaRPr/>
+          </a:p>
         </p:txBody>
       </p:sp>
       <p:sp>
         <p:nvSpPr>
           <p:cNvPr id="55" name="Google Shape;55;p4"/>
-          <p:cNvSpPr txBox="1"/>
+          <p:cNvSpPr txBox="1">
+            <a:spLocks noGrp="1"/>
+          </p:cNvSpPr>
           <p:nvPr>
-            <p:ph idx="12" type="sldNum"/>
+            <p:ph type="sldNum" idx="12"/>
           </p:nvPr>
         </p:nvSpPr>
         <p:spPr>
@@ -5311,7 +5323,7 @@
           </a:prstGeom>
         </p:spPr>
         <p:txBody>
-          <a:bodyPr anchorCtr="0" anchor="ctr" bIns="91425" lIns="91425" spcFirstLastPara="1" rIns="91425" wrap="square" tIns="91425">
+          <a:bodyPr spcFirstLastPara="1" wrap="square" lIns="91425" tIns="91425" rIns="91425" bIns="91425" anchor="ctr" anchorCtr="0">
             <a:normAutofit/>
           </a:bodyPr>
           <a:lstStyle>
@@ -5353,7 +5365,7 @@
             </a:lvl9pPr>
           </a:lstStyle>
           <a:p>
-            <a:pPr indent="0" lvl="0" marL="0" rtl="0" algn="r">
+            <a:pPr marL="0" lvl="0" indent="0" algn="r" rtl="0">
               <a:spcBef>
                 <a:spcPts val="0"/>
               </a:spcBef>
@@ -5379,18 +5391,19 @@
 </file>
 
 <file path=ppt/slideLayouts/slideLayout4.xml><?xml version="1.0" encoding="utf-8"?>
-<p:sldLayout xmlns:a="http://schemas.openxmlformats.org/drawingml/2006/main" xmlns:r="http://schemas.openxmlformats.org/officeDocument/2006/relationships" xmlns:mc="http://schemas.openxmlformats.org/markup-compatibility/2006" xmlns:mv="urn:schemas-microsoft-com:mac:vml" xmlns:p="http://schemas.openxmlformats.org/presentationml/2006/main" xmlns:c="http://schemas.openxmlformats.org/drawingml/2006/chart" xmlns:dgm="http://schemas.openxmlformats.org/drawingml/2006/diagram" xmlns:o="urn:schemas-microsoft-com:office:office" xmlns:v="urn:schemas-microsoft-com:vml" xmlns:pvml="urn:schemas-microsoft-com:office:powerpoint" xmlns:com="http://schemas.openxmlformats.org/drawingml/2006/compatibility" xmlns:p14="http://schemas.microsoft.com/office/powerpoint/2010/main" xmlns:p15="http://schemas.microsoft.com/office/powerpoint/2012/main" xmlns:ahyp="http://schemas.microsoft.com/office/drawing/2018/hyperlinkcolor" matchingName="Title and two columns" type="twoColTx">
+<p:sldLayout xmlns:a="http://schemas.openxmlformats.org/drawingml/2006/main" xmlns:r="http://schemas.openxmlformats.org/officeDocument/2006/relationships" xmlns:p="http://schemas.openxmlformats.org/presentationml/2006/main" matchingName="Title and two columns" type="twoColTx">
   <p:cSld name="TITLE_AND_TWO_COLUMNS">
     <p:bg>
       <p:bgPr>
         <a:solidFill>
           <a:schemeClr val="dk2"/>
         </a:solidFill>
+        <a:effectLst/>
       </p:bgPr>
     </p:bg>
     <p:spTree>
       <p:nvGrpSpPr>
-        <p:cNvPr id="56" name="Shape 56"/>
+        <p:cNvPr id="1" name="Shape 56"/>
         <p:cNvGrpSpPr/>
         <p:nvPr/>
       </p:nvGrpSpPr>
@@ -5424,12 +5437,12 @@
           </a:ln>
         </p:spPr>
         <p:txBody>
-          <a:bodyPr anchorCtr="0" anchor="ctr" bIns="91425" lIns="91425" spcFirstLastPara="1" rIns="91425" wrap="square" tIns="91425">
+          <a:bodyPr spcFirstLastPara="1" wrap="square" lIns="91425" tIns="91425" rIns="91425" bIns="91425" anchor="ctr" anchorCtr="0">
             <a:noAutofit/>
           </a:bodyPr>
           <a:lstStyle/>
           <a:p>
-            <a:pPr indent="0" lvl="0" marL="0" rtl="0" algn="l">
+            <a:pPr marL="0" lvl="0" indent="0" algn="l" rtl="0">
               <a:spcBef>
                 <a:spcPts val="0"/>
               </a:spcBef>
@@ -5438,9 +5451,6 @@
               </a:spcAft>
               <a:buNone/>
             </a:pPr>
-            <a:r>
-              <a:t/>
-            </a:r>
             <a:endParaRPr/>
           </a:p>
         </p:txBody>
@@ -5467,12 +5477,12 @@
           </a:ln>
         </p:spPr>
         <p:txBody>
-          <a:bodyPr anchorCtr="0" anchor="ctr" bIns="91425" lIns="91425" spcFirstLastPara="1" rIns="91425" wrap="square" tIns="91425">
+          <a:bodyPr spcFirstLastPara="1" wrap="square" lIns="91425" tIns="91425" rIns="91425" bIns="91425" anchor="ctr" anchorCtr="0">
             <a:noAutofit/>
           </a:bodyPr>
           <a:lstStyle/>
           <a:p>
-            <a:pPr indent="0" lvl="0" marL="0" rtl="0" algn="l">
+            <a:pPr marL="0" lvl="0" indent="0" algn="l" rtl="0">
               <a:spcBef>
                 <a:spcPts val="0"/>
               </a:spcBef>
@@ -5481,9 +5491,6 @@
               </a:spcAft>
               <a:buNone/>
             </a:pPr>
-            <a:r>
-              <a:t/>
-            </a:r>
             <a:endParaRPr/>
           </a:p>
         </p:txBody>
@@ -5509,7 +5516,7 @@
             <a:noFill/>
           </a:ln>
           <a:effectLst>
-            <a:outerShdw blurRad="228600" sx="101000" rotWithShape="0" algn="ctr" sy="101000">
+            <a:outerShdw blurRad="228600" sx="101000" sy="101000" algn="ctr" rotWithShape="0">
               <a:srgbClr val="000000">
                 <a:alpha val="40000"/>
               </a:srgbClr>
@@ -5517,12 +5524,12 @@
           </a:effectLst>
         </p:spPr>
         <p:txBody>
-          <a:bodyPr anchorCtr="0" anchor="ctr" bIns="91425" lIns="91425" spcFirstLastPara="1" rIns="91425" wrap="square" tIns="91425">
+          <a:bodyPr spcFirstLastPara="1" wrap="square" lIns="91425" tIns="91425" rIns="91425" bIns="91425" anchor="ctr" anchorCtr="0">
             <a:noAutofit/>
           </a:bodyPr>
           <a:lstStyle/>
           <a:p>
-            <a:pPr indent="0" lvl="0" marL="0" rtl="0" algn="l">
+            <a:pPr marL="0" lvl="0" indent="0" algn="l" rtl="0">
               <a:spcBef>
                 <a:spcPts val="0"/>
               </a:spcBef>
@@ -5531,9 +5538,6 @@
               </a:spcAft>
               <a:buNone/>
             </a:pPr>
-            <a:r>
-              <a:t/>
-            </a:r>
             <a:endParaRPr/>
           </a:p>
         </p:txBody>
@@ -5541,7 +5545,9 @@
       <p:sp>
         <p:nvSpPr>
           <p:cNvPr id="60" name="Google Shape;60;p5"/>
-          <p:cNvSpPr txBox="1"/>
+          <p:cNvSpPr txBox="1">
+            <a:spLocks noGrp="1"/>
+          </p:cNvSpPr>
           <p:nvPr>
             <p:ph type="title"/>
           </p:nvPr>
@@ -5556,7 +5562,7 @@
           </a:prstGeom>
         </p:spPr>
         <p:txBody>
-          <a:bodyPr anchorCtr="0" anchor="t" bIns="91425" lIns="91425" spcFirstLastPara="1" rIns="91425" wrap="square" tIns="91425">
+          <a:bodyPr spcFirstLastPara="1" wrap="square" lIns="91425" tIns="91425" rIns="91425" bIns="91425" anchor="t" anchorCtr="0">
             <a:normAutofit/>
           </a:bodyPr>
           <a:lstStyle>
@@ -5660,15 +5666,19 @@
               <a:defRPr sz="3000"/>
             </a:lvl9pPr>
           </a:lstStyle>
-          <a:p/>
+          <a:p>
+            <a:endParaRPr/>
+          </a:p>
         </p:txBody>
       </p:sp>
       <p:sp>
         <p:nvSpPr>
           <p:cNvPr id="61" name="Google Shape;61;p5"/>
-          <p:cNvSpPr txBox="1"/>
+          <p:cNvSpPr txBox="1">
+            <a:spLocks noGrp="1"/>
+          </p:cNvSpPr>
           <p:nvPr>
-            <p:ph idx="1" type="body"/>
+            <p:ph type="body" idx="1"/>
           </p:nvPr>
         </p:nvSpPr>
         <p:spPr>
@@ -5681,11 +5691,11 @@
           </a:prstGeom>
         </p:spPr>
         <p:txBody>
-          <a:bodyPr anchorCtr="0" anchor="t" bIns="91425" lIns="91425" spcFirstLastPara="1" rIns="91425" wrap="square" tIns="91425">
+          <a:bodyPr spcFirstLastPara="1" wrap="square" lIns="91425" tIns="91425" rIns="91425" bIns="91425" anchor="t" anchorCtr="0">
             <a:normAutofit/>
           </a:bodyPr>
           <a:lstStyle>
-            <a:lvl1pPr indent="-311150" lvl="0" marL="457200">
+            <a:lvl1pPr marL="457200" lvl="0" indent="-311150">
               <a:spcBef>
                 <a:spcPts val="0"/>
               </a:spcBef>
@@ -5696,7 +5706,7 @@
               <a:buChar char="●"/>
               <a:defRPr/>
             </a:lvl1pPr>
-            <a:lvl2pPr indent="-298450" lvl="1" marL="914400">
+            <a:lvl2pPr marL="914400" lvl="1" indent="-298450">
               <a:spcBef>
                 <a:spcPts val="0"/>
               </a:spcBef>
@@ -5707,7 +5717,7 @@
               <a:buChar char="○"/>
               <a:defRPr/>
             </a:lvl2pPr>
-            <a:lvl3pPr indent="-298450" lvl="2" marL="1371600">
+            <a:lvl3pPr marL="1371600" lvl="2" indent="-298450">
               <a:spcBef>
                 <a:spcPts val="0"/>
               </a:spcBef>
@@ -5718,7 +5728,7 @@
               <a:buChar char="■"/>
               <a:defRPr/>
             </a:lvl3pPr>
-            <a:lvl4pPr indent="-298450" lvl="3" marL="1828800">
+            <a:lvl4pPr marL="1828800" lvl="3" indent="-298450">
               <a:spcBef>
                 <a:spcPts val="0"/>
               </a:spcBef>
@@ -5729,7 +5739,7 @@
               <a:buChar char="●"/>
               <a:defRPr/>
             </a:lvl4pPr>
-            <a:lvl5pPr indent="-298450" lvl="4" marL="2286000">
+            <a:lvl5pPr marL="2286000" lvl="4" indent="-298450">
               <a:spcBef>
                 <a:spcPts val="0"/>
               </a:spcBef>
@@ -5740,7 +5750,7 @@
               <a:buChar char="○"/>
               <a:defRPr/>
             </a:lvl5pPr>
-            <a:lvl6pPr indent="-298450" lvl="5" marL="2743200">
+            <a:lvl6pPr marL="2743200" lvl="5" indent="-298450">
               <a:spcBef>
                 <a:spcPts val="0"/>
               </a:spcBef>
@@ -5751,7 +5761,7 @@
               <a:buChar char="■"/>
               <a:defRPr/>
             </a:lvl6pPr>
-            <a:lvl7pPr indent="-298450" lvl="6" marL="3200400">
+            <a:lvl7pPr marL="3200400" lvl="6" indent="-298450">
               <a:spcBef>
                 <a:spcPts val="0"/>
               </a:spcBef>
@@ -5762,7 +5772,7 @@
               <a:buChar char="●"/>
               <a:defRPr/>
             </a:lvl7pPr>
-            <a:lvl8pPr indent="-298450" lvl="7" marL="3657600">
+            <a:lvl8pPr marL="3657600" lvl="7" indent="-298450">
               <a:spcBef>
                 <a:spcPts val="0"/>
               </a:spcBef>
@@ -5773,7 +5783,7 @@
               <a:buChar char="○"/>
               <a:defRPr/>
             </a:lvl8pPr>
-            <a:lvl9pPr indent="-298450" lvl="8" marL="4114800">
+            <a:lvl9pPr marL="4114800" lvl="8" indent="-298450">
               <a:spcBef>
                 <a:spcPts val="0"/>
               </a:spcBef>
@@ -5785,15 +5795,19 @@
               <a:defRPr/>
             </a:lvl9pPr>
           </a:lstStyle>
-          <a:p/>
+          <a:p>
+            <a:endParaRPr/>
+          </a:p>
         </p:txBody>
       </p:sp>
       <p:sp>
         <p:nvSpPr>
           <p:cNvPr id="62" name="Google Shape;62;p5"/>
-          <p:cNvSpPr txBox="1"/>
+          <p:cNvSpPr txBox="1">
+            <a:spLocks noGrp="1"/>
+          </p:cNvSpPr>
           <p:nvPr>
-            <p:ph idx="2" type="body"/>
+            <p:ph type="body" idx="2"/>
           </p:nvPr>
         </p:nvSpPr>
         <p:spPr>
@@ -5806,11 +5820,11 @@
           </a:prstGeom>
         </p:spPr>
         <p:txBody>
-          <a:bodyPr anchorCtr="0" anchor="t" bIns="91425" lIns="91425" spcFirstLastPara="1" rIns="91425" wrap="square" tIns="91425">
+          <a:bodyPr spcFirstLastPara="1" wrap="square" lIns="91425" tIns="91425" rIns="91425" bIns="91425" anchor="t" anchorCtr="0">
             <a:normAutofit/>
           </a:bodyPr>
           <a:lstStyle>
-            <a:lvl1pPr indent="-311150" lvl="0" marL="457200">
+            <a:lvl1pPr marL="457200" lvl="0" indent="-311150">
               <a:spcBef>
                 <a:spcPts val="0"/>
               </a:spcBef>
@@ -5821,7 +5835,7 @@
               <a:buChar char="●"/>
               <a:defRPr/>
             </a:lvl1pPr>
-            <a:lvl2pPr indent="-298450" lvl="1" marL="914400">
+            <a:lvl2pPr marL="914400" lvl="1" indent="-298450">
               <a:spcBef>
                 <a:spcPts val="0"/>
               </a:spcBef>
@@ -5832,7 +5846,7 @@
               <a:buChar char="○"/>
               <a:defRPr/>
             </a:lvl2pPr>
-            <a:lvl3pPr indent="-298450" lvl="2" marL="1371600">
+            <a:lvl3pPr marL="1371600" lvl="2" indent="-298450">
               <a:spcBef>
                 <a:spcPts val="0"/>
               </a:spcBef>
@@ -5843,7 +5857,7 @@
               <a:buChar char="■"/>
               <a:defRPr/>
             </a:lvl3pPr>
-            <a:lvl4pPr indent="-298450" lvl="3" marL="1828800">
+            <a:lvl4pPr marL="1828800" lvl="3" indent="-298450">
               <a:spcBef>
                 <a:spcPts val="0"/>
               </a:spcBef>
@@ -5854,7 +5868,7 @@
               <a:buChar char="●"/>
               <a:defRPr/>
             </a:lvl4pPr>
-            <a:lvl5pPr indent="-298450" lvl="4" marL="2286000">
+            <a:lvl5pPr marL="2286000" lvl="4" indent="-298450">
               <a:spcBef>
                 <a:spcPts val="0"/>
               </a:spcBef>
@@ -5865,7 +5879,7 @@
               <a:buChar char="○"/>
               <a:defRPr/>
             </a:lvl5pPr>
-            <a:lvl6pPr indent="-298450" lvl="5" marL="2743200">
+            <a:lvl6pPr marL="2743200" lvl="5" indent="-298450">
               <a:spcBef>
                 <a:spcPts val="0"/>
               </a:spcBef>
@@ -5876,7 +5890,7 @@
               <a:buChar char="■"/>
               <a:defRPr/>
             </a:lvl6pPr>
-            <a:lvl7pPr indent="-298450" lvl="6" marL="3200400">
+            <a:lvl7pPr marL="3200400" lvl="6" indent="-298450">
               <a:spcBef>
                 <a:spcPts val="0"/>
               </a:spcBef>
@@ -5887,7 +5901,7 @@
               <a:buChar char="●"/>
               <a:defRPr/>
             </a:lvl7pPr>
-            <a:lvl8pPr indent="-298450" lvl="7" marL="3657600">
+            <a:lvl8pPr marL="3657600" lvl="7" indent="-298450">
               <a:spcBef>
                 <a:spcPts val="0"/>
               </a:spcBef>
@@ -5898,7 +5912,7 @@
               <a:buChar char="○"/>
               <a:defRPr/>
             </a:lvl8pPr>
-            <a:lvl9pPr indent="-298450" lvl="8" marL="4114800">
+            <a:lvl9pPr marL="4114800" lvl="8" indent="-298450">
               <a:spcBef>
                 <a:spcPts val="0"/>
               </a:spcBef>
@@ -5910,15 +5924,19 @@
               <a:defRPr/>
             </a:lvl9pPr>
           </a:lstStyle>
-          <a:p/>
+          <a:p>
+            <a:endParaRPr/>
+          </a:p>
         </p:txBody>
       </p:sp>
       <p:sp>
         <p:nvSpPr>
           <p:cNvPr id="63" name="Google Shape;63;p5"/>
-          <p:cNvSpPr txBox="1"/>
+          <p:cNvSpPr txBox="1">
+            <a:spLocks noGrp="1"/>
+          </p:cNvSpPr>
           <p:nvPr>
-            <p:ph idx="12" type="sldNum"/>
+            <p:ph type="sldNum" idx="12"/>
           </p:nvPr>
         </p:nvSpPr>
         <p:spPr>
@@ -5931,7 +5949,7 @@
           </a:prstGeom>
         </p:spPr>
         <p:txBody>
-          <a:bodyPr anchorCtr="0" anchor="ctr" bIns="91425" lIns="91425" spcFirstLastPara="1" rIns="91425" wrap="square" tIns="91425">
+          <a:bodyPr spcFirstLastPara="1" wrap="square" lIns="91425" tIns="91425" rIns="91425" bIns="91425" anchor="ctr" anchorCtr="0">
             <a:normAutofit/>
           </a:bodyPr>
           <a:lstStyle>
@@ -5973,7 +5991,7 @@
             </a:lvl9pPr>
           </a:lstStyle>
           <a:p>
-            <a:pPr indent="0" lvl="0" marL="0" rtl="0" algn="r">
+            <a:pPr marL="0" lvl="0" indent="0" algn="r" rtl="0">
               <a:spcBef>
                 <a:spcPts val="0"/>
               </a:spcBef>
@@ -5999,18 +6017,19 @@
 </file>
 
 <file path=ppt/slideLayouts/slideLayout5.xml><?xml version="1.0" encoding="utf-8"?>
-<p:sldLayout xmlns:a="http://schemas.openxmlformats.org/drawingml/2006/main" xmlns:r="http://schemas.openxmlformats.org/officeDocument/2006/relationships" xmlns:mc="http://schemas.openxmlformats.org/markup-compatibility/2006" xmlns:mv="urn:schemas-microsoft-com:mac:vml" xmlns:p="http://schemas.openxmlformats.org/presentationml/2006/main" xmlns:c="http://schemas.openxmlformats.org/drawingml/2006/chart" xmlns:dgm="http://schemas.openxmlformats.org/drawingml/2006/diagram" xmlns:o="urn:schemas-microsoft-com:office:office" xmlns:v="urn:schemas-microsoft-com:vml" xmlns:pvml="urn:schemas-microsoft-com:office:powerpoint" xmlns:com="http://schemas.openxmlformats.org/drawingml/2006/compatibility" xmlns:p14="http://schemas.microsoft.com/office/powerpoint/2010/main" xmlns:p15="http://schemas.microsoft.com/office/powerpoint/2012/main" xmlns:ahyp="http://schemas.microsoft.com/office/drawing/2018/hyperlinkcolor" matchingName="Title only" type="titleOnly">
+<p:sldLayout xmlns:a="http://schemas.openxmlformats.org/drawingml/2006/main" xmlns:r="http://schemas.openxmlformats.org/officeDocument/2006/relationships" xmlns:p="http://schemas.openxmlformats.org/presentationml/2006/main" matchingName="Title only" type="titleOnly">
   <p:cSld name="TITLE_ONLY">
     <p:bg>
       <p:bgPr>
         <a:solidFill>
           <a:schemeClr val="dk2"/>
         </a:solidFill>
+        <a:effectLst/>
       </p:bgPr>
     </p:bg>
     <p:spTree>
       <p:nvGrpSpPr>
-        <p:cNvPr id="64" name="Shape 64"/>
+        <p:cNvPr id="1" name="Shape 64"/>
         <p:cNvGrpSpPr/>
         <p:nvPr/>
       </p:nvGrpSpPr>
@@ -6044,12 +6063,12 @@
           </a:ln>
         </p:spPr>
         <p:txBody>
-          <a:bodyPr anchorCtr="0" anchor="ctr" bIns="91425" lIns="91425" spcFirstLastPara="1" rIns="91425" wrap="square" tIns="91425">
+          <a:bodyPr spcFirstLastPara="1" wrap="square" lIns="91425" tIns="91425" rIns="91425" bIns="91425" anchor="ctr" anchorCtr="0">
             <a:noAutofit/>
           </a:bodyPr>
           <a:lstStyle/>
           <a:p>
-            <a:pPr indent="0" lvl="0" marL="0" rtl="0" algn="l">
+            <a:pPr marL="0" lvl="0" indent="0" algn="l" rtl="0">
               <a:spcBef>
                 <a:spcPts val="0"/>
               </a:spcBef>
@@ -6058,9 +6077,6 @@
               </a:spcAft>
               <a:buNone/>
             </a:pPr>
-            <a:r>
-              <a:t/>
-            </a:r>
             <a:endParaRPr/>
           </a:p>
         </p:txBody>
@@ -6087,12 +6103,12 @@
           </a:ln>
         </p:spPr>
         <p:txBody>
-          <a:bodyPr anchorCtr="0" anchor="ctr" bIns="91425" lIns="91425" spcFirstLastPara="1" rIns="91425" wrap="square" tIns="91425">
+          <a:bodyPr spcFirstLastPara="1" wrap="square" lIns="91425" tIns="91425" rIns="91425" bIns="91425" anchor="ctr" anchorCtr="0">
             <a:noAutofit/>
           </a:bodyPr>
           <a:lstStyle/>
           <a:p>
-            <a:pPr indent="0" lvl="0" marL="0" rtl="0" algn="l">
+            <a:pPr marL="0" lvl="0" indent="0" algn="l" rtl="0">
               <a:spcBef>
                 <a:spcPts val="0"/>
               </a:spcBef>
@@ -6101,9 +6117,6 @@
               </a:spcAft>
               <a:buNone/>
             </a:pPr>
-            <a:r>
-              <a:t/>
-            </a:r>
             <a:endParaRPr/>
           </a:p>
         </p:txBody>
@@ -6129,7 +6142,7 @@
             <a:noFill/>
           </a:ln>
           <a:effectLst>
-            <a:outerShdw blurRad="228600" sx="101000" rotWithShape="0" algn="ctr" sy="101000">
+            <a:outerShdw blurRad="228600" sx="101000" sy="101000" algn="ctr" rotWithShape="0">
               <a:srgbClr val="000000">
                 <a:alpha val="40000"/>
               </a:srgbClr>
@@ -6137,12 +6150,12 @@
           </a:effectLst>
         </p:spPr>
         <p:txBody>
-          <a:bodyPr anchorCtr="0" anchor="ctr" bIns="91425" lIns="91425" spcFirstLastPara="1" rIns="91425" wrap="square" tIns="91425">
+          <a:bodyPr spcFirstLastPara="1" wrap="square" lIns="91425" tIns="91425" rIns="91425" bIns="91425" anchor="ctr" anchorCtr="0">
             <a:noAutofit/>
           </a:bodyPr>
           <a:lstStyle/>
           <a:p>
-            <a:pPr indent="0" lvl="0" marL="0" rtl="0" algn="l">
+            <a:pPr marL="0" lvl="0" indent="0" algn="l" rtl="0">
               <a:spcBef>
                 <a:spcPts val="0"/>
               </a:spcBef>
@@ -6151,9 +6164,6 @@
               </a:spcAft>
               <a:buNone/>
             </a:pPr>
-            <a:r>
-              <a:t/>
-            </a:r>
             <a:endParaRPr/>
           </a:p>
         </p:txBody>
@@ -6161,7 +6171,9 @@
       <p:sp>
         <p:nvSpPr>
           <p:cNvPr id="68" name="Google Shape;68;p6"/>
-          <p:cNvSpPr txBox="1"/>
+          <p:cNvSpPr txBox="1">
+            <a:spLocks noGrp="1"/>
+          </p:cNvSpPr>
           <p:nvPr>
             <p:ph type="title"/>
           </p:nvPr>
@@ -6176,7 +6188,7 @@
           </a:prstGeom>
         </p:spPr>
         <p:txBody>
-          <a:bodyPr anchorCtr="0" anchor="t" bIns="91425" lIns="91425" spcFirstLastPara="1" rIns="91425" wrap="square" tIns="91425">
+          <a:bodyPr spcFirstLastPara="1" wrap="square" lIns="91425" tIns="91425" rIns="91425" bIns="91425" anchor="t" anchorCtr="0">
             <a:normAutofit/>
           </a:bodyPr>
           <a:lstStyle>
@@ -6280,15 +6292,19 @@
               <a:defRPr sz="3000"/>
             </a:lvl9pPr>
           </a:lstStyle>
-          <a:p/>
+          <a:p>
+            <a:endParaRPr/>
+          </a:p>
         </p:txBody>
       </p:sp>
       <p:sp>
         <p:nvSpPr>
           <p:cNvPr id="69" name="Google Shape;69;p6"/>
-          <p:cNvSpPr txBox="1"/>
+          <p:cNvSpPr txBox="1">
+            <a:spLocks noGrp="1"/>
+          </p:cNvSpPr>
           <p:nvPr>
-            <p:ph idx="12" type="sldNum"/>
+            <p:ph type="sldNum" idx="12"/>
           </p:nvPr>
         </p:nvSpPr>
         <p:spPr>
@@ -6301,7 +6317,7 @@
           </a:prstGeom>
         </p:spPr>
         <p:txBody>
-          <a:bodyPr anchorCtr="0" anchor="ctr" bIns="91425" lIns="91425" spcFirstLastPara="1" rIns="91425" wrap="square" tIns="91425">
+          <a:bodyPr spcFirstLastPara="1" wrap="square" lIns="91425" tIns="91425" rIns="91425" bIns="91425" anchor="ctr" anchorCtr="0">
             <a:normAutofit/>
           </a:bodyPr>
           <a:lstStyle>
@@ -6343,7 +6359,7 @@
             </a:lvl9pPr>
           </a:lstStyle>
           <a:p>
-            <a:pPr indent="0" lvl="0" marL="0" rtl="0" algn="r">
+            <a:pPr marL="0" lvl="0" indent="0" algn="r" rtl="0">
               <a:spcBef>
                 <a:spcPts val="0"/>
               </a:spcBef>
@@ -6369,18 +6385,19 @@
 </file>
 
 <file path=ppt/slideLayouts/slideLayout6.xml><?xml version="1.0" encoding="utf-8"?>
-<p:sldLayout xmlns:a="http://schemas.openxmlformats.org/drawingml/2006/main" xmlns:r="http://schemas.openxmlformats.org/officeDocument/2006/relationships" xmlns:mc="http://schemas.openxmlformats.org/markup-compatibility/2006" xmlns:mv="urn:schemas-microsoft-com:mac:vml" xmlns:p="http://schemas.openxmlformats.org/presentationml/2006/main" xmlns:c="http://schemas.openxmlformats.org/drawingml/2006/chart" xmlns:dgm="http://schemas.openxmlformats.org/drawingml/2006/diagram" xmlns:o="urn:schemas-microsoft-com:office:office" xmlns:v="urn:schemas-microsoft-com:vml" xmlns:pvml="urn:schemas-microsoft-com:office:powerpoint" xmlns:com="http://schemas.openxmlformats.org/drawingml/2006/compatibility" xmlns:p14="http://schemas.microsoft.com/office/powerpoint/2010/main" xmlns:p15="http://schemas.microsoft.com/office/powerpoint/2012/main" xmlns:ahyp="http://schemas.microsoft.com/office/drawing/2018/hyperlinkcolor" matchingName="One column text">
+<p:sldLayout xmlns:a="http://schemas.openxmlformats.org/drawingml/2006/main" xmlns:r="http://schemas.openxmlformats.org/officeDocument/2006/relationships" xmlns:p="http://schemas.openxmlformats.org/presentationml/2006/main" matchingName="One column text">
   <p:cSld name="ONE_COLUMN_TEXT">
     <p:bg>
       <p:bgPr>
         <a:solidFill>
           <a:schemeClr val="accent3"/>
         </a:solidFill>
+        <a:effectLst/>
       </p:bgPr>
     </p:bg>
     <p:spTree>
       <p:nvGrpSpPr>
-        <p:cNvPr id="70" name="Shape 70"/>
+        <p:cNvPr id="1" name="Shape 70"/>
         <p:cNvGrpSpPr/>
         <p:nvPr/>
       </p:nvGrpSpPr>
@@ -6414,12 +6431,12 @@
           </a:ln>
         </p:spPr>
         <p:txBody>
-          <a:bodyPr anchorCtr="0" anchor="ctr" bIns="91425" lIns="91425" spcFirstLastPara="1" rIns="91425" wrap="square" tIns="91425">
+          <a:bodyPr spcFirstLastPara="1" wrap="square" lIns="91425" tIns="91425" rIns="91425" bIns="91425" anchor="ctr" anchorCtr="0">
             <a:noAutofit/>
           </a:bodyPr>
           <a:lstStyle/>
           <a:p>
-            <a:pPr indent="0" lvl="0" marL="0" rtl="0" algn="l">
+            <a:pPr marL="0" lvl="0" indent="0" algn="l" rtl="0">
               <a:spcBef>
                 <a:spcPts val="0"/>
               </a:spcBef>
@@ -6428,9 +6445,6 @@
               </a:spcAft>
               <a:buNone/>
             </a:pPr>
-            <a:r>
-              <a:t/>
-            </a:r>
             <a:endParaRPr/>
           </a:p>
         </p:txBody>
@@ -6457,12 +6471,12 @@
           </a:ln>
         </p:spPr>
         <p:txBody>
-          <a:bodyPr anchorCtr="0" anchor="ctr" bIns="91425" lIns="91425" spcFirstLastPara="1" rIns="91425" wrap="square" tIns="91425">
+          <a:bodyPr spcFirstLastPara="1" wrap="square" lIns="91425" tIns="91425" rIns="91425" bIns="91425" anchor="ctr" anchorCtr="0">
             <a:noAutofit/>
           </a:bodyPr>
           <a:lstStyle/>
           <a:p>
-            <a:pPr indent="0" lvl="0" marL="0" rtl="0" algn="l">
+            <a:pPr marL="0" lvl="0" indent="0" algn="l" rtl="0">
               <a:spcBef>
                 <a:spcPts val="0"/>
               </a:spcBef>
@@ -6471,9 +6485,6 @@
               </a:spcAft>
               <a:buNone/>
             </a:pPr>
-            <a:r>
-              <a:t/>
-            </a:r>
             <a:endParaRPr/>
           </a:p>
         </p:txBody>
@@ -6499,7 +6510,7 @@
             <a:noFill/>
           </a:ln>
           <a:effectLst>
-            <a:outerShdw blurRad="228600" sx="101000" rotWithShape="0" algn="ctr" sy="101000">
+            <a:outerShdw blurRad="228600" sx="101000" sy="101000" algn="ctr" rotWithShape="0">
               <a:srgbClr val="000000">
                 <a:alpha val="40000"/>
               </a:srgbClr>
@@ -6507,12 +6518,12 @@
           </a:effectLst>
         </p:spPr>
         <p:txBody>
-          <a:bodyPr anchorCtr="0" anchor="ctr" bIns="91425" lIns="91425" spcFirstLastPara="1" rIns="91425" wrap="square" tIns="91425">
+          <a:bodyPr spcFirstLastPara="1" wrap="square" lIns="91425" tIns="91425" rIns="91425" bIns="91425" anchor="ctr" anchorCtr="0">
             <a:noAutofit/>
           </a:bodyPr>
           <a:lstStyle/>
           <a:p>
-            <a:pPr indent="0" lvl="0" marL="0" rtl="0" algn="l">
+            <a:pPr marL="0" lvl="0" indent="0" algn="l" rtl="0">
               <a:spcBef>
                 <a:spcPts val="0"/>
               </a:spcBef>
@@ -6521,9 +6532,6 @@
               </a:spcAft>
               <a:buNone/>
             </a:pPr>
-            <a:r>
-              <a:t/>
-            </a:r>
             <a:endParaRPr/>
           </a:p>
         </p:txBody>
@@ -6531,7 +6539,9 @@
       <p:sp>
         <p:nvSpPr>
           <p:cNvPr id="74" name="Google Shape;74;p7"/>
-          <p:cNvSpPr txBox="1"/>
+          <p:cNvSpPr txBox="1">
+            <a:spLocks noGrp="1"/>
+          </p:cNvSpPr>
           <p:nvPr>
             <p:ph type="title"/>
           </p:nvPr>
@@ -6546,7 +6556,7 @@
           </a:prstGeom>
         </p:spPr>
         <p:txBody>
-          <a:bodyPr anchorCtr="0" anchor="t" bIns="91425" lIns="91425" spcFirstLastPara="1" rIns="91425" wrap="square" tIns="91425">
+          <a:bodyPr spcFirstLastPara="1" wrap="square" lIns="91425" tIns="91425" rIns="91425" bIns="91425" anchor="t" anchorCtr="0">
             <a:normAutofit/>
           </a:bodyPr>
           <a:lstStyle>
@@ -6650,15 +6660,19 @@
               <a:defRPr sz="3000"/>
             </a:lvl9pPr>
           </a:lstStyle>
-          <a:p/>
+          <a:p>
+            <a:endParaRPr/>
+          </a:p>
         </p:txBody>
       </p:sp>
       <p:sp>
         <p:nvSpPr>
           <p:cNvPr id="75" name="Google Shape;75;p7"/>
-          <p:cNvSpPr txBox="1"/>
+          <p:cNvSpPr txBox="1">
+            <a:spLocks noGrp="1"/>
+          </p:cNvSpPr>
           <p:nvPr>
-            <p:ph idx="1" type="body"/>
+            <p:ph type="body" idx="1"/>
           </p:nvPr>
         </p:nvSpPr>
         <p:spPr>
@@ -6671,11 +6685,11 @@
           </a:prstGeom>
         </p:spPr>
         <p:txBody>
-          <a:bodyPr anchorCtr="0" anchor="t" bIns="91425" lIns="91425" spcFirstLastPara="1" rIns="91425" wrap="square" tIns="91425">
+          <a:bodyPr spcFirstLastPara="1" wrap="square" lIns="91425" tIns="91425" rIns="91425" bIns="91425" anchor="t" anchorCtr="0">
             <a:normAutofit/>
           </a:bodyPr>
           <a:lstStyle>
-            <a:lvl1pPr indent="-311150" lvl="0" marL="457200">
+            <a:lvl1pPr marL="457200" lvl="0" indent="-311150">
               <a:spcBef>
                 <a:spcPts val="0"/>
               </a:spcBef>
@@ -6686,7 +6700,7 @@
               <a:buChar char="●"/>
               <a:defRPr/>
             </a:lvl1pPr>
-            <a:lvl2pPr indent="-298450" lvl="1" marL="914400">
+            <a:lvl2pPr marL="914400" lvl="1" indent="-298450">
               <a:spcBef>
                 <a:spcPts val="0"/>
               </a:spcBef>
@@ -6697,7 +6711,7 @@
               <a:buChar char="○"/>
               <a:defRPr/>
             </a:lvl2pPr>
-            <a:lvl3pPr indent="-298450" lvl="2" marL="1371600">
+            <a:lvl3pPr marL="1371600" lvl="2" indent="-298450">
               <a:spcBef>
                 <a:spcPts val="0"/>
               </a:spcBef>
@@ -6708,7 +6722,7 @@
               <a:buChar char="■"/>
               <a:defRPr/>
             </a:lvl3pPr>
-            <a:lvl4pPr indent="-298450" lvl="3" marL="1828800">
+            <a:lvl4pPr marL="1828800" lvl="3" indent="-298450">
               <a:spcBef>
                 <a:spcPts val="0"/>
               </a:spcBef>
@@ -6719,7 +6733,7 @@
               <a:buChar char="●"/>
               <a:defRPr/>
             </a:lvl4pPr>
-            <a:lvl5pPr indent="-298450" lvl="4" marL="2286000">
+            <a:lvl5pPr marL="2286000" lvl="4" indent="-298450">
               <a:spcBef>
                 <a:spcPts val="0"/>
               </a:spcBef>
@@ -6730,7 +6744,7 @@
               <a:buChar char="○"/>
               <a:defRPr/>
             </a:lvl5pPr>
-            <a:lvl6pPr indent="-298450" lvl="5" marL="2743200">
+            <a:lvl6pPr marL="2743200" lvl="5" indent="-298450">
               <a:spcBef>
                 <a:spcPts val="0"/>
               </a:spcBef>
@@ -6741,7 +6755,7 @@
               <a:buChar char="■"/>
               <a:defRPr/>
             </a:lvl6pPr>
-            <a:lvl7pPr indent="-298450" lvl="6" marL="3200400">
+            <a:lvl7pPr marL="3200400" lvl="6" indent="-298450">
               <a:spcBef>
                 <a:spcPts val="0"/>
               </a:spcBef>
@@ -6752,7 +6766,7 @@
               <a:buChar char="●"/>
               <a:defRPr/>
             </a:lvl7pPr>
-            <a:lvl8pPr indent="-298450" lvl="7" marL="3657600">
+            <a:lvl8pPr marL="3657600" lvl="7" indent="-298450">
               <a:spcBef>
                 <a:spcPts val="0"/>
               </a:spcBef>
@@ -6763,7 +6777,7 @@
               <a:buChar char="○"/>
               <a:defRPr/>
             </a:lvl8pPr>
-            <a:lvl9pPr indent="-298450" lvl="8" marL="4114800">
+            <a:lvl9pPr marL="4114800" lvl="8" indent="-298450">
               <a:spcBef>
                 <a:spcPts val="0"/>
               </a:spcBef>
@@ -6775,15 +6789,19 @@
               <a:defRPr/>
             </a:lvl9pPr>
           </a:lstStyle>
-          <a:p/>
+          <a:p>
+            <a:endParaRPr/>
+          </a:p>
         </p:txBody>
       </p:sp>
       <p:sp>
         <p:nvSpPr>
           <p:cNvPr id="76" name="Google Shape;76;p7"/>
-          <p:cNvSpPr txBox="1"/>
+          <p:cNvSpPr txBox="1">
+            <a:spLocks noGrp="1"/>
+          </p:cNvSpPr>
           <p:nvPr>
-            <p:ph idx="12" type="sldNum"/>
+            <p:ph type="sldNum" idx="12"/>
           </p:nvPr>
         </p:nvSpPr>
         <p:spPr>
@@ -6796,7 +6814,7 @@
           </a:prstGeom>
         </p:spPr>
         <p:txBody>
-          <a:bodyPr anchorCtr="0" anchor="ctr" bIns="91425" lIns="91425" spcFirstLastPara="1" rIns="91425" wrap="square" tIns="91425">
+          <a:bodyPr spcFirstLastPara="1" wrap="square" lIns="91425" tIns="91425" rIns="91425" bIns="91425" anchor="ctr" anchorCtr="0">
             <a:normAutofit/>
           </a:bodyPr>
           <a:lstStyle>
@@ -6838,7 +6856,7 @@
             </a:lvl9pPr>
           </a:lstStyle>
           <a:p>
-            <a:pPr indent="0" lvl="0" marL="0" rtl="0" algn="r">
+            <a:pPr marL="0" lvl="0" indent="0" algn="r" rtl="0">
               <a:spcBef>
                 <a:spcPts val="0"/>
               </a:spcBef>
@@ -6864,18 +6882,19 @@
 </file>
 
 <file path=ppt/slideLayouts/slideLayout7.xml><?xml version="1.0" encoding="utf-8"?>
-<p:sldLayout xmlns:a="http://schemas.openxmlformats.org/drawingml/2006/main" xmlns:r="http://schemas.openxmlformats.org/officeDocument/2006/relationships" xmlns:mc="http://schemas.openxmlformats.org/markup-compatibility/2006" xmlns:mv="urn:schemas-microsoft-com:mac:vml" xmlns:p="http://schemas.openxmlformats.org/presentationml/2006/main" xmlns:c="http://schemas.openxmlformats.org/drawingml/2006/chart" xmlns:dgm="http://schemas.openxmlformats.org/drawingml/2006/diagram" xmlns:o="urn:schemas-microsoft-com:office:office" xmlns:v="urn:schemas-microsoft-com:vml" xmlns:pvml="urn:schemas-microsoft-com:office:powerpoint" xmlns:com="http://schemas.openxmlformats.org/drawingml/2006/compatibility" xmlns:p14="http://schemas.microsoft.com/office/powerpoint/2010/main" xmlns:p15="http://schemas.microsoft.com/office/powerpoint/2012/main" xmlns:ahyp="http://schemas.microsoft.com/office/drawing/2018/hyperlinkcolor" matchingName="Main point">
+<p:sldLayout xmlns:a="http://schemas.openxmlformats.org/drawingml/2006/main" xmlns:r="http://schemas.openxmlformats.org/officeDocument/2006/relationships" xmlns:p="http://schemas.openxmlformats.org/presentationml/2006/main" matchingName="Main point">
   <p:cSld name="MAIN_POINT">
     <p:bg>
       <p:bgPr>
         <a:solidFill>
           <a:schemeClr val="accent1"/>
         </a:solidFill>
+        <a:effectLst/>
       </p:bgPr>
     </p:bg>
     <p:spTree>
       <p:nvGrpSpPr>
-        <p:cNvPr id="77" name="Shape 77"/>
+        <p:cNvPr id="1" name="Shape 77"/>
         <p:cNvGrpSpPr/>
         <p:nvPr/>
       </p:nvGrpSpPr>
@@ -6909,12 +6928,12 @@
           </a:ln>
         </p:spPr>
         <p:txBody>
-          <a:bodyPr anchorCtr="0" anchor="ctr" bIns="91425" lIns="91425" spcFirstLastPara="1" rIns="91425" wrap="square" tIns="91425">
+          <a:bodyPr spcFirstLastPara="1" wrap="square" lIns="91425" tIns="91425" rIns="91425" bIns="91425" anchor="ctr" anchorCtr="0">
             <a:noAutofit/>
           </a:bodyPr>
           <a:lstStyle/>
           <a:p>
-            <a:pPr indent="0" lvl="0" marL="0" rtl="0" algn="l">
+            <a:pPr marL="0" lvl="0" indent="0" algn="l" rtl="0">
               <a:spcBef>
                 <a:spcPts val="0"/>
               </a:spcBef>
@@ -6923,9 +6942,6 @@
               </a:spcAft>
               <a:buNone/>
             </a:pPr>
-            <a:r>
-              <a:t/>
-            </a:r>
             <a:endParaRPr/>
           </a:p>
         </p:txBody>
@@ -6952,12 +6968,12 @@
           </a:ln>
         </p:spPr>
         <p:txBody>
-          <a:bodyPr anchorCtr="0" anchor="ctr" bIns="91425" lIns="91425" spcFirstLastPara="1" rIns="91425" wrap="square" tIns="91425">
+          <a:bodyPr spcFirstLastPara="1" wrap="square" lIns="91425" tIns="91425" rIns="91425" bIns="91425" anchor="ctr" anchorCtr="0">
             <a:noAutofit/>
           </a:bodyPr>
           <a:lstStyle/>
           <a:p>
-            <a:pPr indent="0" lvl="0" marL="0" rtl="0" algn="l">
+            <a:pPr marL="0" lvl="0" indent="0" algn="l" rtl="0">
               <a:spcBef>
                 <a:spcPts val="0"/>
               </a:spcBef>
@@ -6966,9 +6982,6 @@
               </a:spcAft>
               <a:buNone/>
             </a:pPr>
-            <a:r>
-              <a:t/>
-            </a:r>
             <a:endParaRPr/>
           </a:p>
         </p:txBody>
@@ -7000,7 +7013,7 @@
             </a:xfrm>
             <a:prstGeom prst="parallelogram">
               <a:avLst>
-                <a:gd fmla="val 153193" name="adj"/>
+                <a:gd name="adj" fmla="val 153193"/>
               </a:avLst>
             </a:prstGeom>
             <a:solidFill>
@@ -7011,12 +7024,12 @@
             </a:ln>
           </p:spPr>
           <p:txBody>
-            <a:bodyPr anchorCtr="0" anchor="ctr" bIns="91425" lIns="91425" spcFirstLastPara="1" rIns="91425" wrap="square" tIns="91425">
+            <a:bodyPr spcFirstLastPara="1" wrap="square" lIns="91425" tIns="91425" rIns="91425" bIns="91425" anchor="ctr" anchorCtr="0">
               <a:noAutofit/>
             </a:bodyPr>
             <a:lstStyle/>
             <a:p>
-              <a:pPr indent="0" lvl="0" marL="0" rtl="0" algn="l">
+              <a:pPr marL="0" lvl="0" indent="0" algn="l" rtl="0">
                 <a:spcBef>
                   <a:spcPts val="0"/>
                 </a:spcBef>
@@ -7025,9 +7038,6 @@
                 </a:spcAft>
                 <a:buNone/>
               </a:pPr>
-              <a:r>
-                <a:t/>
-              </a:r>
               <a:endParaRPr/>
             </a:p>
           </p:txBody>
@@ -7045,7 +7055,7 @@
             </a:xfrm>
             <a:prstGeom prst="parallelogram">
               <a:avLst>
-                <a:gd fmla="val 153193" name="adj"/>
+                <a:gd name="adj" fmla="val 153193"/>
               </a:avLst>
             </a:prstGeom>
             <a:solidFill>
@@ -7056,12 +7066,12 @@
             </a:ln>
           </p:spPr>
           <p:txBody>
-            <a:bodyPr anchorCtr="0" anchor="ctr" bIns="91425" lIns="91425" spcFirstLastPara="1" rIns="91425" wrap="square" tIns="91425">
+            <a:bodyPr spcFirstLastPara="1" wrap="square" lIns="91425" tIns="91425" rIns="91425" bIns="91425" anchor="ctr" anchorCtr="0">
               <a:noAutofit/>
             </a:bodyPr>
             <a:lstStyle/>
             <a:p>
-              <a:pPr indent="0" lvl="0" marL="0" rtl="0" algn="l">
+              <a:pPr marL="0" lvl="0" indent="0" algn="l" rtl="0">
                 <a:spcBef>
                   <a:spcPts val="0"/>
                 </a:spcBef>
@@ -7070,9 +7080,6 @@
                 </a:spcAft>
                 <a:buNone/>
               </a:pPr>
-              <a:r>
-                <a:t/>
-              </a:r>
               <a:endParaRPr/>
             </a:p>
           </p:txBody>
@@ -7090,7 +7097,7 @@
             </a:xfrm>
             <a:prstGeom prst="parallelogram">
               <a:avLst>
-                <a:gd fmla="val 153193" name="adj"/>
+                <a:gd name="adj" fmla="val 153193"/>
               </a:avLst>
             </a:prstGeom>
             <a:solidFill>
@@ -7101,12 +7108,12 @@
             </a:ln>
           </p:spPr>
           <p:txBody>
-            <a:bodyPr anchorCtr="0" anchor="ctr" bIns="91425" lIns="91425" spcFirstLastPara="1" rIns="91425" wrap="square" tIns="91425">
+            <a:bodyPr spcFirstLastPara="1" wrap="square" lIns="91425" tIns="91425" rIns="91425" bIns="91425" anchor="ctr" anchorCtr="0">
               <a:noAutofit/>
             </a:bodyPr>
             <a:lstStyle/>
             <a:p>
-              <a:pPr indent="0" lvl="0" marL="0" rtl="0" algn="l">
+              <a:pPr marL="0" lvl="0" indent="0" algn="l" rtl="0">
                 <a:spcBef>
                   <a:spcPts val="0"/>
                 </a:spcBef>
@@ -7115,9 +7122,6 @@
                 </a:spcAft>
                 <a:buNone/>
               </a:pPr>
-              <a:r>
-                <a:t/>
-              </a:r>
               <a:endParaRPr/>
             </a:p>
           </p:txBody>
@@ -7144,7 +7148,7 @@
             <a:noFill/>
           </a:ln>
           <a:effectLst>
-            <a:outerShdw blurRad="228600" sx="101000" rotWithShape="0" algn="ctr" sy="101000">
+            <a:outerShdw blurRad="228600" sx="101000" sy="101000" algn="ctr" rotWithShape="0">
               <a:srgbClr val="000000">
                 <a:alpha val="40000"/>
               </a:srgbClr>
@@ -7152,12 +7156,12 @@
           </a:effectLst>
         </p:spPr>
         <p:txBody>
-          <a:bodyPr anchorCtr="0" anchor="ctr" bIns="91425" lIns="91425" spcFirstLastPara="1" rIns="91425" wrap="square" tIns="91425">
+          <a:bodyPr spcFirstLastPara="1" wrap="square" lIns="91425" tIns="91425" rIns="91425" bIns="91425" anchor="ctr" anchorCtr="0">
             <a:noAutofit/>
           </a:bodyPr>
           <a:lstStyle/>
           <a:p>
-            <a:pPr indent="0" lvl="0" marL="0" rtl="0" algn="l">
+            <a:pPr marL="0" lvl="0" indent="0" algn="l" rtl="0">
               <a:spcBef>
                 <a:spcPts val="0"/>
               </a:spcBef>
@@ -7166,9 +7170,6 @@
               </a:spcAft>
               <a:buNone/>
             </a:pPr>
-            <a:r>
-              <a:t/>
-            </a:r>
             <a:endParaRPr/>
           </a:p>
         </p:txBody>
@@ -7200,7 +7201,7 @@
             </a:xfrm>
             <a:prstGeom prst="parallelogram">
               <a:avLst>
-                <a:gd fmla="val 158024" name="adj"/>
+                <a:gd name="adj" fmla="val 158024"/>
               </a:avLst>
             </a:prstGeom>
             <a:solidFill>
@@ -7211,12 +7212,12 @@
             </a:ln>
           </p:spPr>
           <p:txBody>
-            <a:bodyPr anchorCtr="0" anchor="ctr" bIns="91425" lIns="91425" spcFirstLastPara="1" rIns="91425" wrap="square" tIns="91425">
+            <a:bodyPr spcFirstLastPara="1" wrap="square" lIns="91425" tIns="91425" rIns="91425" bIns="91425" anchor="ctr" anchorCtr="0">
               <a:noAutofit/>
             </a:bodyPr>
             <a:lstStyle/>
             <a:p>
-              <a:pPr indent="0" lvl="0" marL="0" rtl="0" algn="l">
+              <a:pPr marL="0" lvl="0" indent="0" algn="l" rtl="0">
                 <a:spcBef>
                   <a:spcPts val="0"/>
                 </a:spcBef>
@@ -7225,9 +7226,6 @@
                 </a:spcAft>
                 <a:buNone/>
               </a:pPr>
-              <a:r>
-                <a:t/>
-              </a:r>
               <a:endParaRPr/>
             </a:p>
           </p:txBody>
@@ -7245,7 +7243,7 @@
             </a:xfrm>
             <a:prstGeom prst="parallelogram">
               <a:avLst>
-                <a:gd fmla="val 158024" name="adj"/>
+                <a:gd name="adj" fmla="val 158024"/>
               </a:avLst>
             </a:prstGeom>
             <a:solidFill>
@@ -7256,12 +7254,12 @@
             </a:ln>
           </p:spPr>
           <p:txBody>
-            <a:bodyPr anchorCtr="0" anchor="ctr" bIns="91425" lIns="91425" spcFirstLastPara="1" rIns="91425" wrap="square" tIns="91425">
+            <a:bodyPr spcFirstLastPara="1" wrap="square" lIns="91425" tIns="91425" rIns="91425" bIns="91425" anchor="ctr" anchorCtr="0">
               <a:noAutofit/>
             </a:bodyPr>
             <a:lstStyle/>
             <a:p>
-              <a:pPr indent="0" lvl="0" marL="0" rtl="0" algn="l">
+              <a:pPr marL="0" lvl="0" indent="0" algn="l" rtl="0">
                 <a:spcBef>
                   <a:spcPts val="0"/>
                 </a:spcBef>
@@ -7270,9 +7268,6 @@
                 </a:spcAft>
                 <a:buNone/>
               </a:pPr>
-              <a:r>
-                <a:t/>
-              </a:r>
               <a:endParaRPr/>
             </a:p>
           </p:txBody>
@@ -7290,7 +7285,7 @@
             </a:xfrm>
             <a:prstGeom prst="parallelogram">
               <a:avLst>
-                <a:gd fmla="val 158024" name="adj"/>
+                <a:gd name="adj" fmla="val 158024"/>
               </a:avLst>
             </a:prstGeom>
             <a:solidFill>
@@ -7301,12 +7296,12 @@
             </a:ln>
           </p:spPr>
           <p:txBody>
-            <a:bodyPr anchorCtr="0" anchor="ctr" bIns="91425" lIns="91425" spcFirstLastPara="1" rIns="91425" wrap="square" tIns="91425">
+            <a:bodyPr spcFirstLastPara="1" wrap="square" lIns="91425" tIns="91425" rIns="91425" bIns="91425" anchor="ctr" anchorCtr="0">
               <a:noAutofit/>
             </a:bodyPr>
             <a:lstStyle/>
             <a:p>
-              <a:pPr indent="0" lvl="0" marL="0" rtl="0" algn="l">
+              <a:pPr marL="0" lvl="0" indent="0" algn="l" rtl="0">
                 <a:spcBef>
                   <a:spcPts val="0"/>
                 </a:spcBef>
@@ -7315,9 +7310,6 @@
                 </a:spcAft>
                 <a:buNone/>
               </a:pPr>
-              <a:r>
-                <a:t/>
-              </a:r>
               <a:endParaRPr/>
             </a:p>
           </p:txBody>
@@ -7350,7 +7342,7 @@
             </a:xfrm>
             <a:prstGeom prst="parallelogram">
               <a:avLst>
-                <a:gd fmla="val 158024" name="adj"/>
+                <a:gd name="adj" fmla="val 158024"/>
               </a:avLst>
             </a:prstGeom>
             <a:solidFill>
@@ -7361,12 +7353,12 @@
             </a:ln>
           </p:spPr>
           <p:txBody>
-            <a:bodyPr anchorCtr="0" anchor="ctr" bIns="91425" lIns="91425" spcFirstLastPara="1" rIns="91425" wrap="square" tIns="91425">
+            <a:bodyPr spcFirstLastPara="1" wrap="square" lIns="91425" tIns="91425" rIns="91425" bIns="91425" anchor="ctr" anchorCtr="0">
               <a:noAutofit/>
             </a:bodyPr>
             <a:lstStyle/>
             <a:p>
-              <a:pPr indent="0" lvl="0" marL="0" rtl="0" algn="l">
+              <a:pPr marL="0" lvl="0" indent="0" algn="l" rtl="0">
                 <a:spcBef>
                   <a:spcPts val="0"/>
                 </a:spcBef>
@@ -7375,9 +7367,6 @@
                 </a:spcAft>
                 <a:buNone/>
               </a:pPr>
-              <a:r>
-                <a:t/>
-              </a:r>
               <a:endParaRPr/>
             </a:p>
           </p:txBody>
@@ -7395,7 +7384,7 @@
             </a:xfrm>
             <a:prstGeom prst="parallelogram">
               <a:avLst>
-                <a:gd fmla="val 158024" name="adj"/>
+                <a:gd name="adj" fmla="val 158024"/>
               </a:avLst>
             </a:prstGeom>
             <a:solidFill>
@@ -7406,12 +7395,12 @@
             </a:ln>
           </p:spPr>
           <p:txBody>
-            <a:bodyPr anchorCtr="0" anchor="ctr" bIns="91425" lIns="91425" spcFirstLastPara="1" rIns="91425" wrap="square" tIns="91425">
+            <a:bodyPr spcFirstLastPara="1" wrap="square" lIns="91425" tIns="91425" rIns="91425" bIns="91425" anchor="ctr" anchorCtr="0">
               <a:noAutofit/>
             </a:bodyPr>
             <a:lstStyle/>
             <a:p>
-              <a:pPr indent="0" lvl="0" marL="0" rtl="0" algn="l">
+              <a:pPr marL="0" lvl="0" indent="0" algn="l" rtl="0">
                 <a:spcBef>
                   <a:spcPts val="0"/>
                 </a:spcBef>
@@ -7420,9 +7409,6 @@
                 </a:spcAft>
                 <a:buNone/>
               </a:pPr>
-              <a:r>
-                <a:t/>
-              </a:r>
               <a:endParaRPr/>
             </a:p>
           </p:txBody>
@@ -7440,7 +7426,7 @@
             </a:xfrm>
             <a:prstGeom prst="parallelogram">
               <a:avLst>
-                <a:gd fmla="val 158024" name="adj"/>
+                <a:gd name="adj" fmla="val 158024"/>
               </a:avLst>
             </a:prstGeom>
             <a:solidFill>
@@ -7451,12 +7437,12 @@
             </a:ln>
           </p:spPr>
           <p:txBody>
-            <a:bodyPr anchorCtr="0" anchor="ctr" bIns="91425" lIns="91425" spcFirstLastPara="1" rIns="91425" wrap="square" tIns="91425">
+            <a:bodyPr spcFirstLastPara="1" wrap="square" lIns="91425" tIns="91425" rIns="91425" bIns="91425" anchor="ctr" anchorCtr="0">
               <a:noAutofit/>
             </a:bodyPr>
             <a:lstStyle/>
             <a:p>
-              <a:pPr indent="0" lvl="0" marL="0" rtl="0" algn="l">
+              <a:pPr marL="0" lvl="0" indent="0" algn="l" rtl="0">
                 <a:spcBef>
                   <a:spcPts val="0"/>
                 </a:spcBef>
@@ -7465,9 +7451,6 @@
                 </a:spcAft>
                 <a:buNone/>
               </a:pPr>
-              <a:r>
-                <a:t/>
-              </a:r>
               <a:endParaRPr/>
             </a:p>
           </p:txBody>
@@ -7476,7 +7459,9 @@
       <p:sp>
         <p:nvSpPr>
           <p:cNvPr id="93" name="Google Shape;93;p8"/>
-          <p:cNvSpPr txBox="1"/>
+          <p:cNvSpPr txBox="1">
+            <a:spLocks noGrp="1"/>
+          </p:cNvSpPr>
           <p:nvPr>
             <p:ph type="title"/>
           </p:nvPr>
@@ -7491,7 +7476,7 @@
           </a:prstGeom>
         </p:spPr>
         <p:txBody>
-          <a:bodyPr anchorCtr="0" anchor="ctr" bIns="91425" lIns="91425" spcFirstLastPara="1" rIns="91425" wrap="square" tIns="91425">
+          <a:bodyPr spcFirstLastPara="1" wrap="square" lIns="91425" tIns="91425" rIns="91425" bIns="91425" anchor="ctr" anchorCtr="0">
             <a:normAutofit/>
           </a:bodyPr>
           <a:lstStyle>
@@ -7595,15 +7580,19 @@
               <a:defRPr sz="3200"/>
             </a:lvl9pPr>
           </a:lstStyle>
-          <a:p/>
+          <a:p>
+            <a:endParaRPr/>
+          </a:p>
         </p:txBody>
       </p:sp>
       <p:sp>
         <p:nvSpPr>
           <p:cNvPr id="94" name="Google Shape;94;p8"/>
-          <p:cNvSpPr txBox="1"/>
+          <p:cNvSpPr txBox="1">
+            <a:spLocks noGrp="1"/>
+          </p:cNvSpPr>
           <p:nvPr>
-            <p:ph idx="12" type="sldNum"/>
+            <p:ph type="sldNum" idx="12"/>
           </p:nvPr>
         </p:nvSpPr>
         <p:spPr>
@@ -7616,7 +7605,7 @@
           </a:prstGeom>
         </p:spPr>
         <p:txBody>
-          <a:bodyPr anchorCtr="0" anchor="ctr" bIns="91425" lIns="91425" spcFirstLastPara="1" rIns="91425" wrap="square" tIns="91425">
+          <a:bodyPr spcFirstLastPara="1" wrap="square" lIns="91425" tIns="91425" rIns="91425" bIns="91425" anchor="ctr" anchorCtr="0">
             <a:normAutofit/>
           </a:bodyPr>
           <a:lstStyle>
@@ -7658,7 +7647,7 @@
             </a:lvl9pPr>
           </a:lstStyle>
           <a:p>
-            <a:pPr indent="0" lvl="0" marL="0" rtl="0" algn="r">
+            <a:pPr marL="0" lvl="0" indent="0" algn="r" rtl="0">
               <a:spcBef>
                 <a:spcPts val="0"/>
               </a:spcBef>
@@ -7684,18 +7673,19 @@
 </file>
 
 <file path=ppt/slideLayouts/slideLayout8.xml><?xml version="1.0" encoding="utf-8"?>
-<p:sldLayout xmlns:a="http://schemas.openxmlformats.org/drawingml/2006/main" xmlns:r="http://schemas.openxmlformats.org/officeDocument/2006/relationships" xmlns:mc="http://schemas.openxmlformats.org/markup-compatibility/2006" xmlns:mv="urn:schemas-microsoft-com:mac:vml" xmlns:p="http://schemas.openxmlformats.org/presentationml/2006/main" xmlns:c="http://schemas.openxmlformats.org/drawingml/2006/chart" xmlns:dgm="http://schemas.openxmlformats.org/drawingml/2006/diagram" xmlns:o="urn:schemas-microsoft-com:office:office" xmlns:v="urn:schemas-microsoft-com:vml" xmlns:pvml="urn:schemas-microsoft-com:office:powerpoint" xmlns:com="http://schemas.openxmlformats.org/drawingml/2006/compatibility" xmlns:p14="http://schemas.microsoft.com/office/powerpoint/2010/main" xmlns:p15="http://schemas.microsoft.com/office/powerpoint/2012/main" xmlns:ahyp="http://schemas.microsoft.com/office/drawing/2018/hyperlinkcolor" matchingName="Section title and description">
+<p:sldLayout xmlns:a="http://schemas.openxmlformats.org/drawingml/2006/main" xmlns:r="http://schemas.openxmlformats.org/officeDocument/2006/relationships" xmlns:p="http://schemas.openxmlformats.org/presentationml/2006/main" matchingName="Section title and description">
   <p:cSld name="SECTION_TITLE_AND_DESCRIPTION">
     <p:bg>
       <p:bgPr>
         <a:solidFill>
           <a:schemeClr val="dk2"/>
         </a:solidFill>
+        <a:effectLst/>
       </p:bgPr>
     </p:bg>
     <p:spTree>
       <p:nvGrpSpPr>
-        <p:cNvPr id="95" name="Shape 95"/>
+        <p:cNvPr id="1" name="Shape 95"/>
         <p:cNvGrpSpPr/>
         <p:nvPr/>
       </p:nvGrpSpPr>
@@ -7729,12 +7719,12 @@
           </a:ln>
         </p:spPr>
         <p:txBody>
-          <a:bodyPr anchorCtr="0" anchor="ctr" bIns="91425" lIns="91425" spcFirstLastPara="1" rIns="91425" wrap="square" tIns="91425">
+          <a:bodyPr spcFirstLastPara="1" wrap="square" lIns="91425" tIns="91425" rIns="91425" bIns="91425" anchor="ctr" anchorCtr="0">
             <a:noAutofit/>
           </a:bodyPr>
           <a:lstStyle/>
           <a:p>
-            <a:pPr indent="0" lvl="0" marL="0" rtl="0" algn="l">
+            <a:pPr marL="0" lvl="0" indent="0" algn="l" rtl="0">
               <a:spcBef>
                 <a:spcPts val="0"/>
               </a:spcBef>
@@ -7743,9 +7733,6 @@
               </a:spcAft>
               <a:buNone/>
             </a:pPr>
-            <a:r>
-              <a:t/>
-            </a:r>
             <a:endParaRPr/>
           </a:p>
         </p:txBody>
@@ -7772,12 +7759,12 @@
           </a:ln>
         </p:spPr>
         <p:txBody>
-          <a:bodyPr anchorCtr="0" anchor="ctr" bIns="91425" lIns="91425" spcFirstLastPara="1" rIns="91425" wrap="square" tIns="91425">
+          <a:bodyPr spcFirstLastPara="1" wrap="square" lIns="91425" tIns="91425" rIns="91425" bIns="91425" anchor="ctr" anchorCtr="0">
             <a:noAutofit/>
           </a:bodyPr>
           <a:lstStyle/>
           <a:p>
-            <a:pPr indent="0" lvl="0" marL="0" rtl="0" algn="l">
+            <a:pPr marL="0" lvl="0" indent="0" algn="l" rtl="0">
               <a:spcBef>
                 <a:spcPts val="0"/>
               </a:spcBef>
@@ -7786,9 +7773,6 @@
               </a:spcAft>
               <a:buNone/>
             </a:pPr>
-            <a:r>
-              <a:t/>
-            </a:r>
             <a:endParaRPr/>
           </a:p>
         </p:txBody>
@@ -7814,7 +7798,7 @@
             <a:noFill/>
           </a:ln>
           <a:effectLst>
-            <a:outerShdw blurRad="228600" sx="101000" rotWithShape="0" algn="ctr" sy="101000">
+            <a:outerShdw blurRad="228600" sx="101000" sy="101000" algn="ctr" rotWithShape="0">
               <a:srgbClr val="000000">
                 <a:alpha val="40000"/>
               </a:srgbClr>
@@ -7822,12 +7806,12 @@
           </a:effectLst>
         </p:spPr>
         <p:txBody>
-          <a:bodyPr anchorCtr="0" anchor="ctr" bIns="91425" lIns="91425" spcFirstLastPara="1" rIns="91425" wrap="square" tIns="91425">
+          <a:bodyPr spcFirstLastPara="1" wrap="square" lIns="91425" tIns="91425" rIns="91425" bIns="91425" anchor="ctr" anchorCtr="0">
             <a:noAutofit/>
           </a:bodyPr>
           <a:lstStyle/>
           <a:p>
-            <a:pPr indent="0" lvl="0" marL="0" rtl="0" algn="l">
+            <a:pPr marL="0" lvl="0" indent="0" algn="l" rtl="0">
               <a:spcBef>
                 <a:spcPts val="0"/>
               </a:spcBef>
@@ -7836,9 +7820,6 @@
               </a:spcAft>
               <a:buNone/>
             </a:pPr>
-            <a:r>
-              <a:t/>
-            </a:r>
             <a:endParaRPr/>
           </a:p>
         </p:txBody>
@@ -7846,7 +7827,9 @@
       <p:sp>
         <p:nvSpPr>
           <p:cNvPr id="99" name="Google Shape;99;p9"/>
-          <p:cNvSpPr txBox="1"/>
+          <p:cNvSpPr txBox="1">
+            <a:spLocks noGrp="1"/>
+          </p:cNvSpPr>
           <p:nvPr>
             <p:ph type="title"/>
           </p:nvPr>
@@ -7861,7 +7844,7 @@
           </a:prstGeom>
         </p:spPr>
         <p:txBody>
-          <a:bodyPr anchorCtr="0" anchor="t" bIns="91425" lIns="91425" spcFirstLastPara="1" rIns="91425" wrap="square" tIns="91425">
+          <a:bodyPr spcFirstLastPara="1" wrap="square" lIns="91425" tIns="91425" rIns="91425" bIns="91425" anchor="t" anchorCtr="0">
             <a:normAutofit/>
           </a:bodyPr>
           <a:lstStyle>
@@ -7965,15 +7948,19 @@
               <a:defRPr sz="3000"/>
             </a:lvl9pPr>
           </a:lstStyle>
-          <a:p/>
+          <a:p>
+            <a:endParaRPr/>
+          </a:p>
         </p:txBody>
       </p:sp>
       <p:sp>
         <p:nvSpPr>
           <p:cNvPr id="100" name="Google Shape;100;p9"/>
-          <p:cNvSpPr txBox="1"/>
+          <p:cNvSpPr txBox="1">
+            <a:spLocks noGrp="1"/>
+          </p:cNvSpPr>
           <p:nvPr>
-            <p:ph idx="1" type="subTitle"/>
+            <p:ph type="subTitle" idx="1"/>
           </p:nvPr>
         </p:nvSpPr>
         <p:spPr>
@@ -7986,7 +7973,7 @@
           </a:prstGeom>
         </p:spPr>
         <p:txBody>
-          <a:bodyPr anchorCtr="0" anchor="t" bIns="91425" lIns="91425" spcFirstLastPara="1" rIns="91425" wrap="square" tIns="91425">
+          <a:bodyPr spcFirstLastPara="1" wrap="square" lIns="91425" tIns="91425" rIns="91425" bIns="91425" anchor="t" anchorCtr="0">
             <a:normAutofit/>
           </a:bodyPr>
           <a:lstStyle>
@@ -8180,15 +8167,19 @@
               </a:defRPr>
             </a:lvl9pPr>
           </a:lstStyle>
-          <a:p/>
+          <a:p>
+            <a:endParaRPr/>
+          </a:p>
         </p:txBody>
       </p:sp>
       <p:sp>
         <p:nvSpPr>
           <p:cNvPr id="101" name="Google Shape;101;p9"/>
-          <p:cNvSpPr txBox="1"/>
+          <p:cNvSpPr txBox="1">
+            <a:spLocks noGrp="1"/>
+          </p:cNvSpPr>
           <p:nvPr>
-            <p:ph idx="2" type="body"/>
+            <p:ph type="body" idx="2"/>
           </p:nvPr>
         </p:nvSpPr>
         <p:spPr>
@@ -8201,11 +8192,11 @@
           </a:prstGeom>
         </p:spPr>
         <p:txBody>
-          <a:bodyPr anchorCtr="0" anchor="t" bIns="91425" lIns="91425" spcFirstLastPara="1" rIns="91425" wrap="square" tIns="91425">
+          <a:bodyPr spcFirstLastPara="1" wrap="square" lIns="91425" tIns="91425" rIns="91425" bIns="91425" anchor="t" anchorCtr="0">
             <a:normAutofit/>
           </a:bodyPr>
           <a:lstStyle>
-            <a:lvl1pPr indent="-311150" lvl="0" marL="457200">
+            <a:lvl1pPr marL="457200" lvl="0" indent="-311150">
               <a:spcBef>
                 <a:spcPts val="0"/>
               </a:spcBef>
@@ -8216,7 +8207,7 @@
               <a:buChar char="●"/>
               <a:defRPr/>
             </a:lvl1pPr>
-            <a:lvl2pPr indent="-298450" lvl="1" marL="914400">
+            <a:lvl2pPr marL="914400" lvl="1" indent="-298450">
               <a:spcBef>
                 <a:spcPts val="0"/>
               </a:spcBef>
@@ -8227,7 +8218,7 @@
               <a:buChar char="○"/>
               <a:defRPr/>
             </a:lvl2pPr>
-            <a:lvl3pPr indent="-298450" lvl="2" marL="1371600">
+            <a:lvl3pPr marL="1371600" lvl="2" indent="-298450">
               <a:spcBef>
                 <a:spcPts val="0"/>
               </a:spcBef>
@@ -8238,7 +8229,7 @@
               <a:buChar char="■"/>
               <a:defRPr/>
             </a:lvl3pPr>
-            <a:lvl4pPr indent="-298450" lvl="3" marL="1828800">
+            <a:lvl4pPr marL="1828800" lvl="3" indent="-298450">
               <a:spcBef>
                 <a:spcPts val="0"/>
               </a:spcBef>
@@ -8249,7 +8240,7 @@
               <a:buChar char="●"/>
               <a:defRPr/>
             </a:lvl4pPr>
-            <a:lvl5pPr indent="-298450" lvl="4" marL="2286000">
+            <a:lvl5pPr marL="2286000" lvl="4" indent="-298450">
               <a:spcBef>
                 <a:spcPts val="0"/>
               </a:spcBef>
@@ -8260,7 +8251,7 @@
               <a:buChar char="○"/>
               <a:defRPr/>
             </a:lvl5pPr>
-            <a:lvl6pPr indent="-298450" lvl="5" marL="2743200">
+            <a:lvl6pPr marL="2743200" lvl="5" indent="-298450">
               <a:spcBef>
                 <a:spcPts val="0"/>
               </a:spcBef>
@@ -8271,7 +8262,7 @@
               <a:buChar char="■"/>
               <a:defRPr/>
             </a:lvl6pPr>
-            <a:lvl7pPr indent="-298450" lvl="6" marL="3200400">
+            <a:lvl7pPr marL="3200400" lvl="6" indent="-298450">
               <a:spcBef>
                 <a:spcPts val="0"/>
               </a:spcBef>
@@ -8282,7 +8273,7 @@
               <a:buChar char="●"/>
               <a:defRPr/>
             </a:lvl7pPr>
-            <a:lvl8pPr indent="-298450" lvl="7" marL="3657600">
+            <a:lvl8pPr marL="3657600" lvl="7" indent="-298450">
               <a:spcBef>
                 <a:spcPts val="0"/>
               </a:spcBef>
@@ -8293,7 +8284,7 @@
               <a:buChar char="○"/>
               <a:defRPr/>
             </a:lvl8pPr>
-            <a:lvl9pPr indent="-298450" lvl="8" marL="4114800">
+            <a:lvl9pPr marL="4114800" lvl="8" indent="-298450">
               <a:spcBef>
                 <a:spcPts val="0"/>
               </a:spcBef>
@@ -8305,15 +8296,19 @@
               <a:defRPr/>
             </a:lvl9pPr>
           </a:lstStyle>
-          <a:p/>
+          <a:p>
+            <a:endParaRPr/>
+          </a:p>
         </p:txBody>
       </p:sp>
       <p:sp>
         <p:nvSpPr>
           <p:cNvPr id="102" name="Google Shape;102;p9"/>
-          <p:cNvSpPr txBox="1"/>
+          <p:cNvSpPr txBox="1">
+            <a:spLocks noGrp="1"/>
+          </p:cNvSpPr>
           <p:nvPr>
-            <p:ph idx="12" type="sldNum"/>
+            <p:ph type="sldNum" idx="12"/>
           </p:nvPr>
         </p:nvSpPr>
         <p:spPr>
@@ -8326,7 +8321,7 @@
           </a:prstGeom>
         </p:spPr>
         <p:txBody>
-          <a:bodyPr anchorCtr="0" anchor="ctr" bIns="91425" lIns="91425" spcFirstLastPara="1" rIns="91425" wrap="square" tIns="91425">
+          <a:bodyPr spcFirstLastPara="1" wrap="square" lIns="91425" tIns="91425" rIns="91425" bIns="91425" anchor="ctr" anchorCtr="0">
             <a:normAutofit/>
           </a:bodyPr>
           <a:lstStyle>
@@ -8368,7 +8363,7 @@
             </a:lvl9pPr>
           </a:lstStyle>
           <a:p>
-            <a:pPr indent="0" lvl="0" marL="0" rtl="0" algn="r">
+            <a:pPr marL="0" lvl="0" indent="0" algn="r" rtl="0">
               <a:spcBef>
                 <a:spcPts val="0"/>
               </a:spcBef>
@@ -8394,18 +8389,19 @@
 </file>
 
 <file path=ppt/slideLayouts/slideLayout9.xml><?xml version="1.0" encoding="utf-8"?>
-<p:sldLayout xmlns:a="http://schemas.openxmlformats.org/drawingml/2006/main" xmlns:r="http://schemas.openxmlformats.org/officeDocument/2006/relationships" xmlns:mc="http://schemas.openxmlformats.org/markup-compatibility/2006" xmlns:mv="urn:schemas-microsoft-com:mac:vml" xmlns:p="http://schemas.openxmlformats.org/presentationml/2006/main" xmlns:c="http://schemas.openxmlformats.org/drawingml/2006/chart" xmlns:dgm="http://schemas.openxmlformats.org/drawingml/2006/diagram" xmlns:o="urn:schemas-microsoft-com:office:office" xmlns:v="urn:schemas-microsoft-com:vml" xmlns:pvml="urn:schemas-microsoft-com:office:powerpoint" xmlns:com="http://schemas.openxmlformats.org/drawingml/2006/compatibility" xmlns:p14="http://schemas.microsoft.com/office/powerpoint/2010/main" xmlns:p15="http://schemas.microsoft.com/office/powerpoint/2012/main" xmlns:ahyp="http://schemas.microsoft.com/office/drawing/2018/hyperlinkcolor" matchingName="Caption">
+<p:sldLayout xmlns:a="http://schemas.openxmlformats.org/drawingml/2006/main" xmlns:r="http://schemas.openxmlformats.org/officeDocument/2006/relationships" xmlns:p="http://schemas.openxmlformats.org/presentationml/2006/main" matchingName="Caption">
   <p:cSld name="CAPTION_ONLY">
     <p:bg>
       <p:bgPr>
         <a:solidFill>
           <a:schemeClr val="accent1"/>
         </a:solidFill>
+        <a:effectLst/>
       </p:bgPr>
     </p:bg>
     <p:spTree>
       <p:nvGrpSpPr>
-        <p:cNvPr id="103" name="Shape 103"/>
+        <p:cNvPr id="1" name="Shape 103"/>
         <p:cNvGrpSpPr/>
         <p:nvPr/>
       </p:nvGrpSpPr>
@@ -8439,12 +8435,12 @@
           </a:ln>
         </p:spPr>
         <p:txBody>
-          <a:bodyPr anchorCtr="0" anchor="ctr" bIns="91425" lIns="91425" spcFirstLastPara="1" rIns="91425" wrap="square" tIns="91425">
+          <a:bodyPr spcFirstLastPara="1" wrap="square" lIns="91425" tIns="91425" rIns="91425" bIns="91425" anchor="ctr" anchorCtr="0">
             <a:noAutofit/>
           </a:bodyPr>
           <a:lstStyle/>
           <a:p>
-            <a:pPr indent="0" lvl="0" marL="0" rtl="0" algn="l">
+            <a:pPr marL="0" lvl="0" indent="0" algn="l" rtl="0">
               <a:spcBef>
                 <a:spcPts val="0"/>
               </a:spcBef>
@@ -8453,9 +8449,6 @@
               </a:spcAft>
               <a:buNone/>
             </a:pPr>
-            <a:r>
-              <a:t/>
-            </a:r>
             <a:endParaRPr/>
           </a:p>
         </p:txBody>
@@ -8482,12 +8475,12 @@
           </a:ln>
         </p:spPr>
         <p:txBody>
-          <a:bodyPr anchorCtr="0" anchor="ctr" bIns="91425" lIns="91425" spcFirstLastPara="1" rIns="91425" wrap="square" tIns="91425">
+          <a:bodyPr spcFirstLastPara="1" wrap="square" lIns="91425" tIns="91425" rIns="91425" bIns="91425" anchor="ctr" anchorCtr="0">
             <a:noAutofit/>
           </a:bodyPr>
           <a:lstStyle/>
           <a:p>
-            <a:pPr indent="0" lvl="0" marL="0" rtl="0" algn="l">
+            <a:pPr marL="0" lvl="0" indent="0" algn="l" rtl="0">
               <a:spcBef>
                 <a:spcPts val="0"/>
               </a:spcBef>
@@ -8496,9 +8489,6 @@
               </a:spcAft>
               <a:buNone/>
             </a:pPr>
-            <a:r>
-              <a:t/>
-            </a:r>
             <a:endParaRPr/>
           </a:p>
         </p:txBody>
@@ -8524,7 +8514,7 @@
             <a:noFill/>
           </a:ln>
           <a:effectLst>
-            <a:outerShdw blurRad="228600" sx="101000" rotWithShape="0" algn="ctr" sy="101000">
+            <a:outerShdw blurRad="228600" sx="101000" sy="101000" algn="ctr" rotWithShape="0">
               <a:srgbClr val="000000">
                 <a:alpha val="40000"/>
               </a:srgbClr>
@@ -8532,12 +8522,12 @@
           </a:effectLst>
         </p:spPr>
         <p:txBody>
-          <a:bodyPr anchorCtr="0" anchor="ctr" bIns="91425" lIns="91425" spcFirstLastPara="1" rIns="91425" wrap="square" tIns="91425">
+          <a:bodyPr spcFirstLastPara="1" wrap="square" lIns="91425" tIns="91425" rIns="91425" bIns="91425" anchor="ctr" anchorCtr="0">
             <a:noAutofit/>
           </a:bodyPr>
           <a:lstStyle/>
           <a:p>
-            <a:pPr indent="0" lvl="0" marL="0" rtl="0" algn="l">
+            <a:pPr marL="0" lvl="0" indent="0" algn="l" rtl="0">
               <a:spcBef>
                 <a:spcPts val="0"/>
               </a:spcBef>
@@ -8546,9 +8536,6 @@
               </a:spcAft>
               <a:buNone/>
             </a:pPr>
-            <a:r>
-              <a:t/>
-            </a:r>
             <a:endParaRPr/>
           </a:p>
         </p:txBody>
@@ -8556,9 +8543,11 @@
       <p:sp>
         <p:nvSpPr>
           <p:cNvPr id="107" name="Google Shape;107;p10"/>
-          <p:cNvSpPr txBox="1"/>
+          <p:cNvSpPr txBox="1">
+            <a:spLocks noGrp="1"/>
+          </p:cNvSpPr>
           <p:nvPr>
-            <p:ph idx="1" type="body"/>
+            <p:ph type="body" idx="1"/>
           </p:nvPr>
         </p:nvSpPr>
         <p:spPr>
@@ -8571,11 +8560,11 @@
           </a:prstGeom>
         </p:spPr>
         <p:txBody>
-          <a:bodyPr anchorCtr="0" anchor="b" bIns="91425" lIns="91425" spcFirstLastPara="1" rIns="91425" wrap="square" tIns="91425">
+          <a:bodyPr spcFirstLastPara="1" wrap="square" lIns="91425" tIns="91425" rIns="91425" bIns="91425" anchor="b" anchorCtr="0">
             <a:normAutofit/>
           </a:bodyPr>
           <a:lstStyle>
-            <a:lvl1pPr indent="-228600" lvl="0" marL="457200">
+            <a:lvl1pPr marL="457200" lvl="0" indent="-228600">
               <a:lnSpc>
                 <a:spcPct val="100000"/>
               </a:lnSpc>
@@ -8590,15 +8579,19 @@
               <a:defRPr/>
             </a:lvl1pPr>
           </a:lstStyle>
-          <a:p/>
+          <a:p>
+            <a:endParaRPr/>
+          </a:p>
         </p:txBody>
       </p:sp>
       <p:sp>
         <p:nvSpPr>
           <p:cNvPr id="108" name="Google Shape;108;p10"/>
-          <p:cNvSpPr txBox="1"/>
+          <p:cNvSpPr txBox="1">
+            <a:spLocks noGrp="1"/>
+          </p:cNvSpPr>
           <p:nvPr>
-            <p:ph idx="12" type="sldNum"/>
+            <p:ph type="sldNum" idx="12"/>
           </p:nvPr>
         </p:nvSpPr>
         <p:spPr>
@@ -8611,7 +8604,7 @@
           </a:prstGeom>
         </p:spPr>
         <p:txBody>
-          <a:bodyPr anchorCtr="0" anchor="ctr" bIns="91425" lIns="91425" spcFirstLastPara="1" rIns="91425" wrap="square" tIns="91425">
+          <a:bodyPr spcFirstLastPara="1" wrap="square" lIns="91425" tIns="91425" rIns="91425" bIns="91425" anchor="ctr" anchorCtr="0">
             <a:normAutofit/>
           </a:bodyPr>
           <a:lstStyle>
@@ -8653,7 +8646,7 @@
             </a:lvl9pPr>
           </a:lstStyle>
           <a:p>
-            <a:pPr indent="0" lvl="0" marL="0" rtl="0" algn="r">
+            <a:pPr marL="0" lvl="0" indent="0" algn="r" rtl="0">
               <a:spcBef>
                 <a:spcPts val="0"/>
               </a:spcBef>
@@ -8679,18 +8672,19 @@
 </file>
 
 <file path=ppt/slideMasters/slideMaster1.xml><?xml version="1.0" encoding="utf-8"?>
-<p:sldMaster xmlns:a="http://schemas.openxmlformats.org/drawingml/2006/main" xmlns:r="http://schemas.openxmlformats.org/officeDocument/2006/relationships" xmlns:mc="http://schemas.openxmlformats.org/markup-compatibility/2006" xmlns:mv="urn:schemas-microsoft-com:mac:vml" xmlns:p="http://schemas.openxmlformats.org/presentationml/2006/main" xmlns:c="http://schemas.openxmlformats.org/drawingml/2006/chart" xmlns:dgm="http://schemas.openxmlformats.org/drawingml/2006/diagram" xmlns:o="urn:schemas-microsoft-com:office:office" xmlns:v="urn:schemas-microsoft-com:vml" xmlns:pvml="urn:schemas-microsoft-com:office:powerpoint" xmlns:com="http://schemas.openxmlformats.org/drawingml/2006/compatibility" xmlns:p14="http://schemas.microsoft.com/office/powerpoint/2010/main" xmlns:p15="http://schemas.microsoft.com/office/powerpoint/2012/main" xmlns:ahyp="http://schemas.microsoft.com/office/drawing/2018/hyperlinkcolor">
+<p:sldMaster xmlns:a="http://schemas.openxmlformats.org/drawingml/2006/main" xmlns:r="http://schemas.openxmlformats.org/officeDocument/2006/relationships" xmlns:p="http://schemas.openxmlformats.org/presentationml/2006/main">
   <p:cSld name="shift">
     <p:bg>
       <p:bgPr>
         <a:solidFill>
           <a:schemeClr val="dk1"/>
         </a:solidFill>
+        <a:effectLst/>
       </p:bgPr>
     </p:bg>
     <p:spTree>
       <p:nvGrpSpPr>
-        <p:cNvPr id="5" name="Shape 5"/>
+        <p:cNvPr id="1" name="Shape 5"/>
         <p:cNvGrpSpPr/>
         <p:nvPr/>
       </p:nvGrpSpPr>
@@ -8705,7 +8699,9 @@
       <p:sp>
         <p:nvSpPr>
           <p:cNvPr id="6" name="Google Shape;6;p1"/>
-          <p:cNvSpPr txBox="1"/>
+          <p:cNvSpPr txBox="1">
+            <a:spLocks noGrp="1"/>
+          </p:cNvSpPr>
           <p:nvPr>
             <p:ph type="title"/>
           </p:nvPr>
@@ -8724,7 +8720,7 @@
           </a:ln>
         </p:spPr>
         <p:txBody>
-          <a:bodyPr anchorCtr="0" anchor="t" bIns="91425" lIns="91425" spcFirstLastPara="1" rIns="91425" wrap="square" tIns="91425">
+          <a:bodyPr spcFirstLastPara="1" wrap="square" lIns="91425" tIns="91425" rIns="91425" bIns="91425" anchor="t" anchorCtr="0">
             <a:normAutofit/>
           </a:bodyPr>
           <a:lstStyle>
@@ -8936,15 +8932,19 @@
               </a:defRPr>
             </a:lvl9pPr>
           </a:lstStyle>
-          <a:p/>
+          <a:p>
+            <a:endParaRPr/>
+          </a:p>
         </p:txBody>
       </p:sp>
       <p:sp>
         <p:nvSpPr>
           <p:cNvPr id="7" name="Google Shape;7;p1"/>
-          <p:cNvSpPr txBox="1"/>
+          <p:cNvSpPr txBox="1">
+            <a:spLocks noGrp="1"/>
+          </p:cNvSpPr>
           <p:nvPr>
-            <p:ph idx="1" type="body"/>
+            <p:ph type="body" idx="1"/>
           </p:nvPr>
         </p:nvSpPr>
         <p:spPr>
@@ -8961,11 +8961,11 @@
           </a:ln>
         </p:spPr>
         <p:txBody>
-          <a:bodyPr anchorCtr="0" anchor="t" bIns="91425" lIns="91425" spcFirstLastPara="1" rIns="91425" wrap="square" tIns="91425">
+          <a:bodyPr spcFirstLastPara="1" wrap="square" lIns="91425" tIns="91425" rIns="91425" bIns="91425" anchor="t" anchorCtr="0">
             <a:normAutofit/>
           </a:bodyPr>
           <a:lstStyle>
-            <a:lvl1pPr indent="-311150" lvl="0" marL="457200">
+            <a:lvl1pPr marL="457200" lvl="0" indent="-311150">
               <a:lnSpc>
                 <a:spcPct val="115000"/>
               </a:lnSpc>
@@ -8991,7 +8991,7 @@
                 <a:sym typeface="Calibri"/>
               </a:defRPr>
             </a:lvl1pPr>
-            <a:lvl2pPr indent="-298450" lvl="1" marL="914400">
+            <a:lvl2pPr marL="914400" lvl="1" indent="-298450">
               <a:lnSpc>
                 <a:spcPct val="115000"/>
               </a:lnSpc>
@@ -9017,7 +9017,7 @@
                 <a:sym typeface="Calibri"/>
               </a:defRPr>
             </a:lvl2pPr>
-            <a:lvl3pPr indent="-298450" lvl="2" marL="1371600">
+            <a:lvl3pPr marL="1371600" lvl="2" indent="-298450">
               <a:lnSpc>
                 <a:spcPct val="115000"/>
               </a:lnSpc>
@@ -9043,7 +9043,7 @@
                 <a:sym typeface="Calibri"/>
               </a:defRPr>
             </a:lvl3pPr>
-            <a:lvl4pPr indent="-298450" lvl="3" marL="1828800">
+            <a:lvl4pPr marL="1828800" lvl="3" indent="-298450">
               <a:lnSpc>
                 <a:spcPct val="115000"/>
               </a:lnSpc>
@@ -9069,7 +9069,7 @@
                 <a:sym typeface="Calibri"/>
               </a:defRPr>
             </a:lvl4pPr>
-            <a:lvl5pPr indent="-298450" lvl="4" marL="2286000">
+            <a:lvl5pPr marL="2286000" lvl="4" indent="-298450">
               <a:lnSpc>
                 <a:spcPct val="115000"/>
               </a:lnSpc>
@@ -9095,7 +9095,7 @@
                 <a:sym typeface="Calibri"/>
               </a:defRPr>
             </a:lvl5pPr>
-            <a:lvl6pPr indent="-298450" lvl="5" marL="2743200">
+            <a:lvl6pPr marL="2743200" lvl="5" indent="-298450">
               <a:lnSpc>
                 <a:spcPct val="115000"/>
               </a:lnSpc>
@@ -9121,7 +9121,7 @@
                 <a:sym typeface="Calibri"/>
               </a:defRPr>
             </a:lvl6pPr>
-            <a:lvl7pPr indent="-298450" lvl="6" marL="3200400">
+            <a:lvl7pPr marL="3200400" lvl="6" indent="-298450">
               <a:lnSpc>
                 <a:spcPct val="115000"/>
               </a:lnSpc>
@@ -9147,7 +9147,7 @@
                 <a:sym typeface="Calibri"/>
               </a:defRPr>
             </a:lvl7pPr>
-            <a:lvl8pPr indent="-298450" lvl="7" marL="3657600">
+            <a:lvl8pPr marL="3657600" lvl="7" indent="-298450">
               <a:lnSpc>
                 <a:spcPct val="115000"/>
               </a:lnSpc>
@@ -9173,7 +9173,7 @@
                 <a:sym typeface="Calibri"/>
               </a:defRPr>
             </a:lvl8pPr>
-            <a:lvl9pPr indent="-298450" lvl="8" marL="4114800">
+            <a:lvl9pPr marL="4114800" lvl="8" indent="-298450">
               <a:lnSpc>
                 <a:spcPct val="115000"/>
               </a:lnSpc>
@@ -9200,15 +9200,19 @@
               </a:defRPr>
             </a:lvl9pPr>
           </a:lstStyle>
-          <a:p/>
+          <a:p>
+            <a:endParaRPr/>
+          </a:p>
         </p:txBody>
       </p:sp>
       <p:sp>
         <p:nvSpPr>
           <p:cNvPr id="8" name="Google Shape;8;p1"/>
-          <p:cNvSpPr txBox="1"/>
+          <p:cNvSpPr txBox="1">
+            <a:spLocks noGrp="1"/>
+          </p:cNvSpPr>
           <p:nvPr>
-            <p:ph idx="12" type="sldNum"/>
+            <p:ph type="sldNum" idx="12"/>
           </p:nvPr>
         </p:nvSpPr>
         <p:spPr>
@@ -9225,7 +9229,7 @@
           </a:ln>
         </p:spPr>
         <p:txBody>
-          <a:bodyPr anchorCtr="0" anchor="ctr" bIns="91425" lIns="91425" spcFirstLastPara="1" rIns="91425" wrap="square" tIns="91425">
+          <a:bodyPr spcFirstLastPara="1" wrap="square" lIns="91425" tIns="91425" rIns="91425" bIns="91425" anchor="ctr" anchorCtr="0">
             <a:normAutofit/>
           </a:bodyPr>
           <a:lstStyle>
@@ -9339,7 +9343,7 @@
             </a:lvl9pPr>
           </a:lstStyle>
           <a:p>
-            <a:pPr indent="0" lvl="0" marL="0" rtl="0" algn="r">
+            <a:pPr marL="0" lvl="0" indent="0" algn="r" rtl="0">
               <a:spcBef>
                 <a:spcPts val="0"/>
               </a:spcBef>
@@ -9358,7 +9362,7 @@
       </p:sp>
     </p:spTree>
   </p:cSld>
-  <p:clrMap accent1="accent1" accent2="accent2" accent3="accent3" accent4="accent4" accent5="accent5" accent6="accent6" bg1="lt1" bg2="dk2" tx1="dk1" tx2="lt2" folHlink="folHlink" hlink="hlink"/>
+  <p:clrMap bg1="lt1" tx1="dk1" bg2="dk2" tx2="lt2" accent1="accent1" accent2="accent2" accent3="accent3" accent4="accent4" accent5="accent5" accent6="accent6" hlink="hlink" folHlink="folHlink"/>
   <p:sldLayoutIdLst>
     <p:sldLayoutId id="2147483648" r:id="rId1"/>
     <p:sldLayoutId id="2147483649" r:id="rId2"/>
@@ -9372,10 +9376,10 @@
     <p:sldLayoutId id="2147483657" r:id="rId10"/>
     <p:sldLayoutId id="2147483658" r:id="rId11"/>
   </p:sldLayoutIdLst>
-  <p:hf dt="0" ftr="0" hdr="0" sldNum="0"/>
+  <p:hf sldNum="0" hdr="0" ftr="0" dt="0"/>
   <p:txStyles>
     <p:titleStyle>
-      <a:defPPr lvl="0" marR="0" rtl="0" algn="l">
+      <a:defPPr marR="0" lvl="0" algn="l" rtl="0">
         <a:lnSpc>
           <a:spcPct val="100000"/>
         </a:lnSpc>
@@ -9386,7 +9390,7 @@
           <a:spcPts val="0"/>
         </a:spcAft>
       </a:defPPr>
-      <a:lvl1pPr lvl="0" marR="0" rtl="0" algn="l">
+      <a:lvl1pPr marR="0" lvl="0" algn="l" rtl="0">
         <a:lnSpc>
           <a:spcPct val="100000"/>
         </a:lnSpc>
@@ -9400,7 +9404,7 @@
           <a:srgbClr val="000000"/>
         </a:buClr>
         <a:buFont typeface="Arial"/>
-        <a:defRPr b="0" i="0" sz="1400" u="none" cap="none" strike="noStrike">
+        <a:defRPr sz="1400" b="0" i="0" u="none" strike="noStrike" cap="none">
           <a:solidFill>
             <a:srgbClr val="000000"/>
           </a:solidFill>
@@ -9410,7 +9414,7 @@
           <a:sym typeface="Arial"/>
         </a:defRPr>
       </a:lvl1pPr>
-      <a:lvl2pPr lvl="1" marR="0" rtl="0" algn="l">
+      <a:lvl2pPr marR="0" lvl="1" algn="l" rtl="0">
         <a:lnSpc>
           <a:spcPct val="100000"/>
         </a:lnSpc>
@@ -9424,7 +9428,7 @@
           <a:srgbClr val="000000"/>
         </a:buClr>
         <a:buFont typeface="Arial"/>
-        <a:defRPr b="0" i="0" sz="1400" u="none" cap="none" strike="noStrike">
+        <a:defRPr sz="1400" b="0" i="0" u="none" strike="noStrike" cap="none">
           <a:solidFill>
             <a:srgbClr val="000000"/>
           </a:solidFill>
@@ -9434,7 +9438,7 @@
           <a:sym typeface="Arial"/>
         </a:defRPr>
       </a:lvl2pPr>
-      <a:lvl3pPr lvl="2" marR="0" rtl="0" algn="l">
+      <a:lvl3pPr marR="0" lvl="2" algn="l" rtl="0">
         <a:lnSpc>
           <a:spcPct val="100000"/>
         </a:lnSpc>
@@ -9448,7 +9452,7 @@
           <a:srgbClr val="000000"/>
         </a:buClr>
         <a:buFont typeface="Arial"/>
-        <a:defRPr b="0" i="0" sz="1400" u="none" cap="none" strike="noStrike">
+        <a:defRPr sz="1400" b="0" i="0" u="none" strike="noStrike" cap="none">
           <a:solidFill>
             <a:srgbClr val="000000"/>
           </a:solidFill>
@@ -9458,7 +9462,7 @@
           <a:sym typeface="Arial"/>
         </a:defRPr>
       </a:lvl3pPr>
-      <a:lvl4pPr lvl="3" marR="0" rtl="0" algn="l">
+      <a:lvl4pPr marR="0" lvl="3" algn="l" rtl="0">
         <a:lnSpc>
           <a:spcPct val="100000"/>
         </a:lnSpc>
@@ -9472,7 +9476,7 @@
           <a:srgbClr val="000000"/>
         </a:buClr>
         <a:buFont typeface="Arial"/>
-        <a:defRPr b="0" i="0" sz="1400" u="none" cap="none" strike="noStrike">
+        <a:defRPr sz="1400" b="0" i="0" u="none" strike="noStrike" cap="none">
           <a:solidFill>
             <a:srgbClr val="000000"/>
           </a:solidFill>
@@ -9482,7 +9486,7 @@
           <a:sym typeface="Arial"/>
         </a:defRPr>
       </a:lvl4pPr>
-      <a:lvl5pPr lvl="4" marR="0" rtl="0" algn="l">
+      <a:lvl5pPr marR="0" lvl="4" algn="l" rtl="0">
         <a:lnSpc>
           <a:spcPct val="100000"/>
         </a:lnSpc>
@@ -9496,7 +9500,7 @@
           <a:srgbClr val="000000"/>
         </a:buClr>
         <a:buFont typeface="Arial"/>
-        <a:defRPr b="0" i="0" sz="1400" u="none" cap="none" strike="noStrike">
+        <a:defRPr sz="1400" b="0" i="0" u="none" strike="noStrike" cap="none">
           <a:solidFill>
             <a:srgbClr val="000000"/>
           </a:solidFill>
@@ -9506,7 +9510,7 @@
           <a:sym typeface="Arial"/>
         </a:defRPr>
       </a:lvl5pPr>
-      <a:lvl6pPr lvl="5" marR="0" rtl="0" algn="l">
+      <a:lvl6pPr marR="0" lvl="5" algn="l" rtl="0">
         <a:lnSpc>
           <a:spcPct val="100000"/>
         </a:lnSpc>
@@ -9520,7 +9524,7 @@
           <a:srgbClr val="000000"/>
         </a:buClr>
         <a:buFont typeface="Arial"/>
-        <a:defRPr b="0" i="0" sz="1400" u="none" cap="none" strike="noStrike">
+        <a:defRPr sz="1400" b="0" i="0" u="none" strike="noStrike" cap="none">
           <a:solidFill>
             <a:srgbClr val="000000"/>
           </a:solidFill>
@@ -9530,7 +9534,7 @@
           <a:sym typeface="Arial"/>
         </a:defRPr>
       </a:lvl6pPr>
-      <a:lvl7pPr lvl="6" marR="0" rtl="0" algn="l">
+      <a:lvl7pPr marR="0" lvl="6" algn="l" rtl="0">
         <a:lnSpc>
           <a:spcPct val="100000"/>
         </a:lnSpc>
@@ -9544,7 +9548,7 @@
           <a:srgbClr val="000000"/>
         </a:buClr>
         <a:buFont typeface="Arial"/>
-        <a:defRPr b="0" i="0" sz="1400" u="none" cap="none" strike="noStrike">
+        <a:defRPr sz="1400" b="0" i="0" u="none" strike="noStrike" cap="none">
           <a:solidFill>
             <a:srgbClr val="000000"/>
           </a:solidFill>
@@ -9554,7 +9558,7 @@
           <a:sym typeface="Arial"/>
         </a:defRPr>
       </a:lvl7pPr>
-      <a:lvl8pPr lvl="7" marR="0" rtl="0" algn="l">
+      <a:lvl8pPr marR="0" lvl="7" algn="l" rtl="0">
         <a:lnSpc>
           <a:spcPct val="100000"/>
         </a:lnSpc>
@@ -9568,7 +9572,7 @@
           <a:srgbClr val="000000"/>
         </a:buClr>
         <a:buFont typeface="Arial"/>
-        <a:defRPr b="0" i="0" sz="1400" u="none" cap="none" strike="noStrike">
+        <a:defRPr sz="1400" b="0" i="0" u="none" strike="noStrike" cap="none">
           <a:solidFill>
             <a:srgbClr val="000000"/>
           </a:solidFill>
@@ -9578,7 +9582,7 @@
           <a:sym typeface="Arial"/>
         </a:defRPr>
       </a:lvl8pPr>
-      <a:lvl9pPr lvl="8" marR="0" rtl="0" algn="l">
+      <a:lvl9pPr marR="0" lvl="8" algn="l" rtl="0">
         <a:lnSpc>
           <a:spcPct val="100000"/>
         </a:lnSpc>
@@ -9592,7 +9596,7 @@
           <a:srgbClr val="000000"/>
         </a:buClr>
         <a:buFont typeface="Arial"/>
-        <a:defRPr b="0" i="0" sz="1400" u="none" cap="none" strike="noStrike">
+        <a:defRPr sz="1400" b="0" i="0" u="none" strike="noStrike" cap="none">
           <a:solidFill>
             <a:srgbClr val="000000"/>
           </a:solidFill>
@@ -9604,7 +9608,7 @@
       </a:lvl9pPr>
     </p:titleStyle>
     <p:bodyStyle>
-      <a:defPPr lvl="0" marR="0" rtl="0" algn="l">
+      <a:defPPr marR="0" lvl="0" algn="l" rtl="0">
         <a:lnSpc>
           <a:spcPct val="100000"/>
         </a:lnSpc>
@@ -9615,7 +9619,7 @@
           <a:spcPts val="0"/>
         </a:spcAft>
       </a:defPPr>
-      <a:lvl1pPr lvl="0" marR="0" rtl="0" algn="l">
+      <a:lvl1pPr marR="0" lvl="0" algn="l" rtl="0">
         <a:lnSpc>
           <a:spcPct val="100000"/>
         </a:lnSpc>
@@ -9629,7 +9633,7 @@
           <a:srgbClr val="000000"/>
         </a:buClr>
         <a:buFont typeface="Arial"/>
-        <a:defRPr b="0" i="0" sz="1400" u="none" cap="none" strike="noStrike">
+        <a:defRPr sz="1400" b="0" i="0" u="none" strike="noStrike" cap="none">
           <a:solidFill>
             <a:srgbClr val="000000"/>
           </a:solidFill>
@@ -9639,7 +9643,7 @@
           <a:sym typeface="Arial"/>
         </a:defRPr>
       </a:lvl1pPr>
-      <a:lvl2pPr lvl="1" marR="0" rtl="0" algn="l">
+      <a:lvl2pPr marR="0" lvl="1" algn="l" rtl="0">
         <a:lnSpc>
           <a:spcPct val="100000"/>
         </a:lnSpc>
@@ -9653,7 +9657,7 @@
           <a:srgbClr val="000000"/>
         </a:buClr>
         <a:buFont typeface="Arial"/>
-        <a:defRPr b="0" i="0" sz="1400" u="none" cap="none" strike="noStrike">
+        <a:defRPr sz="1400" b="0" i="0" u="none" strike="noStrike" cap="none">
           <a:solidFill>
             <a:srgbClr val="000000"/>
           </a:solidFill>
@@ -9663,7 +9667,7 @@
           <a:sym typeface="Arial"/>
         </a:defRPr>
       </a:lvl2pPr>
-      <a:lvl3pPr lvl="2" marR="0" rtl="0" algn="l">
+      <a:lvl3pPr marR="0" lvl="2" algn="l" rtl="0">
         <a:lnSpc>
           <a:spcPct val="100000"/>
         </a:lnSpc>
@@ -9677,7 +9681,7 @@
           <a:srgbClr val="000000"/>
         </a:buClr>
         <a:buFont typeface="Arial"/>
-        <a:defRPr b="0" i="0" sz="1400" u="none" cap="none" strike="noStrike">
+        <a:defRPr sz="1400" b="0" i="0" u="none" strike="noStrike" cap="none">
           <a:solidFill>
             <a:srgbClr val="000000"/>
           </a:solidFill>
@@ -9687,7 +9691,7 @@
           <a:sym typeface="Arial"/>
         </a:defRPr>
       </a:lvl3pPr>
-      <a:lvl4pPr lvl="3" marR="0" rtl="0" algn="l">
+      <a:lvl4pPr marR="0" lvl="3" algn="l" rtl="0">
         <a:lnSpc>
           <a:spcPct val="100000"/>
         </a:lnSpc>
@@ -9701,7 +9705,7 @@
           <a:srgbClr val="000000"/>
         </a:buClr>
         <a:buFont typeface="Arial"/>
-        <a:defRPr b="0" i="0" sz="1400" u="none" cap="none" strike="noStrike">
+        <a:defRPr sz="1400" b="0" i="0" u="none" strike="noStrike" cap="none">
           <a:solidFill>
             <a:srgbClr val="000000"/>
           </a:solidFill>
@@ -9711,7 +9715,7 @@
           <a:sym typeface="Arial"/>
         </a:defRPr>
       </a:lvl4pPr>
-      <a:lvl5pPr lvl="4" marR="0" rtl="0" algn="l">
+      <a:lvl5pPr marR="0" lvl="4" algn="l" rtl="0">
         <a:lnSpc>
           <a:spcPct val="100000"/>
         </a:lnSpc>
@@ -9725,7 +9729,7 @@
           <a:srgbClr val="000000"/>
         </a:buClr>
         <a:buFont typeface="Arial"/>
-        <a:defRPr b="0" i="0" sz="1400" u="none" cap="none" strike="noStrike">
+        <a:defRPr sz="1400" b="0" i="0" u="none" strike="noStrike" cap="none">
           <a:solidFill>
             <a:srgbClr val="000000"/>
           </a:solidFill>
@@ -9735,7 +9739,7 @@
           <a:sym typeface="Arial"/>
         </a:defRPr>
       </a:lvl5pPr>
-      <a:lvl6pPr lvl="5" marR="0" rtl="0" algn="l">
+      <a:lvl6pPr marR="0" lvl="5" algn="l" rtl="0">
         <a:lnSpc>
           <a:spcPct val="100000"/>
         </a:lnSpc>
@@ -9749,7 +9753,7 @@
           <a:srgbClr val="000000"/>
         </a:buClr>
         <a:buFont typeface="Arial"/>
-        <a:defRPr b="0" i="0" sz="1400" u="none" cap="none" strike="noStrike">
+        <a:defRPr sz="1400" b="0" i="0" u="none" strike="noStrike" cap="none">
           <a:solidFill>
             <a:srgbClr val="000000"/>
           </a:solidFill>
@@ -9759,7 +9763,7 @@
           <a:sym typeface="Arial"/>
         </a:defRPr>
       </a:lvl6pPr>
-      <a:lvl7pPr lvl="6" marR="0" rtl="0" algn="l">
+      <a:lvl7pPr marR="0" lvl="6" algn="l" rtl="0">
         <a:lnSpc>
           <a:spcPct val="100000"/>
         </a:lnSpc>
@@ -9773,7 +9777,7 @@
           <a:srgbClr val="000000"/>
         </a:buClr>
         <a:buFont typeface="Arial"/>
-        <a:defRPr b="0" i="0" sz="1400" u="none" cap="none" strike="noStrike">
+        <a:defRPr sz="1400" b="0" i="0" u="none" strike="noStrike" cap="none">
           <a:solidFill>
             <a:srgbClr val="000000"/>
           </a:solidFill>
@@ -9783,7 +9787,7 @@
           <a:sym typeface="Arial"/>
         </a:defRPr>
       </a:lvl7pPr>
-      <a:lvl8pPr lvl="7" marR="0" rtl="0" algn="l">
+      <a:lvl8pPr marR="0" lvl="7" algn="l" rtl="0">
         <a:lnSpc>
           <a:spcPct val="100000"/>
         </a:lnSpc>
@@ -9797,7 +9801,7 @@
           <a:srgbClr val="000000"/>
         </a:buClr>
         <a:buFont typeface="Arial"/>
-        <a:defRPr b="0" i="0" sz="1400" u="none" cap="none" strike="noStrike">
+        <a:defRPr sz="1400" b="0" i="0" u="none" strike="noStrike" cap="none">
           <a:solidFill>
             <a:srgbClr val="000000"/>
           </a:solidFill>
@@ -9807,7 +9811,7 @@
           <a:sym typeface="Arial"/>
         </a:defRPr>
       </a:lvl8pPr>
-      <a:lvl9pPr lvl="8" marR="0" rtl="0" algn="l">
+      <a:lvl9pPr marR="0" lvl="8" algn="l" rtl="0">
         <a:lnSpc>
           <a:spcPct val="100000"/>
         </a:lnSpc>
@@ -9821,7 +9825,7 @@
           <a:srgbClr val="000000"/>
         </a:buClr>
         <a:buFont typeface="Arial"/>
-        <a:defRPr b="0" i="0" sz="1400" u="none" cap="none" strike="noStrike">
+        <a:defRPr sz="1400" b="0" i="0" u="none" strike="noStrike" cap="none">
           <a:solidFill>
             <a:srgbClr val="000000"/>
           </a:solidFill>
@@ -9833,7 +9837,7 @@
       </a:lvl9pPr>
     </p:bodyStyle>
     <p:otherStyle>
-      <a:defPPr lvl="0" marR="0" rtl="0" algn="l">
+      <a:defPPr marR="0" lvl="0" algn="l" rtl="0">
         <a:lnSpc>
           <a:spcPct val="100000"/>
         </a:lnSpc>
@@ -9844,7 +9848,7 @@
           <a:spcPts val="0"/>
         </a:spcAft>
       </a:defPPr>
-      <a:lvl1pPr lvl="0" marR="0" rtl="0" algn="l">
+      <a:lvl1pPr marR="0" lvl="0" algn="l" rtl="0">
         <a:lnSpc>
           <a:spcPct val="100000"/>
         </a:lnSpc>
@@ -9858,7 +9862,7 @@
           <a:srgbClr val="000000"/>
         </a:buClr>
         <a:buFont typeface="Arial"/>
-        <a:defRPr b="0" i="0" sz="1400" u="none" cap="none" strike="noStrike">
+        <a:defRPr sz="1400" b="0" i="0" u="none" strike="noStrike" cap="none">
           <a:solidFill>
             <a:srgbClr val="000000"/>
           </a:solidFill>
@@ -9868,7 +9872,7 @@
           <a:sym typeface="Arial"/>
         </a:defRPr>
       </a:lvl1pPr>
-      <a:lvl2pPr lvl="1" marR="0" rtl="0" algn="l">
+      <a:lvl2pPr marR="0" lvl="1" algn="l" rtl="0">
         <a:lnSpc>
           <a:spcPct val="100000"/>
         </a:lnSpc>
@@ -9882,7 +9886,7 @@
           <a:srgbClr val="000000"/>
         </a:buClr>
         <a:buFont typeface="Arial"/>
-        <a:defRPr b="0" i="0" sz="1400" u="none" cap="none" strike="noStrike">
+        <a:defRPr sz="1400" b="0" i="0" u="none" strike="noStrike" cap="none">
           <a:solidFill>
             <a:srgbClr val="000000"/>
           </a:solidFill>
@@ -9892,7 +9896,7 @@
           <a:sym typeface="Arial"/>
         </a:defRPr>
       </a:lvl2pPr>
-      <a:lvl3pPr lvl="2" marR="0" rtl="0" algn="l">
+      <a:lvl3pPr marR="0" lvl="2" algn="l" rtl="0">
         <a:lnSpc>
           <a:spcPct val="100000"/>
         </a:lnSpc>
@@ -9906,7 +9910,7 @@
           <a:srgbClr val="000000"/>
         </a:buClr>
         <a:buFont typeface="Arial"/>
-        <a:defRPr b="0" i="0" sz="1400" u="none" cap="none" strike="noStrike">
+        <a:defRPr sz="1400" b="0" i="0" u="none" strike="noStrike" cap="none">
           <a:solidFill>
             <a:srgbClr val="000000"/>
           </a:solidFill>
@@ -9916,7 +9920,7 @@
           <a:sym typeface="Arial"/>
         </a:defRPr>
       </a:lvl3pPr>
-      <a:lvl4pPr lvl="3" marR="0" rtl="0" algn="l">
+      <a:lvl4pPr marR="0" lvl="3" algn="l" rtl="0">
         <a:lnSpc>
           <a:spcPct val="100000"/>
         </a:lnSpc>
@@ -9930,7 +9934,7 @@
           <a:srgbClr val="000000"/>
         </a:buClr>
         <a:buFont typeface="Arial"/>
-        <a:defRPr b="0" i="0" sz="1400" u="none" cap="none" strike="noStrike">
+        <a:defRPr sz="1400" b="0" i="0" u="none" strike="noStrike" cap="none">
           <a:solidFill>
             <a:srgbClr val="000000"/>
           </a:solidFill>
@@ -9940,7 +9944,7 @@
           <a:sym typeface="Arial"/>
         </a:defRPr>
       </a:lvl4pPr>
-      <a:lvl5pPr lvl="4" marR="0" rtl="0" algn="l">
+      <a:lvl5pPr marR="0" lvl="4" algn="l" rtl="0">
         <a:lnSpc>
           <a:spcPct val="100000"/>
         </a:lnSpc>
@@ -9954,7 +9958,7 @@
           <a:srgbClr val="000000"/>
         </a:buClr>
         <a:buFont typeface="Arial"/>
-        <a:defRPr b="0" i="0" sz="1400" u="none" cap="none" strike="noStrike">
+        <a:defRPr sz="1400" b="0" i="0" u="none" strike="noStrike" cap="none">
           <a:solidFill>
             <a:srgbClr val="000000"/>
           </a:solidFill>
@@ -9964,7 +9968,7 @@
           <a:sym typeface="Arial"/>
         </a:defRPr>
       </a:lvl5pPr>
-      <a:lvl6pPr lvl="5" marR="0" rtl="0" algn="l">
+      <a:lvl6pPr marR="0" lvl="5" algn="l" rtl="0">
         <a:lnSpc>
           <a:spcPct val="100000"/>
         </a:lnSpc>
@@ -9978,7 +9982,7 @@
           <a:srgbClr val="000000"/>
         </a:buClr>
         <a:buFont typeface="Arial"/>
-        <a:defRPr b="0" i="0" sz="1400" u="none" cap="none" strike="noStrike">
+        <a:defRPr sz="1400" b="0" i="0" u="none" strike="noStrike" cap="none">
           <a:solidFill>
             <a:srgbClr val="000000"/>
           </a:solidFill>
@@ -9988,7 +9992,7 @@
           <a:sym typeface="Arial"/>
         </a:defRPr>
       </a:lvl6pPr>
-      <a:lvl7pPr lvl="6" marR="0" rtl="0" algn="l">
+      <a:lvl7pPr marR="0" lvl="6" algn="l" rtl="0">
         <a:lnSpc>
           <a:spcPct val="100000"/>
         </a:lnSpc>
@@ -10002,7 +10006,7 @@
           <a:srgbClr val="000000"/>
         </a:buClr>
         <a:buFont typeface="Arial"/>
-        <a:defRPr b="0" i="0" sz="1400" u="none" cap="none" strike="noStrike">
+        <a:defRPr sz="1400" b="0" i="0" u="none" strike="noStrike" cap="none">
           <a:solidFill>
             <a:srgbClr val="000000"/>
           </a:solidFill>
@@ -10012,7 +10016,7 @@
           <a:sym typeface="Arial"/>
         </a:defRPr>
       </a:lvl7pPr>
-      <a:lvl8pPr lvl="7" marR="0" rtl="0" algn="l">
+      <a:lvl8pPr marR="0" lvl="7" algn="l" rtl="0">
         <a:lnSpc>
           <a:spcPct val="100000"/>
         </a:lnSpc>
@@ -10026,7 +10030,7 @@
           <a:srgbClr val="000000"/>
         </a:buClr>
         <a:buFont typeface="Arial"/>
-        <a:defRPr b="0" i="0" sz="1400" u="none" cap="none" strike="noStrike">
+        <a:defRPr sz="1400" b="0" i="0" u="none" strike="noStrike" cap="none">
           <a:solidFill>
             <a:srgbClr val="000000"/>
           </a:solidFill>
@@ -10036,7 +10040,7 @@
           <a:sym typeface="Arial"/>
         </a:defRPr>
       </a:lvl8pPr>
-      <a:lvl9pPr lvl="8" marR="0" rtl="0" algn="l">
+      <a:lvl9pPr marR="0" lvl="8" algn="l" rtl="0">
         <a:lnSpc>
           <a:spcPct val="100000"/>
         </a:lnSpc>
@@ -10050,7 +10054,7 @@
           <a:srgbClr val="000000"/>
         </a:buClr>
         <a:buFont typeface="Arial"/>
-        <a:defRPr b="0" i="0" sz="1400" u="none" cap="none" strike="noStrike">
+        <a:defRPr sz="1400" b="0" i="0" u="none" strike="noStrike" cap="none">
           <a:solidFill>
             <a:srgbClr val="000000"/>
           </a:solidFill>
@@ -10066,11 +10070,11 @@
 </file>
 
 <file path=ppt/slides/slide1.xml><?xml version="1.0" encoding="utf-8"?>
-<p:sld xmlns:a="http://schemas.openxmlformats.org/drawingml/2006/main" xmlns:r="http://schemas.openxmlformats.org/officeDocument/2006/relationships" xmlns:mc="http://schemas.openxmlformats.org/markup-compatibility/2006" xmlns:mv="urn:schemas-microsoft-com:mac:vml" xmlns:p="http://schemas.openxmlformats.org/presentationml/2006/main" xmlns:c="http://schemas.openxmlformats.org/drawingml/2006/chart" xmlns:dgm="http://schemas.openxmlformats.org/drawingml/2006/diagram" xmlns:o="urn:schemas-microsoft-com:office:office" xmlns:v="urn:schemas-microsoft-com:vml" xmlns:pvml="urn:schemas-microsoft-com:office:powerpoint" xmlns:com="http://schemas.openxmlformats.org/drawingml/2006/compatibility" xmlns:p14="http://schemas.microsoft.com/office/powerpoint/2010/main" xmlns:p15="http://schemas.microsoft.com/office/powerpoint/2012/main" xmlns:ahyp="http://schemas.microsoft.com/office/drawing/2018/hyperlinkcolor">
+<p:sld xmlns:a="http://schemas.openxmlformats.org/drawingml/2006/main" xmlns:r="http://schemas.openxmlformats.org/officeDocument/2006/relationships" xmlns:p="http://schemas.openxmlformats.org/presentationml/2006/main">
   <p:cSld>
     <p:spTree>
       <p:nvGrpSpPr>
-        <p:cNvPr id="127" name="Shape 127"/>
+        <p:cNvPr id="1" name="Shape 127"/>
         <p:cNvGrpSpPr/>
         <p:nvPr/>
       </p:nvGrpSpPr>
@@ -10085,7 +10089,9 @@
       <p:sp>
         <p:nvSpPr>
           <p:cNvPr id="128" name="Google Shape;128;p13"/>
-          <p:cNvSpPr txBox="1"/>
+          <p:cNvSpPr txBox="1">
+            <a:spLocks noGrp="1"/>
+          </p:cNvSpPr>
           <p:nvPr>
             <p:ph type="ctrTitle"/>
           </p:nvPr>
@@ -10100,12 +10106,12 @@
           </a:prstGeom>
         </p:spPr>
         <p:txBody>
-          <a:bodyPr anchorCtr="0" anchor="ctr" bIns="91425" lIns="91425" spcFirstLastPara="1" rIns="91425" wrap="square" tIns="91425">
+          <a:bodyPr spcFirstLastPara="1" wrap="square" lIns="91425" tIns="91425" rIns="91425" bIns="91425" anchor="ctr" anchorCtr="0">
             <a:normAutofit/>
           </a:bodyPr>
           <a:lstStyle/>
           <a:p>
-            <a:pPr indent="0" lvl="0" marL="0" rtl="0" algn="ctr">
+            <a:pPr marL="0" lvl="0" indent="0" algn="ctr" rtl="0">
               <a:spcBef>
                 <a:spcPts val="0"/>
               </a:spcBef>
@@ -10125,9 +10131,11 @@
       <p:sp>
         <p:nvSpPr>
           <p:cNvPr id="129" name="Google Shape;129;p13"/>
-          <p:cNvSpPr txBox="1"/>
+          <p:cNvSpPr txBox="1">
+            <a:spLocks noGrp="1"/>
+          </p:cNvSpPr>
           <p:nvPr>
-            <p:ph idx="1" type="subTitle"/>
+            <p:ph type="subTitle" idx="1"/>
           </p:nvPr>
         </p:nvSpPr>
         <p:spPr>
@@ -10140,12 +10148,12 @@
           </a:prstGeom>
         </p:spPr>
         <p:txBody>
-          <a:bodyPr anchorCtr="0" anchor="t" bIns="91425" lIns="91425" spcFirstLastPara="1" rIns="91425" wrap="square" tIns="91425">
+          <a:bodyPr spcFirstLastPara="1" wrap="square" lIns="91425" tIns="91425" rIns="91425" bIns="91425" anchor="t" anchorCtr="0">
             <a:normAutofit lnSpcReduction="10000"/>
           </a:bodyPr>
           <a:lstStyle/>
           <a:p>
-            <a:pPr indent="0" lvl="0" marL="0" rtl="0" algn="ctr">
+            <a:pPr marL="0" lvl="0" indent="0" algn="ctr" rtl="0">
               <a:spcBef>
                 <a:spcPts val="0"/>
               </a:spcBef>
@@ -10171,11 +10179,11 @@
 </file>
 
 <file path=ppt/slides/slide10.xml><?xml version="1.0" encoding="utf-8"?>
-<p:sld xmlns:a="http://schemas.openxmlformats.org/drawingml/2006/main" xmlns:r="http://schemas.openxmlformats.org/officeDocument/2006/relationships" xmlns:mc="http://schemas.openxmlformats.org/markup-compatibility/2006" xmlns:mv="urn:schemas-microsoft-com:mac:vml" xmlns:p="http://schemas.openxmlformats.org/presentationml/2006/main" xmlns:c="http://schemas.openxmlformats.org/drawingml/2006/chart" xmlns:dgm="http://schemas.openxmlformats.org/drawingml/2006/diagram" xmlns:o="urn:schemas-microsoft-com:office:office" xmlns:v="urn:schemas-microsoft-com:vml" xmlns:pvml="urn:schemas-microsoft-com:office:powerpoint" xmlns:com="http://schemas.openxmlformats.org/drawingml/2006/compatibility" xmlns:p14="http://schemas.microsoft.com/office/powerpoint/2010/main" xmlns:p15="http://schemas.microsoft.com/office/powerpoint/2012/main" xmlns:ahyp="http://schemas.microsoft.com/office/drawing/2018/hyperlinkcolor">
+<p:sld xmlns:a="http://schemas.openxmlformats.org/drawingml/2006/main" xmlns:r="http://schemas.openxmlformats.org/officeDocument/2006/relationships" xmlns:p="http://schemas.openxmlformats.org/presentationml/2006/main">
   <p:cSld>
     <p:spTree>
       <p:nvGrpSpPr>
-        <p:cNvPr id="192" name="Shape 192"/>
+        <p:cNvPr id="1" name="Shape 192"/>
         <p:cNvGrpSpPr/>
         <p:nvPr/>
       </p:nvGrpSpPr>
@@ -10190,7 +10198,9 @@
       <p:sp>
         <p:nvSpPr>
           <p:cNvPr id="193" name="Google Shape;193;p22"/>
-          <p:cNvSpPr txBox="1"/>
+          <p:cNvSpPr txBox="1">
+            <a:spLocks noGrp="1"/>
+          </p:cNvSpPr>
           <p:nvPr>
             <p:ph type="title"/>
           </p:nvPr>
@@ -10205,12 +10215,12 @@
           </a:prstGeom>
         </p:spPr>
         <p:txBody>
-          <a:bodyPr anchorCtr="0" anchor="t" bIns="91425" lIns="91425" spcFirstLastPara="1" rIns="91425" wrap="square" tIns="91425">
+          <a:bodyPr spcFirstLastPara="1" wrap="square" lIns="91425" tIns="91425" rIns="91425" bIns="91425" anchor="t" anchorCtr="0">
             <a:normAutofit/>
           </a:bodyPr>
           <a:lstStyle/>
           <a:p>
-            <a:pPr indent="0" lvl="0" marL="0" rtl="0" algn="l">
+            <a:pPr marL="0" lvl="0" indent="0" algn="l" rtl="0">
               <a:spcBef>
                 <a:spcPts val="0"/>
               </a:spcBef>
@@ -10219,9 +10229,6 @@
               </a:spcAft>
               <a:buNone/>
             </a:pPr>
-            <a:r>
-              <a:t/>
-            </a:r>
             <a:endParaRPr/>
           </a:p>
         </p:txBody>
@@ -10229,9 +10236,11 @@
       <p:sp>
         <p:nvSpPr>
           <p:cNvPr id="194" name="Google Shape;194;p22"/>
-          <p:cNvSpPr txBox="1"/>
+          <p:cNvSpPr txBox="1">
+            <a:spLocks noGrp="1"/>
+          </p:cNvSpPr>
           <p:nvPr>
-            <p:ph idx="1" type="body"/>
+            <p:ph type="body" idx="1"/>
           </p:nvPr>
         </p:nvSpPr>
         <p:spPr>
@@ -10244,12 +10253,12 @@
           </a:prstGeom>
         </p:spPr>
         <p:txBody>
-          <a:bodyPr anchorCtr="0" anchor="t" bIns="91425" lIns="91425" spcFirstLastPara="1" rIns="91425" wrap="square" tIns="91425">
+          <a:bodyPr spcFirstLastPara="1" wrap="square" lIns="91425" tIns="91425" rIns="91425" bIns="91425" anchor="t" anchorCtr="0">
             <a:normAutofit/>
           </a:bodyPr>
           <a:lstStyle/>
           <a:p>
-            <a:pPr indent="0" lvl="0" marL="0" rtl="0" algn="l">
+            <a:pPr marL="0" lvl="0" indent="0" algn="l" rtl="0">
               <a:spcBef>
                 <a:spcPts val="0"/>
               </a:spcBef>
@@ -10325,9 +10334,11 @@
       <p:sp>
         <p:nvSpPr>
           <p:cNvPr id="197" name="Google Shape;197;p22"/>
-          <p:cNvSpPr txBox="1"/>
+          <p:cNvSpPr txBox="1">
+            <a:spLocks noGrp="1"/>
+          </p:cNvSpPr>
           <p:nvPr>
-            <p:ph idx="1" type="body"/>
+            <p:ph type="body" idx="1"/>
           </p:nvPr>
         </p:nvSpPr>
         <p:spPr>
@@ -10340,12 +10351,12 @@
           </a:prstGeom>
         </p:spPr>
         <p:txBody>
-          <a:bodyPr anchorCtr="0" anchor="t" bIns="91425" lIns="91425" spcFirstLastPara="1" rIns="91425" wrap="square" tIns="91425">
+          <a:bodyPr spcFirstLastPara="1" wrap="square" lIns="91425" tIns="91425" rIns="91425" bIns="91425" anchor="t" anchorCtr="0">
             <a:normAutofit/>
           </a:bodyPr>
           <a:lstStyle/>
           <a:p>
-            <a:pPr indent="0" lvl="0" marL="0" rtl="0" algn="l">
+            <a:pPr marL="0" lvl="0" indent="0" algn="l" rtl="0">
               <a:spcBef>
                 <a:spcPts val="0"/>
               </a:spcBef>
@@ -10361,7 +10372,7 @@
             <a:endParaRPr/>
           </a:p>
           <a:p>
-            <a:pPr indent="0" lvl="0" marL="0" rtl="0" algn="l">
+            <a:pPr marL="0" lvl="0" indent="0" algn="l" rtl="0">
               <a:spcBef>
                 <a:spcPts val="1200"/>
               </a:spcBef>
@@ -10387,11 +10398,11 @@
 </file>
 
 <file path=ppt/slides/slide11.xml><?xml version="1.0" encoding="utf-8"?>
-<p:sld xmlns:a="http://schemas.openxmlformats.org/drawingml/2006/main" xmlns:r="http://schemas.openxmlformats.org/officeDocument/2006/relationships" xmlns:mc="http://schemas.openxmlformats.org/markup-compatibility/2006" xmlns:mv="urn:schemas-microsoft-com:mac:vml" xmlns:p="http://schemas.openxmlformats.org/presentationml/2006/main" xmlns:c="http://schemas.openxmlformats.org/drawingml/2006/chart" xmlns:dgm="http://schemas.openxmlformats.org/drawingml/2006/diagram" xmlns:o="urn:schemas-microsoft-com:office:office" xmlns:v="urn:schemas-microsoft-com:vml" xmlns:pvml="urn:schemas-microsoft-com:office:powerpoint" xmlns:com="http://schemas.openxmlformats.org/drawingml/2006/compatibility" xmlns:p14="http://schemas.microsoft.com/office/powerpoint/2010/main" xmlns:p15="http://schemas.microsoft.com/office/powerpoint/2012/main" xmlns:ahyp="http://schemas.microsoft.com/office/drawing/2018/hyperlinkcolor">
+<p:sld xmlns:a="http://schemas.openxmlformats.org/drawingml/2006/main" xmlns:r="http://schemas.openxmlformats.org/officeDocument/2006/relationships" xmlns:p="http://schemas.openxmlformats.org/presentationml/2006/main">
   <p:cSld>
     <p:spTree>
       <p:nvGrpSpPr>
-        <p:cNvPr id="201" name="Shape 201"/>
+        <p:cNvPr id="1" name="Shape 201"/>
         <p:cNvGrpSpPr/>
         <p:nvPr/>
       </p:nvGrpSpPr>
@@ -10406,7 +10417,9 @@
       <p:sp>
         <p:nvSpPr>
           <p:cNvPr id="202" name="Google Shape;202;p23"/>
-          <p:cNvSpPr txBox="1"/>
+          <p:cNvSpPr txBox="1">
+            <a:spLocks noGrp="1"/>
+          </p:cNvSpPr>
           <p:nvPr>
             <p:ph type="title"/>
           </p:nvPr>
@@ -10421,12 +10434,12 @@
           </a:prstGeom>
         </p:spPr>
         <p:txBody>
-          <a:bodyPr anchorCtr="0" anchor="t" bIns="91425" lIns="91425" spcFirstLastPara="1" rIns="91425" wrap="square" tIns="91425">
+          <a:bodyPr spcFirstLastPara="1" wrap="square" lIns="91425" tIns="91425" rIns="91425" bIns="91425" anchor="t" anchorCtr="0">
             <a:normAutofit/>
           </a:bodyPr>
           <a:lstStyle/>
           <a:p>
-            <a:pPr indent="0" lvl="0" marL="0" rtl="0" algn="l">
+            <a:pPr marL="0" lvl="0" indent="0" algn="l" rtl="0">
               <a:spcBef>
                 <a:spcPts val="0"/>
               </a:spcBef>
@@ -10446,9 +10459,11 @@
       <p:sp>
         <p:nvSpPr>
           <p:cNvPr id="203" name="Google Shape;203;p23"/>
-          <p:cNvSpPr txBox="1"/>
+          <p:cNvSpPr txBox="1">
+            <a:spLocks noGrp="1"/>
+          </p:cNvSpPr>
           <p:nvPr>
-            <p:ph idx="1" type="body"/>
+            <p:ph type="body" idx="1"/>
           </p:nvPr>
         </p:nvSpPr>
         <p:spPr>
@@ -10461,12 +10476,12 @@
           </a:prstGeom>
         </p:spPr>
         <p:txBody>
-          <a:bodyPr anchorCtr="0" anchor="t" bIns="91425" lIns="91425" spcFirstLastPara="1" rIns="91425" wrap="square" tIns="91425">
+          <a:bodyPr spcFirstLastPara="1" wrap="square" lIns="91425" tIns="91425" rIns="91425" bIns="91425" anchor="t" anchorCtr="0">
             <a:normAutofit/>
           </a:bodyPr>
           <a:lstStyle/>
           <a:p>
-            <a:pPr indent="0" lvl="0" marL="0" rtl="0" algn="l">
+            <a:pPr marL="0" lvl="0" indent="0" algn="l" rtl="0">
               <a:spcBef>
                 <a:spcPts val="0"/>
               </a:spcBef>
@@ -10482,7 +10497,7 @@
             <a:endParaRPr/>
           </a:p>
           <a:p>
-            <a:pPr indent="0" lvl="0" marL="0" rtl="0" algn="l">
+            <a:pPr marL="0" lvl="0" indent="0" algn="l" rtl="0">
               <a:spcBef>
                 <a:spcPts val="1200"/>
               </a:spcBef>
@@ -10498,7 +10513,7 @@
             <a:endParaRPr/>
           </a:p>
           <a:p>
-            <a:pPr indent="0" lvl="0" marL="0" rtl="0" algn="l">
+            <a:pPr marL="0" lvl="0" indent="0" algn="l" rtl="0">
               <a:spcBef>
                 <a:spcPts val="1200"/>
               </a:spcBef>
@@ -10514,7 +10529,7 @@
             <a:endParaRPr/>
           </a:p>
           <a:p>
-            <a:pPr indent="0" lvl="0" marL="0" rtl="0" algn="l">
+            <a:pPr marL="0" lvl="0" indent="0" algn="l" rtl="0">
               <a:spcBef>
                 <a:spcPts val="1200"/>
               </a:spcBef>
@@ -10530,7 +10545,7 @@
             <a:endParaRPr/>
           </a:p>
           <a:p>
-            <a:pPr indent="0" lvl="0" marL="0" rtl="0" algn="l">
+            <a:pPr marL="0" lvl="0" indent="0" algn="l" rtl="0">
               <a:spcBef>
                 <a:spcPts val="1200"/>
               </a:spcBef>
@@ -10556,11 +10571,11 @@
 </file>
 
 <file path=ppt/slides/slide12.xml><?xml version="1.0" encoding="utf-8"?>
-<p:sld xmlns:a="http://schemas.openxmlformats.org/drawingml/2006/main" xmlns:r="http://schemas.openxmlformats.org/officeDocument/2006/relationships" xmlns:mc="http://schemas.openxmlformats.org/markup-compatibility/2006" xmlns:mv="urn:schemas-microsoft-com:mac:vml" xmlns:p="http://schemas.openxmlformats.org/presentationml/2006/main" xmlns:c="http://schemas.openxmlformats.org/drawingml/2006/chart" xmlns:dgm="http://schemas.openxmlformats.org/drawingml/2006/diagram" xmlns:o="urn:schemas-microsoft-com:office:office" xmlns:v="urn:schemas-microsoft-com:vml" xmlns:pvml="urn:schemas-microsoft-com:office:powerpoint" xmlns:com="http://schemas.openxmlformats.org/drawingml/2006/compatibility" xmlns:p14="http://schemas.microsoft.com/office/powerpoint/2010/main" xmlns:p15="http://schemas.microsoft.com/office/powerpoint/2012/main" xmlns:ahyp="http://schemas.microsoft.com/office/drawing/2018/hyperlinkcolor">
+<p:sld xmlns:a="http://schemas.openxmlformats.org/drawingml/2006/main" xmlns:r="http://schemas.openxmlformats.org/officeDocument/2006/relationships" xmlns:p="http://schemas.openxmlformats.org/presentationml/2006/main">
   <p:cSld>
     <p:spTree>
       <p:nvGrpSpPr>
-        <p:cNvPr id="207" name="Shape 207"/>
+        <p:cNvPr id="1" name="Shape 207"/>
         <p:cNvGrpSpPr/>
         <p:nvPr/>
       </p:nvGrpSpPr>
@@ -10609,11 +10624,11 @@
 </file>
 
 <file path=ppt/slides/slide13.xml><?xml version="1.0" encoding="utf-8"?>
-<p:sld xmlns:a="http://schemas.openxmlformats.org/drawingml/2006/main" xmlns:r="http://schemas.openxmlformats.org/officeDocument/2006/relationships" xmlns:mc="http://schemas.openxmlformats.org/markup-compatibility/2006" xmlns:mv="urn:schemas-microsoft-com:mac:vml" xmlns:p="http://schemas.openxmlformats.org/presentationml/2006/main" xmlns:c="http://schemas.openxmlformats.org/drawingml/2006/chart" xmlns:dgm="http://schemas.openxmlformats.org/drawingml/2006/diagram" xmlns:o="urn:schemas-microsoft-com:office:office" xmlns:v="urn:schemas-microsoft-com:vml" xmlns:pvml="urn:schemas-microsoft-com:office:powerpoint" xmlns:com="http://schemas.openxmlformats.org/drawingml/2006/compatibility" xmlns:p14="http://schemas.microsoft.com/office/powerpoint/2010/main" xmlns:p15="http://schemas.microsoft.com/office/powerpoint/2012/main" xmlns:ahyp="http://schemas.microsoft.com/office/drawing/2018/hyperlinkcolor">
+<p:sld xmlns:a="http://schemas.openxmlformats.org/drawingml/2006/main" xmlns:r="http://schemas.openxmlformats.org/officeDocument/2006/relationships" xmlns:p="http://schemas.openxmlformats.org/presentationml/2006/main">
   <p:cSld>
     <p:spTree>
       <p:nvGrpSpPr>
-        <p:cNvPr id="212" name="Shape 212"/>
+        <p:cNvPr id="1" name="Shape 212"/>
         <p:cNvGrpSpPr/>
         <p:nvPr/>
       </p:nvGrpSpPr>
@@ -10628,7 +10643,9 @@
       <p:sp>
         <p:nvSpPr>
           <p:cNvPr id="213" name="Google Shape;213;p25"/>
-          <p:cNvSpPr txBox="1"/>
+          <p:cNvSpPr txBox="1">
+            <a:spLocks noGrp="1"/>
+          </p:cNvSpPr>
           <p:nvPr>
             <p:ph type="title"/>
           </p:nvPr>
@@ -10643,12 +10660,12 @@
           </a:prstGeom>
         </p:spPr>
         <p:txBody>
-          <a:bodyPr anchorCtr="0" anchor="t" bIns="91425" lIns="91425" spcFirstLastPara="1" rIns="91425" wrap="square" tIns="91425">
+          <a:bodyPr spcFirstLastPara="1" wrap="square" lIns="91425" tIns="91425" rIns="91425" bIns="91425" anchor="t" anchorCtr="0">
             <a:noAutofit/>
           </a:bodyPr>
           <a:lstStyle/>
           <a:p>
-            <a:pPr indent="0" lvl="0" marL="0" rtl="0" algn="l">
+            <a:pPr marL="0" lvl="0" indent="0" algn="l" rtl="0">
               <a:spcBef>
                 <a:spcPts val="0"/>
               </a:spcBef>
@@ -10659,11 +10676,7 @@
             </a:pPr>
             <a:r>
               <a:rPr lang="en" sz="3900"/>
-              <a:t>Thank</a:t>
-            </a:r>
-            <a:r>
-              <a:rPr lang="en" sz="3900"/>
-              <a:t> You!!</a:t>
+              <a:t>Thank You!!</a:t>
             </a:r>
             <a:endParaRPr sz="3900"/>
           </a:p>
@@ -10678,11 +10691,11 @@
 </file>
 
 <file path=ppt/slides/slide2.xml><?xml version="1.0" encoding="utf-8"?>
-<p:sld xmlns:a="http://schemas.openxmlformats.org/drawingml/2006/main" xmlns:r="http://schemas.openxmlformats.org/officeDocument/2006/relationships" xmlns:mc="http://schemas.openxmlformats.org/markup-compatibility/2006" xmlns:mv="urn:schemas-microsoft-com:mac:vml" xmlns:p="http://schemas.openxmlformats.org/presentationml/2006/main" xmlns:c="http://schemas.openxmlformats.org/drawingml/2006/chart" xmlns:dgm="http://schemas.openxmlformats.org/drawingml/2006/diagram" xmlns:o="urn:schemas-microsoft-com:office:office" xmlns:v="urn:schemas-microsoft-com:vml" xmlns:pvml="urn:schemas-microsoft-com:office:powerpoint" xmlns:com="http://schemas.openxmlformats.org/drawingml/2006/compatibility" xmlns:p14="http://schemas.microsoft.com/office/powerpoint/2010/main" xmlns:p15="http://schemas.microsoft.com/office/powerpoint/2012/main" xmlns:ahyp="http://schemas.microsoft.com/office/drawing/2018/hyperlinkcolor">
+<p:sld xmlns:a="http://schemas.openxmlformats.org/drawingml/2006/main" xmlns:r="http://schemas.openxmlformats.org/officeDocument/2006/relationships" xmlns:p="http://schemas.openxmlformats.org/presentationml/2006/main">
   <p:cSld>
     <p:spTree>
       <p:nvGrpSpPr>
-        <p:cNvPr id="133" name="Shape 133"/>
+        <p:cNvPr id="1" name="Shape 133"/>
         <p:cNvGrpSpPr/>
         <p:nvPr/>
       </p:nvGrpSpPr>
@@ -10697,7 +10710,9 @@
       <p:sp>
         <p:nvSpPr>
           <p:cNvPr id="134" name="Google Shape;134;p14"/>
-          <p:cNvSpPr txBox="1"/>
+          <p:cNvSpPr txBox="1">
+            <a:spLocks noGrp="1"/>
+          </p:cNvSpPr>
           <p:nvPr>
             <p:ph type="title"/>
           </p:nvPr>
@@ -10712,12 +10727,12 @@
           </a:prstGeom>
         </p:spPr>
         <p:txBody>
-          <a:bodyPr anchorCtr="0" anchor="t" bIns="91425" lIns="91425" spcFirstLastPara="1" rIns="91425" wrap="square" tIns="91425">
+          <a:bodyPr spcFirstLastPara="1" wrap="square" lIns="91425" tIns="91425" rIns="91425" bIns="91425" anchor="t" anchorCtr="0">
             <a:normAutofit/>
           </a:bodyPr>
           <a:lstStyle/>
           <a:p>
-            <a:pPr indent="0" lvl="0" marL="0" rtl="0" algn="l">
+            <a:pPr marL="0" lvl="0" indent="0" algn="l" rtl="0">
               <a:spcBef>
                 <a:spcPts val="0"/>
               </a:spcBef>
@@ -10737,9 +10752,11 @@
       <p:sp>
         <p:nvSpPr>
           <p:cNvPr id="135" name="Google Shape;135;p14"/>
-          <p:cNvSpPr txBox="1"/>
+          <p:cNvSpPr txBox="1">
+            <a:spLocks noGrp="1"/>
+          </p:cNvSpPr>
           <p:nvPr>
-            <p:ph idx="1" type="body"/>
+            <p:ph type="body" idx="1"/>
           </p:nvPr>
         </p:nvSpPr>
         <p:spPr>
@@ -10752,12 +10769,12 @@
           </a:prstGeom>
         </p:spPr>
         <p:txBody>
-          <a:bodyPr anchorCtr="0" anchor="t" bIns="91425" lIns="91425" spcFirstLastPara="1" rIns="91425" wrap="square" tIns="91425">
+          <a:bodyPr spcFirstLastPara="1" wrap="square" lIns="91425" tIns="91425" rIns="91425" bIns="91425" anchor="t" anchorCtr="0">
             <a:normAutofit/>
           </a:bodyPr>
           <a:lstStyle/>
           <a:p>
-            <a:pPr indent="0" lvl="0" marL="0" rtl="0" algn="l">
+            <a:pPr marL="0" lvl="0" indent="0" algn="l" rtl="0">
               <a:spcBef>
                 <a:spcPts val="0"/>
               </a:spcBef>
@@ -10768,28 +10785,12 @@
             </a:pPr>
             <a:r>
               <a:rPr lang="en"/>
-              <a:t>Learnt about the basics of a Zynq SoC, how PS and PL are </a:t>
-            </a:r>
-            <a:r>
-              <a:rPr lang="en"/>
-              <a:t>separated</a:t>
-            </a:r>
-            <a:r>
-              <a:rPr lang="en"/>
-              <a:t>, what </a:t>
-            </a:r>
-            <a:r>
-              <a:rPr lang="en"/>
-              <a:t>accelerators</a:t>
-            </a:r>
-            <a:r>
-              <a:rPr lang="en"/>
-              <a:t> are, Vivado HLS workflow.</a:t>
+              <a:t>Learnt about the basics of a Zynq SoC, how PS and PL are separated, what accelerators are, Vivado HLS workflow.</a:t>
             </a:r>
             <a:endParaRPr/>
           </a:p>
           <a:p>
-            <a:pPr indent="0" lvl="0" marL="0" rtl="0" algn="l">
+            <a:pPr marL="0" lvl="0" indent="0" algn="l" rtl="0">
               <a:spcBef>
                 <a:spcPts val="1200"/>
               </a:spcBef>
@@ -10800,16 +10801,12 @@
             </a:pPr>
             <a:r>
               <a:rPr lang="en"/>
-              <a:t>Also learnt the role of a DMA in converting MM to S and vice versa. </a:t>
-            </a:r>
-            <a:r>
-              <a:rPr lang="en"/>
-              <a:t>Learnt about AXI Interfaces, AXI Stream, Master-Slave, handshaking (TVALID, TREADY), UART, DDR.</a:t>
+              <a:t>Also learnt the role of a DMA in converting MM to S and vice versa. Learnt about AXI Interfaces, AXI Stream, Master-Slave, handshaking (TVALID, TREADY), UART, DDR.</a:t>
             </a:r>
             <a:endParaRPr/>
           </a:p>
           <a:p>
-            <a:pPr indent="0" lvl="0" marL="0" rtl="0" algn="l">
+            <a:pPr marL="0" lvl="0" indent="0" algn="l" rtl="0">
               <a:spcBef>
                 <a:spcPts val="1200"/>
               </a:spcBef>
@@ -10835,11 +10832,11 @@
 </file>
 
 <file path=ppt/slides/slide3.xml><?xml version="1.0" encoding="utf-8"?>
-<p:sld xmlns:a="http://schemas.openxmlformats.org/drawingml/2006/main" xmlns:r="http://schemas.openxmlformats.org/officeDocument/2006/relationships" xmlns:mc="http://schemas.openxmlformats.org/markup-compatibility/2006" xmlns:mv="urn:schemas-microsoft-com:mac:vml" xmlns:p="http://schemas.openxmlformats.org/presentationml/2006/main" xmlns:c="http://schemas.openxmlformats.org/drawingml/2006/chart" xmlns:dgm="http://schemas.openxmlformats.org/drawingml/2006/diagram" xmlns:o="urn:schemas-microsoft-com:office:office" xmlns:v="urn:schemas-microsoft-com:vml" xmlns:pvml="urn:schemas-microsoft-com:office:powerpoint" xmlns:com="http://schemas.openxmlformats.org/drawingml/2006/compatibility" xmlns:p14="http://schemas.microsoft.com/office/powerpoint/2010/main" xmlns:p15="http://schemas.microsoft.com/office/powerpoint/2012/main" xmlns:ahyp="http://schemas.microsoft.com/office/drawing/2018/hyperlinkcolor">
+<p:sld xmlns:a="http://schemas.openxmlformats.org/drawingml/2006/main" xmlns:r="http://schemas.openxmlformats.org/officeDocument/2006/relationships" xmlns:p="http://schemas.openxmlformats.org/presentationml/2006/main">
   <p:cSld>
     <p:spTree>
       <p:nvGrpSpPr>
-        <p:cNvPr id="139" name="Shape 139"/>
+        <p:cNvPr id="1" name="Shape 139"/>
         <p:cNvGrpSpPr/>
         <p:nvPr/>
       </p:nvGrpSpPr>
@@ -10854,7 +10851,9 @@
       <p:sp>
         <p:nvSpPr>
           <p:cNvPr id="140" name="Google Shape;140;p15"/>
-          <p:cNvSpPr txBox="1"/>
+          <p:cNvSpPr txBox="1">
+            <a:spLocks noGrp="1"/>
+          </p:cNvSpPr>
           <p:nvPr>
             <p:ph type="title"/>
           </p:nvPr>
@@ -10869,12 +10868,12 @@
           </a:prstGeom>
         </p:spPr>
         <p:txBody>
-          <a:bodyPr anchorCtr="0" anchor="t" bIns="91425" lIns="91425" spcFirstLastPara="1" rIns="91425" wrap="square" tIns="91425">
+          <a:bodyPr spcFirstLastPara="1" wrap="square" lIns="91425" tIns="91425" rIns="91425" bIns="91425" anchor="t" anchorCtr="0">
             <a:normAutofit/>
           </a:bodyPr>
           <a:lstStyle/>
           <a:p>
-            <a:pPr indent="0" lvl="0" marL="0" rtl="0" algn="l">
+            <a:pPr marL="0" lvl="0" indent="0" algn="l" rtl="0">
               <a:spcBef>
                 <a:spcPts val="0"/>
               </a:spcBef>
@@ -10883,9 +10882,6 @@
               </a:spcAft>
               <a:buNone/>
             </a:pPr>
-            <a:r>
-              <a:t/>
-            </a:r>
             <a:endParaRPr/>
           </a:p>
         </p:txBody>
@@ -10893,9 +10889,11 @@
       <p:sp>
         <p:nvSpPr>
           <p:cNvPr id="141" name="Google Shape;141;p15"/>
-          <p:cNvSpPr txBox="1"/>
+          <p:cNvSpPr txBox="1">
+            <a:spLocks noGrp="1"/>
+          </p:cNvSpPr>
           <p:nvPr>
-            <p:ph idx="1" type="body"/>
+            <p:ph type="body" idx="1"/>
           </p:nvPr>
         </p:nvSpPr>
         <p:spPr>
@@ -10908,12 +10906,12 @@
           </a:prstGeom>
         </p:spPr>
         <p:txBody>
-          <a:bodyPr anchorCtr="0" anchor="t" bIns="91425" lIns="91425" spcFirstLastPara="1" rIns="91425" wrap="square" tIns="91425">
+          <a:bodyPr spcFirstLastPara="1" wrap="square" lIns="91425" tIns="91425" rIns="91425" bIns="91425" anchor="t" anchorCtr="0">
             <a:normAutofit/>
           </a:bodyPr>
           <a:lstStyle/>
           <a:p>
-            <a:pPr indent="0" lvl="0" marL="0" rtl="0" algn="l">
+            <a:pPr marL="0" lvl="0" indent="0" algn="l" rtl="0">
               <a:spcBef>
                 <a:spcPts val="0"/>
               </a:spcBef>
@@ -10922,9 +10920,6 @@
               </a:spcAft>
               <a:buNone/>
             </a:pPr>
-            <a:r>
-              <a:t/>
-            </a:r>
             <a:endParaRPr/>
           </a:p>
         </p:txBody>
@@ -10994,11 +10989,11 @@
 </file>
 
 <file path=ppt/slides/slide4.xml><?xml version="1.0" encoding="utf-8"?>
-<p:sld xmlns:a="http://schemas.openxmlformats.org/drawingml/2006/main" xmlns:r="http://schemas.openxmlformats.org/officeDocument/2006/relationships" xmlns:mc="http://schemas.openxmlformats.org/markup-compatibility/2006" xmlns:mv="urn:schemas-microsoft-com:mac:vml" xmlns:p="http://schemas.openxmlformats.org/presentationml/2006/main" xmlns:c="http://schemas.openxmlformats.org/drawingml/2006/chart" xmlns:dgm="http://schemas.openxmlformats.org/drawingml/2006/diagram" xmlns:o="urn:schemas-microsoft-com:office:office" xmlns:v="urn:schemas-microsoft-com:vml" xmlns:pvml="urn:schemas-microsoft-com:office:powerpoint" xmlns:com="http://schemas.openxmlformats.org/drawingml/2006/compatibility" xmlns:p14="http://schemas.microsoft.com/office/powerpoint/2010/main" xmlns:p15="http://schemas.microsoft.com/office/powerpoint/2012/main" xmlns:ahyp="http://schemas.microsoft.com/office/drawing/2018/hyperlinkcolor">
+<p:sld xmlns:a="http://schemas.openxmlformats.org/drawingml/2006/main" xmlns:r="http://schemas.openxmlformats.org/officeDocument/2006/relationships" xmlns:p="http://schemas.openxmlformats.org/presentationml/2006/main">
   <p:cSld>
     <p:spTree>
       <p:nvGrpSpPr>
-        <p:cNvPr id="147" name="Shape 147"/>
+        <p:cNvPr id="1" name="Shape 147"/>
         <p:cNvGrpSpPr/>
         <p:nvPr/>
       </p:nvGrpSpPr>
@@ -11013,7 +11008,9 @@
       <p:sp>
         <p:nvSpPr>
           <p:cNvPr id="148" name="Google Shape;148;p16"/>
-          <p:cNvSpPr txBox="1"/>
+          <p:cNvSpPr txBox="1">
+            <a:spLocks noGrp="1"/>
+          </p:cNvSpPr>
           <p:nvPr>
             <p:ph type="title"/>
           </p:nvPr>
@@ -11028,12 +11025,12 @@
           </a:prstGeom>
         </p:spPr>
         <p:txBody>
-          <a:bodyPr anchorCtr="0" anchor="t" bIns="91425" lIns="91425" spcFirstLastPara="1" rIns="91425" wrap="square" tIns="91425">
+          <a:bodyPr spcFirstLastPara="1" wrap="square" lIns="91425" tIns="91425" rIns="91425" bIns="91425" anchor="t" anchorCtr="0">
             <a:normAutofit/>
           </a:bodyPr>
           <a:lstStyle/>
           <a:p>
-            <a:pPr indent="0" lvl="0" marL="0" rtl="0" algn="l">
+            <a:pPr marL="0" lvl="0" indent="0" algn="l" rtl="0">
               <a:spcBef>
                 <a:spcPts val="0"/>
               </a:spcBef>
@@ -11053,9 +11050,11 @@
       <p:sp>
         <p:nvSpPr>
           <p:cNvPr id="149" name="Google Shape;149;p16"/>
-          <p:cNvSpPr txBox="1"/>
+          <p:cNvSpPr txBox="1">
+            <a:spLocks noGrp="1"/>
+          </p:cNvSpPr>
           <p:nvPr>
-            <p:ph idx="1" type="body"/>
+            <p:ph type="body" idx="1"/>
           </p:nvPr>
         </p:nvSpPr>
         <p:spPr>
@@ -11068,12 +11067,12 @@
           </a:prstGeom>
         </p:spPr>
         <p:txBody>
-          <a:bodyPr anchorCtr="0" anchor="t" bIns="91425" lIns="91425" spcFirstLastPara="1" rIns="91425" wrap="square" tIns="91425">
+          <a:bodyPr spcFirstLastPara="1" wrap="square" lIns="91425" tIns="91425" rIns="91425" bIns="91425" anchor="t" anchorCtr="0">
             <a:normAutofit/>
           </a:bodyPr>
           <a:lstStyle/>
           <a:p>
-            <a:pPr indent="0" lvl="0" marL="0" rtl="0" algn="l">
+            <a:pPr marL="0" lvl="0" indent="0" algn="l" rtl="0">
               <a:spcBef>
                 <a:spcPts val="0"/>
               </a:spcBef>
@@ -11089,7 +11088,7 @@
             <a:endParaRPr/>
           </a:p>
           <a:p>
-            <a:pPr indent="0" lvl="0" marL="0" rtl="0" algn="l">
+            <a:pPr marL="0" lvl="0" indent="0" algn="l" rtl="0">
               <a:spcBef>
                 <a:spcPts val="1200"/>
               </a:spcBef>
@@ -11105,7 +11104,7 @@
             <a:endParaRPr/>
           </a:p>
           <a:p>
-            <a:pPr indent="0" lvl="0" marL="0" rtl="0" algn="l">
+            <a:pPr marL="0" lvl="0" indent="0" algn="l" rtl="0">
               <a:spcBef>
                 <a:spcPts val="1200"/>
               </a:spcBef>
@@ -11116,20 +11115,12 @@
             </a:pPr>
             <a:r>
               <a:rPr lang="en"/>
-              <a:t>Got familiar with terms like latency, </a:t>
-            </a:r>
-            <a:r>
-              <a:rPr lang="en"/>
-              <a:t>Initiation</a:t>
-            </a:r>
-            <a:r>
-              <a:rPr lang="en"/>
-              <a:t> Interval (II), Trip count.</a:t>
+              <a:t>Got familiar with terms like latency, Initiation Interval (II), Trip count.</a:t>
             </a:r>
             <a:endParaRPr/>
           </a:p>
           <a:p>
-            <a:pPr indent="0" lvl="0" marL="0" rtl="0" algn="l">
+            <a:pPr marL="0" lvl="0" indent="0" algn="l" rtl="0">
               <a:spcBef>
                 <a:spcPts val="1200"/>
               </a:spcBef>
@@ -11145,7 +11136,7 @@
             <a:endParaRPr/>
           </a:p>
           <a:p>
-            <a:pPr indent="0" lvl="0" marL="0" rtl="0" algn="l">
+            <a:pPr marL="0" lvl="0" indent="0" algn="l" rtl="0">
               <a:spcBef>
                 <a:spcPts val="1200"/>
               </a:spcBef>
@@ -11161,7 +11152,7 @@
             <a:endParaRPr/>
           </a:p>
           <a:p>
-            <a:pPr indent="0" lvl="0" marL="0" rtl="0" algn="l">
+            <a:pPr marL="0" lvl="0" indent="0" algn="l" rtl="0">
               <a:spcBef>
                 <a:spcPts val="1200"/>
               </a:spcBef>
@@ -11172,11 +11163,7 @@
             </a:pPr>
             <a:r>
               <a:rPr lang="en"/>
-              <a:t>Implemented</a:t>
-            </a:r>
-            <a:r>
-              <a:rPr lang="en"/>
-              <a:t> matrix multiplication for 16x16 and higher sizes to compare and contrast differences. </a:t>
+              <a:t>Implemented matrix multiplication for 16x16 and higher sizes to compare and contrast differences. </a:t>
             </a:r>
             <a:endParaRPr/>
           </a:p>
@@ -11191,11 +11178,11 @@
 </file>
 
 <file path=ppt/slides/slide5.xml><?xml version="1.0" encoding="utf-8"?>
-<p:sld xmlns:a="http://schemas.openxmlformats.org/drawingml/2006/main" xmlns:r="http://schemas.openxmlformats.org/officeDocument/2006/relationships" xmlns:mc="http://schemas.openxmlformats.org/markup-compatibility/2006" xmlns:mv="urn:schemas-microsoft-com:mac:vml" xmlns:p="http://schemas.openxmlformats.org/presentationml/2006/main" xmlns:c="http://schemas.openxmlformats.org/drawingml/2006/chart" xmlns:dgm="http://schemas.openxmlformats.org/drawingml/2006/diagram" xmlns:o="urn:schemas-microsoft-com:office:office" xmlns:v="urn:schemas-microsoft-com:vml" xmlns:pvml="urn:schemas-microsoft-com:office:powerpoint" xmlns:com="http://schemas.openxmlformats.org/drawingml/2006/compatibility" xmlns:p14="http://schemas.microsoft.com/office/powerpoint/2010/main" xmlns:p15="http://schemas.microsoft.com/office/powerpoint/2012/main" xmlns:ahyp="http://schemas.microsoft.com/office/drawing/2018/hyperlinkcolor">
+<p:sld xmlns:a="http://schemas.openxmlformats.org/drawingml/2006/main" xmlns:r="http://schemas.openxmlformats.org/officeDocument/2006/relationships" xmlns:p="http://schemas.openxmlformats.org/presentationml/2006/main">
   <p:cSld>
     <p:spTree>
       <p:nvGrpSpPr>
-        <p:cNvPr id="153" name="Shape 153"/>
+        <p:cNvPr id="1" name="Shape 153"/>
         <p:cNvGrpSpPr/>
         <p:nvPr/>
       </p:nvGrpSpPr>
@@ -11210,7 +11197,9 @@
       <p:sp>
         <p:nvSpPr>
           <p:cNvPr id="154" name="Google Shape;154;p17"/>
-          <p:cNvSpPr txBox="1"/>
+          <p:cNvSpPr txBox="1">
+            <a:spLocks noGrp="1"/>
+          </p:cNvSpPr>
           <p:nvPr>
             <p:ph type="title"/>
           </p:nvPr>
@@ -11225,12 +11214,12 @@
           </a:prstGeom>
         </p:spPr>
         <p:txBody>
-          <a:bodyPr anchorCtr="0" anchor="t" bIns="91425" lIns="91425" spcFirstLastPara="1" rIns="91425" wrap="square" tIns="91425">
+          <a:bodyPr spcFirstLastPara="1" wrap="square" lIns="91425" tIns="91425" rIns="91425" bIns="91425" anchor="t" anchorCtr="0">
             <a:normAutofit/>
           </a:bodyPr>
           <a:lstStyle/>
           <a:p>
-            <a:pPr indent="0" lvl="0" marL="0" rtl="0" algn="l">
+            <a:pPr marL="0" lvl="0" indent="0" algn="l" rtl="0">
               <a:spcBef>
                 <a:spcPts val="0"/>
               </a:spcBef>
@@ -11250,9 +11239,11 @@
       <p:sp>
         <p:nvSpPr>
           <p:cNvPr id="155" name="Google Shape;155;p17"/>
-          <p:cNvSpPr txBox="1"/>
+          <p:cNvSpPr txBox="1">
+            <a:spLocks noGrp="1"/>
+          </p:cNvSpPr>
           <p:nvPr>
-            <p:ph idx="2" type="body"/>
+            <p:ph type="body" idx="2"/>
           </p:nvPr>
         </p:nvSpPr>
         <p:spPr>
@@ -11265,12 +11256,12 @@
           </a:prstGeom>
         </p:spPr>
         <p:txBody>
-          <a:bodyPr anchorCtr="0" anchor="t" bIns="91425" lIns="91425" spcFirstLastPara="1" rIns="91425" wrap="square" tIns="91425">
+          <a:bodyPr spcFirstLastPara="1" wrap="square" lIns="91425" tIns="91425" rIns="91425" bIns="91425" anchor="t" anchorCtr="0">
             <a:normAutofit/>
           </a:bodyPr>
           <a:lstStyle/>
           <a:p>
-            <a:pPr indent="0" lvl="0" marL="0" rtl="0" algn="l">
+            <a:pPr marL="0" lvl="0" indent="0" algn="l" rtl="0">
               <a:spcBef>
                 <a:spcPts val="0"/>
               </a:spcBef>
@@ -11279,9 +11270,6 @@
               </a:spcAft>
               <a:buNone/>
             </a:pPr>
-            <a:r>
-              <a:t/>
-            </a:r>
             <a:endParaRPr/>
           </a:p>
         </p:txBody>
@@ -11323,11 +11311,11 @@
 </file>
 
 <file path=ppt/slides/slide6.xml><?xml version="1.0" encoding="utf-8"?>
-<p:sld xmlns:a="http://schemas.openxmlformats.org/drawingml/2006/main" xmlns:r="http://schemas.openxmlformats.org/officeDocument/2006/relationships" xmlns:mc="http://schemas.openxmlformats.org/markup-compatibility/2006" xmlns:mv="urn:schemas-microsoft-com:mac:vml" xmlns:p="http://schemas.openxmlformats.org/presentationml/2006/main" xmlns:c="http://schemas.openxmlformats.org/drawingml/2006/chart" xmlns:dgm="http://schemas.openxmlformats.org/drawingml/2006/diagram" xmlns:o="urn:schemas-microsoft-com:office:office" xmlns:v="urn:schemas-microsoft-com:vml" xmlns:pvml="urn:schemas-microsoft-com:office:powerpoint" xmlns:com="http://schemas.openxmlformats.org/drawingml/2006/compatibility" xmlns:p14="http://schemas.microsoft.com/office/powerpoint/2010/main" xmlns:p15="http://schemas.microsoft.com/office/powerpoint/2012/main" xmlns:ahyp="http://schemas.microsoft.com/office/drawing/2018/hyperlinkcolor">
+<p:sld xmlns:a="http://schemas.openxmlformats.org/drawingml/2006/main" xmlns:r="http://schemas.openxmlformats.org/officeDocument/2006/relationships" xmlns:p="http://schemas.openxmlformats.org/presentationml/2006/main">
   <p:cSld>
     <p:spTree>
       <p:nvGrpSpPr>
-        <p:cNvPr id="160" name="Shape 160"/>
+        <p:cNvPr id="1" name="Shape 160"/>
         <p:cNvGrpSpPr/>
         <p:nvPr/>
       </p:nvGrpSpPr>
@@ -11342,7 +11330,9 @@
       <p:sp>
         <p:nvSpPr>
           <p:cNvPr id="161" name="Google Shape;161;p18"/>
-          <p:cNvSpPr txBox="1"/>
+          <p:cNvSpPr txBox="1">
+            <a:spLocks noGrp="1"/>
+          </p:cNvSpPr>
           <p:nvPr>
             <p:ph type="title"/>
           </p:nvPr>
@@ -11357,12 +11347,12 @@
           </a:prstGeom>
         </p:spPr>
         <p:txBody>
-          <a:bodyPr anchorCtr="0" anchor="t" bIns="91425" lIns="91425" spcFirstLastPara="1" rIns="91425" wrap="square" tIns="91425">
+          <a:bodyPr spcFirstLastPara="1" wrap="square" lIns="91425" tIns="91425" rIns="91425" bIns="91425" anchor="t" anchorCtr="0">
             <a:normAutofit/>
           </a:bodyPr>
           <a:lstStyle/>
           <a:p>
-            <a:pPr indent="0" lvl="0" marL="0" rtl="0" algn="l">
+            <a:pPr marL="0" lvl="0" indent="0" algn="l" rtl="0">
               <a:spcBef>
                 <a:spcPts val="0"/>
               </a:spcBef>
@@ -11382,9 +11372,11 @@
       <p:sp>
         <p:nvSpPr>
           <p:cNvPr id="162" name="Google Shape;162;p18"/>
-          <p:cNvSpPr txBox="1"/>
+          <p:cNvSpPr txBox="1">
+            <a:spLocks noGrp="1"/>
+          </p:cNvSpPr>
           <p:nvPr>
-            <p:ph idx="2" type="body"/>
+            <p:ph type="body" idx="2"/>
           </p:nvPr>
         </p:nvSpPr>
         <p:spPr>
@@ -11397,12 +11389,12 @@
           </a:prstGeom>
         </p:spPr>
         <p:txBody>
-          <a:bodyPr anchorCtr="0" anchor="t" bIns="91425" lIns="91425" spcFirstLastPara="1" rIns="91425" wrap="square" tIns="91425">
+          <a:bodyPr spcFirstLastPara="1" wrap="square" lIns="91425" tIns="91425" rIns="91425" bIns="91425" anchor="t" anchorCtr="0">
             <a:normAutofit/>
           </a:bodyPr>
           <a:lstStyle/>
           <a:p>
-            <a:pPr indent="0" lvl="0" marL="0" rtl="0" algn="l">
+            <a:pPr marL="0" lvl="0" indent="0" algn="l" rtl="0">
               <a:spcBef>
                 <a:spcPts val="0"/>
               </a:spcBef>
@@ -11411,9 +11403,6 @@
               </a:spcAft>
               <a:buNone/>
             </a:pPr>
-            <a:r>
-              <a:t/>
-            </a:r>
             <a:endParaRPr/>
           </a:p>
         </p:txBody>
@@ -11455,11 +11444,11 @@
 </file>
 
 <file path=ppt/slides/slide7.xml><?xml version="1.0" encoding="utf-8"?>
-<p:sld xmlns:a="http://schemas.openxmlformats.org/drawingml/2006/main" xmlns:r="http://schemas.openxmlformats.org/officeDocument/2006/relationships" xmlns:mc="http://schemas.openxmlformats.org/markup-compatibility/2006" xmlns:mv="urn:schemas-microsoft-com:mac:vml" xmlns:p="http://schemas.openxmlformats.org/presentationml/2006/main" xmlns:c="http://schemas.openxmlformats.org/drawingml/2006/chart" xmlns:dgm="http://schemas.openxmlformats.org/drawingml/2006/diagram" xmlns:o="urn:schemas-microsoft-com:office:office" xmlns:v="urn:schemas-microsoft-com:vml" xmlns:pvml="urn:schemas-microsoft-com:office:powerpoint" xmlns:com="http://schemas.openxmlformats.org/drawingml/2006/compatibility" xmlns:p14="http://schemas.microsoft.com/office/powerpoint/2010/main" xmlns:p15="http://schemas.microsoft.com/office/powerpoint/2012/main" xmlns:ahyp="http://schemas.microsoft.com/office/drawing/2018/hyperlinkcolor">
+<p:sld xmlns:a="http://schemas.openxmlformats.org/drawingml/2006/main" xmlns:r="http://schemas.openxmlformats.org/officeDocument/2006/relationships" xmlns:p="http://schemas.openxmlformats.org/presentationml/2006/main">
   <p:cSld>
     <p:spTree>
       <p:nvGrpSpPr>
-        <p:cNvPr id="167" name="Shape 167"/>
+        <p:cNvPr id="1" name="Shape 167"/>
         <p:cNvGrpSpPr/>
         <p:nvPr/>
       </p:nvGrpSpPr>
@@ -11474,7 +11463,9 @@
       <p:sp>
         <p:nvSpPr>
           <p:cNvPr id="168" name="Google Shape;168;p19"/>
-          <p:cNvSpPr txBox="1"/>
+          <p:cNvSpPr txBox="1">
+            <a:spLocks noGrp="1"/>
+          </p:cNvSpPr>
           <p:nvPr>
             <p:ph type="title"/>
           </p:nvPr>
@@ -11489,12 +11480,12 @@
           </a:prstGeom>
         </p:spPr>
         <p:txBody>
-          <a:bodyPr anchorCtr="0" anchor="t" bIns="91425" lIns="91425" spcFirstLastPara="1" rIns="91425" wrap="square" tIns="91425">
+          <a:bodyPr spcFirstLastPara="1" wrap="square" lIns="91425" tIns="91425" rIns="91425" bIns="91425" anchor="t" anchorCtr="0">
             <a:normAutofit fontScale="90000"/>
           </a:bodyPr>
           <a:lstStyle/>
           <a:p>
-            <a:pPr indent="0" lvl="0" marL="0" rtl="0" algn="l">
+            <a:pPr marL="0" lvl="0" indent="0" algn="l" rtl="0">
               <a:spcBef>
                 <a:spcPts val="0"/>
               </a:spcBef>
@@ -11514,9 +11505,11 @@
       <p:sp>
         <p:nvSpPr>
           <p:cNvPr id="169" name="Google Shape;169;p19"/>
-          <p:cNvSpPr txBox="1"/>
+          <p:cNvSpPr txBox="1">
+            <a:spLocks noGrp="1"/>
+          </p:cNvSpPr>
           <p:nvPr>
-            <p:ph idx="2" type="body"/>
+            <p:ph type="body" idx="2"/>
           </p:nvPr>
         </p:nvSpPr>
         <p:spPr>
@@ -11529,12 +11522,12 @@
           </a:prstGeom>
         </p:spPr>
         <p:txBody>
-          <a:bodyPr anchorCtr="0" anchor="t" bIns="91425" lIns="91425" spcFirstLastPara="1" rIns="91425" wrap="square" tIns="91425">
+          <a:bodyPr spcFirstLastPara="1" wrap="square" lIns="91425" tIns="91425" rIns="91425" bIns="91425" anchor="t" anchorCtr="0">
             <a:normAutofit/>
           </a:bodyPr>
           <a:lstStyle/>
           <a:p>
-            <a:pPr indent="0" lvl="0" marL="0" rtl="0" algn="l">
+            <a:pPr marL="0" lvl="0" indent="0" algn="l" rtl="0">
               <a:spcBef>
                 <a:spcPts val="0"/>
               </a:spcBef>
@@ -11543,9 +11536,6 @@
               </a:spcAft>
               <a:buNone/>
             </a:pPr>
-            <a:r>
-              <a:t/>
-            </a:r>
             <a:endParaRPr/>
           </a:p>
         </p:txBody>
@@ -11587,11 +11577,11 @@
 </file>
 
 <file path=ppt/slides/slide8.xml><?xml version="1.0" encoding="utf-8"?>
-<p:sld xmlns:a="http://schemas.openxmlformats.org/drawingml/2006/main" xmlns:r="http://schemas.openxmlformats.org/officeDocument/2006/relationships" xmlns:mc="http://schemas.openxmlformats.org/markup-compatibility/2006" xmlns:mv="urn:schemas-microsoft-com:mac:vml" xmlns:p="http://schemas.openxmlformats.org/presentationml/2006/main" xmlns:c="http://schemas.openxmlformats.org/drawingml/2006/chart" xmlns:dgm="http://schemas.openxmlformats.org/drawingml/2006/diagram" xmlns:o="urn:schemas-microsoft-com:office:office" xmlns:v="urn:schemas-microsoft-com:vml" xmlns:pvml="urn:schemas-microsoft-com:office:powerpoint" xmlns:com="http://schemas.openxmlformats.org/drawingml/2006/compatibility" xmlns:p14="http://schemas.microsoft.com/office/powerpoint/2010/main" xmlns:p15="http://schemas.microsoft.com/office/powerpoint/2012/main" xmlns:ahyp="http://schemas.microsoft.com/office/drawing/2018/hyperlinkcolor">
+<p:sld xmlns:a="http://schemas.openxmlformats.org/drawingml/2006/main" xmlns:r="http://schemas.openxmlformats.org/officeDocument/2006/relationships" xmlns:p="http://schemas.openxmlformats.org/presentationml/2006/main">
   <p:cSld>
     <p:spTree>
       <p:nvGrpSpPr>
-        <p:cNvPr id="174" name="Shape 174"/>
+        <p:cNvPr id="1" name="Shape 174"/>
         <p:cNvGrpSpPr/>
         <p:nvPr/>
       </p:nvGrpSpPr>
@@ -11606,7 +11596,9 @@
       <p:sp>
         <p:nvSpPr>
           <p:cNvPr id="175" name="Google Shape;175;p20"/>
-          <p:cNvSpPr txBox="1"/>
+          <p:cNvSpPr txBox="1">
+            <a:spLocks noGrp="1"/>
+          </p:cNvSpPr>
           <p:nvPr>
             <p:ph type="title"/>
           </p:nvPr>
@@ -11621,12 +11613,12 @@
           </a:prstGeom>
         </p:spPr>
         <p:txBody>
-          <a:bodyPr anchorCtr="0" anchor="t" bIns="91425" lIns="91425" spcFirstLastPara="1" rIns="91425" wrap="square" tIns="91425">
+          <a:bodyPr spcFirstLastPara="1" wrap="square" lIns="91425" tIns="91425" rIns="91425" bIns="91425" anchor="t" anchorCtr="0">
             <a:normAutofit/>
           </a:bodyPr>
           <a:lstStyle/>
           <a:p>
-            <a:pPr indent="0" lvl="0" marL="0" rtl="0" algn="l">
+            <a:pPr marL="0" lvl="0" indent="0" algn="l" rtl="0">
               <a:spcBef>
                 <a:spcPts val="0"/>
               </a:spcBef>
@@ -11646,9 +11638,11 @@
       <p:sp>
         <p:nvSpPr>
           <p:cNvPr id="176" name="Google Shape;176;p20"/>
-          <p:cNvSpPr txBox="1"/>
+          <p:cNvSpPr txBox="1">
+            <a:spLocks noGrp="1"/>
+          </p:cNvSpPr>
           <p:nvPr>
-            <p:ph idx="1" type="body"/>
+            <p:ph type="body" idx="1"/>
           </p:nvPr>
         </p:nvSpPr>
         <p:spPr>
@@ -11661,12 +11655,12 @@
           </a:prstGeom>
         </p:spPr>
         <p:txBody>
-          <a:bodyPr anchorCtr="0" anchor="t" bIns="91425" lIns="91425" spcFirstLastPara="1" rIns="91425" wrap="square" tIns="91425">
+          <a:bodyPr spcFirstLastPara="1" wrap="square" lIns="91425" tIns="91425" rIns="91425" bIns="91425" anchor="t" anchorCtr="0">
             <a:normAutofit fontScale="92500"/>
           </a:bodyPr>
           <a:lstStyle/>
           <a:p>
-            <a:pPr indent="0" lvl="0" marL="0" rtl="0" algn="l">
+            <a:pPr marL="0" lvl="0" indent="0" algn="l" rtl="0">
               <a:spcBef>
                 <a:spcPts val="0"/>
               </a:spcBef>
@@ -11686,9 +11680,11 @@
       <p:sp>
         <p:nvSpPr>
           <p:cNvPr id="177" name="Google Shape;177;p20"/>
-          <p:cNvSpPr txBox="1"/>
+          <p:cNvSpPr txBox="1">
+            <a:spLocks noGrp="1"/>
+          </p:cNvSpPr>
           <p:nvPr>
-            <p:ph idx="2" type="body"/>
+            <p:ph type="body" idx="2"/>
           </p:nvPr>
         </p:nvSpPr>
         <p:spPr>
@@ -11701,12 +11697,12 @@
           </a:prstGeom>
         </p:spPr>
         <p:txBody>
-          <a:bodyPr anchorCtr="0" anchor="t" bIns="91425" lIns="91425" spcFirstLastPara="1" rIns="91425" wrap="square" tIns="91425">
+          <a:bodyPr spcFirstLastPara="1" wrap="square" lIns="91425" tIns="91425" rIns="91425" bIns="91425" anchor="t" anchorCtr="0">
             <a:normAutofit/>
           </a:bodyPr>
           <a:lstStyle/>
           <a:p>
-            <a:pPr indent="0" lvl="0" marL="0" rtl="0" algn="l">
+            <a:pPr marL="0" lvl="0" indent="0" algn="l" rtl="0">
               <a:spcBef>
                 <a:spcPts val="0"/>
               </a:spcBef>
@@ -11715,9 +11711,6 @@
               </a:spcAft>
               <a:buNone/>
             </a:pPr>
-            <a:r>
-              <a:t/>
-            </a:r>
             <a:endParaRPr/>
           </a:p>
         </p:txBody>
@@ -11809,9 +11802,11 @@
       <p:sp>
         <p:nvSpPr>
           <p:cNvPr id="181" name="Google Shape;181;p20"/>
-          <p:cNvSpPr txBox="1"/>
+          <p:cNvSpPr txBox="1">
+            <a:spLocks noGrp="1"/>
+          </p:cNvSpPr>
           <p:nvPr>
-            <p:ph idx="1" type="body"/>
+            <p:ph type="body" idx="1"/>
           </p:nvPr>
         </p:nvSpPr>
         <p:spPr>
@@ -11824,12 +11819,12 @@
           </a:prstGeom>
         </p:spPr>
         <p:txBody>
-          <a:bodyPr anchorCtr="0" anchor="t" bIns="91425" lIns="91425" spcFirstLastPara="1" rIns="91425" wrap="square" tIns="91425">
+          <a:bodyPr spcFirstLastPara="1" wrap="square" lIns="91425" tIns="91425" rIns="91425" bIns="91425" anchor="t" anchorCtr="0">
             <a:normAutofit fontScale="92500"/>
           </a:bodyPr>
           <a:lstStyle/>
           <a:p>
-            <a:pPr indent="0" lvl="0" marL="0" rtl="0" algn="l">
+            <a:pPr marL="0" lvl="0" indent="0" algn="l" rtl="0">
               <a:spcBef>
                 <a:spcPts val="0"/>
               </a:spcBef>
@@ -11849,9 +11844,11 @@
       <p:sp>
         <p:nvSpPr>
           <p:cNvPr id="182" name="Google Shape;182;p20"/>
-          <p:cNvSpPr txBox="1"/>
+          <p:cNvSpPr txBox="1">
+            <a:spLocks noGrp="1"/>
+          </p:cNvSpPr>
           <p:nvPr>
-            <p:ph idx="1" type="body"/>
+            <p:ph type="body" idx="1"/>
           </p:nvPr>
         </p:nvSpPr>
         <p:spPr>
@@ -11864,12 +11861,12 @@
           </a:prstGeom>
         </p:spPr>
         <p:txBody>
-          <a:bodyPr anchorCtr="0" anchor="t" bIns="91425" lIns="91425" spcFirstLastPara="1" rIns="91425" wrap="square" tIns="91425">
+          <a:bodyPr spcFirstLastPara="1" wrap="square" lIns="91425" tIns="91425" rIns="91425" bIns="91425" anchor="t" anchorCtr="0">
             <a:normAutofit fontScale="92500"/>
           </a:bodyPr>
           <a:lstStyle/>
           <a:p>
-            <a:pPr indent="0" lvl="0" marL="0" rtl="0" algn="l">
+            <a:pPr marL="0" lvl="0" indent="0" algn="l" rtl="0">
               <a:spcBef>
                 <a:spcPts val="0"/>
               </a:spcBef>
@@ -11895,11 +11892,11 @@
 </file>
 
 <file path=ppt/slides/slide9.xml><?xml version="1.0" encoding="utf-8"?>
-<p:sld xmlns:a="http://schemas.openxmlformats.org/drawingml/2006/main" xmlns:r="http://schemas.openxmlformats.org/officeDocument/2006/relationships" xmlns:mc="http://schemas.openxmlformats.org/markup-compatibility/2006" xmlns:mv="urn:schemas-microsoft-com:mac:vml" xmlns:p="http://schemas.openxmlformats.org/presentationml/2006/main" xmlns:c="http://schemas.openxmlformats.org/drawingml/2006/chart" xmlns:dgm="http://schemas.openxmlformats.org/drawingml/2006/diagram" xmlns:o="urn:schemas-microsoft-com:office:office" xmlns:v="urn:schemas-microsoft-com:vml" xmlns:pvml="urn:schemas-microsoft-com:office:powerpoint" xmlns:com="http://schemas.openxmlformats.org/drawingml/2006/compatibility" xmlns:p14="http://schemas.microsoft.com/office/powerpoint/2010/main" xmlns:p15="http://schemas.microsoft.com/office/powerpoint/2012/main" xmlns:ahyp="http://schemas.microsoft.com/office/drawing/2018/hyperlinkcolor">
+<p:sld xmlns:a="http://schemas.openxmlformats.org/drawingml/2006/main" xmlns:r="http://schemas.openxmlformats.org/officeDocument/2006/relationships" xmlns:p="http://schemas.openxmlformats.org/presentationml/2006/main">
   <p:cSld>
     <p:spTree>
       <p:nvGrpSpPr>
-        <p:cNvPr id="186" name="Shape 186"/>
+        <p:cNvPr id="1" name="Shape 186"/>
         <p:cNvGrpSpPr/>
         <p:nvPr/>
       </p:nvGrpSpPr>
@@ -11914,7 +11911,9 @@
       <p:sp>
         <p:nvSpPr>
           <p:cNvPr id="187" name="Google Shape;187;p21"/>
-          <p:cNvSpPr txBox="1"/>
+          <p:cNvSpPr txBox="1">
+            <a:spLocks noGrp="1"/>
+          </p:cNvSpPr>
           <p:nvPr>
             <p:ph type="title"/>
           </p:nvPr>
@@ -11929,12 +11928,12 @@
           </a:prstGeom>
         </p:spPr>
         <p:txBody>
-          <a:bodyPr anchorCtr="0" anchor="t" bIns="91425" lIns="91425" spcFirstLastPara="1" rIns="91425" wrap="square" tIns="91425">
+          <a:bodyPr spcFirstLastPara="1" wrap="square" lIns="91425" tIns="91425" rIns="91425" bIns="91425" anchor="t" anchorCtr="0">
             <a:normAutofit/>
           </a:bodyPr>
           <a:lstStyle/>
           <a:p>
-            <a:pPr indent="0" lvl="0" marL="0" rtl="0" algn="l">
+            <a:pPr marL="0" lvl="0" indent="0" algn="l" rtl="0">
               <a:spcBef>
                 <a:spcPts val="0"/>
               </a:spcBef>
@@ -11954,9 +11953,11 @@
       <p:sp>
         <p:nvSpPr>
           <p:cNvPr id="188" name="Google Shape;188;p21"/>
-          <p:cNvSpPr txBox="1"/>
+          <p:cNvSpPr txBox="1">
+            <a:spLocks noGrp="1"/>
+          </p:cNvSpPr>
           <p:nvPr>
-            <p:ph idx="1" type="body"/>
+            <p:ph type="body" idx="1"/>
           </p:nvPr>
         </p:nvSpPr>
         <p:spPr>
@@ -11969,12 +11970,12 @@
           </a:prstGeom>
         </p:spPr>
         <p:txBody>
-          <a:bodyPr anchorCtr="0" anchor="t" bIns="91425" lIns="91425" spcFirstLastPara="1" rIns="91425" wrap="square" tIns="91425">
+          <a:bodyPr spcFirstLastPara="1" wrap="square" lIns="91425" tIns="91425" rIns="91425" bIns="91425" anchor="t" anchorCtr="0">
             <a:normAutofit/>
           </a:bodyPr>
           <a:lstStyle/>
           <a:p>
-            <a:pPr indent="0" lvl="0" marL="0" rtl="0" algn="l">
+            <a:pPr marL="0" lvl="0" indent="0" algn="l" rtl="0">
               <a:spcBef>
                 <a:spcPts val="0"/>
               </a:spcBef>
@@ -11990,7 +11991,7 @@
             <a:endParaRPr/>
           </a:p>
           <a:p>
-            <a:pPr indent="0" lvl="0" marL="0" rtl="0" algn="l">
+            <a:pPr marL="0" lvl="0" indent="0" algn="l" rtl="0">
               <a:spcBef>
                 <a:spcPts val="1200"/>
               </a:spcBef>
@@ -12006,7 +12007,7 @@
             <a:endParaRPr/>
           </a:p>
           <a:p>
-            <a:pPr indent="0" lvl="0" marL="0" rtl="0" algn="l">
+            <a:pPr marL="0" lvl="0" indent="0" algn="l" rtl="0">
               <a:spcBef>
                 <a:spcPts val="1200"/>
               </a:spcBef>
@@ -12022,7 +12023,7 @@
             <a:endParaRPr/>
           </a:p>
           <a:p>
-            <a:pPr indent="0" lvl="0" marL="0" rtl="0" algn="l">
+            <a:pPr marL="0" lvl="0" indent="0" algn="l" rtl="0">
               <a:spcBef>
                 <a:spcPts val="1200"/>
               </a:spcBef>
@@ -12048,7 +12049,288 @@
 </file>
 
 <file path=ppt/theme/theme1.xml><?xml version="1.0" encoding="utf-8"?>
-<a:theme xmlns:a="http://schemas.openxmlformats.org/drawingml/2006/main" xmlns:r="http://schemas.openxmlformats.org/officeDocument/2006/relationships">
+<a:theme xmlns:a="http://schemas.openxmlformats.org/drawingml/2006/main" name="Shift">
+  <a:themeElements>
+    <a:clrScheme name="Shift">
+      <a:dk1>
+        <a:srgbClr val="FFFFFF"/>
+      </a:dk1>
+      <a:lt1>
+        <a:srgbClr val="AF7B51"/>
+      </a:lt1>
+      <a:dk2>
+        <a:srgbClr val="233A44"/>
+      </a:dk2>
+      <a:lt2>
+        <a:srgbClr val="D9D9D9"/>
+      </a:lt2>
+      <a:accent1>
+        <a:srgbClr val="00796B"/>
+      </a:accent1>
+      <a:accent2>
+        <a:srgbClr val="D9563F"/>
+      </a:accent2>
+      <a:accent3>
+        <a:srgbClr val="C4A15A"/>
+      </a:accent3>
+      <a:accent4>
+        <a:srgbClr val="14F597"/>
+      </a:accent4>
+      <a:accent5>
+        <a:srgbClr val="3D4594"/>
+      </a:accent5>
+      <a:accent6>
+        <a:srgbClr val="163EF5"/>
+      </a:accent6>
+      <a:hlink>
+        <a:srgbClr val="3D4594"/>
+      </a:hlink>
+      <a:folHlink>
+        <a:srgbClr val="3D4594"/>
+      </a:folHlink>
+    </a:clrScheme>
+    <a:fontScheme name="Office">
+      <a:majorFont>
+        <a:latin typeface="Arial"/>
+        <a:ea typeface=""/>
+        <a:cs typeface=""/>
+        <a:font script="Jpan" typeface="ＭＳ Ｐゴシック"/>
+        <a:font script="Hang" typeface="맑은 고딕"/>
+        <a:font script="Hans" typeface="宋体"/>
+        <a:font script="Hant" typeface="新細明體"/>
+        <a:font script="Arab" typeface="Times New Roman"/>
+        <a:font script="Hebr" typeface="Times New Roman"/>
+        <a:font script="Thai" typeface="Angsana New"/>
+        <a:font script="Ethi" typeface="Nyala"/>
+        <a:font script="Beng" typeface="Vrinda"/>
+        <a:font script="Gujr" typeface="Shruti"/>
+        <a:font script="Khmr" typeface="MoolBoran"/>
+        <a:font script="Knda" typeface="Tunga"/>
+        <a:font script="Guru" typeface="Raavi"/>
+        <a:font script="Cans" typeface="Euphemia"/>
+        <a:font script="Cher" typeface="Plantagenet Cherokee"/>
+        <a:font script="Yiii" typeface="Microsoft Yi Baiti"/>
+        <a:font script="Tibt" typeface="Microsoft Himalaya"/>
+        <a:font script="Thaa" typeface="MV Boli"/>
+        <a:font script="Deva" typeface="Mangal"/>
+        <a:font script="Telu" typeface="Gautami"/>
+        <a:font script="Taml" typeface="Latha"/>
+        <a:font script="Syrc" typeface="Estrangelo Edessa"/>
+        <a:font script="Orya" typeface="Kalinga"/>
+        <a:font script="Mlym" typeface="Kartika"/>
+        <a:font script="Laoo" typeface="DokChampa"/>
+        <a:font script="Sinh" typeface="Iskoola Pota"/>
+        <a:font script="Mong" typeface="Mongolian Baiti"/>
+        <a:font script="Viet" typeface="Times New Roman"/>
+        <a:font script="Uigh" typeface="Microsoft Uighur"/>
+        <a:font script="Geor" typeface="Sylfaen"/>
+      </a:majorFont>
+      <a:minorFont>
+        <a:latin typeface="Arial"/>
+        <a:ea typeface=""/>
+        <a:cs typeface=""/>
+        <a:font script="Jpan" typeface="ＭＳ Ｐゴシック"/>
+        <a:font script="Hang" typeface="맑은 고딕"/>
+        <a:font script="Hans" typeface="宋体"/>
+        <a:font script="Hant" typeface="新細明體"/>
+        <a:font script="Arab" typeface="Arial"/>
+        <a:font script="Hebr" typeface="Arial"/>
+        <a:font script="Thai" typeface="Cordia New"/>
+        <a:font script="Ethi" typeface="Nyala"/>
+        <a:font script="Beng" typeface="Vrinda"/>
+        <a:font script="Gujr" typeface="Shruti"/>
+        <a:font script="Khmr" typeface="DaunPenh"/>
+        <a:font script="Knda" typeface="Tunga"/>
+        <a:font script="Guru" typeface="Raavi"/>
+        <a:font script="Cans" typeface="Euphemia"/>
+        <a:font script="Cher" typeface="Plantagenet Cherokee"/>
+        <a:font script="Yiii" typeface="Microsoft Yi Baiti"/>
+        <a:font script="Tibt" typeface="Microsoft Himalaya"/>
+        <a:font script="Thaa" typeface="MV Boli"/>
+        <a:font script="Deva" typeface="Mangal"/>
+        <a:font script="Telu" typeface="Gautami"/>
+        <a:font script="Taml" typeface="Latha"/>
+        <a:font script="Syrc" typeface="Estrangelo Edessa"/>
+        <a:font script="Orya" typeface="Kalinga"/>
+        <a:font script="Mlym" typeface="Kartika"/>
+        <a:font script="Laoo" typeface="DokChampa"/>
+        <a:font script="Sinh" typeface="Iskoola Pota"/>
+        <a:font script="Mong" typeface="Mongolian Baiti"/>
+        <a:font script="Viet" typeface="Arial"/>
+        <a:font script="Uigh" typeface="Microsoft Uighur"/>
+        <a:font script="Geor" typeface="Sylfaen"/>
+      </a:minorFont>
+    </a:fontScheme>
+    <a:fmtScheme name="Office">
+      <a:fillStyleLst>
+        <a:solidFill>
+          <a:schemeClr val="phClr"/>
+        </a:solidFill>
+        <a:gradFill rotWithShape="1">
+          <a:gsLst>
+            <a:gs pos="0">
+              <a:schemeClr val="phClr">
+                <a:tint val="50000"/>
+                <a:satMod val="300000"/>
+              </a:schemeClr>
+            </a:gs>
+            <a:gs pos="35000">
+              <a:schemeClr val="phClr">
+                <a:tint val="37000"/>
+                <a:satMod val="300000"/>
+              </a:schemeClr>
+            </a:gs>
+            <a:gs pos="100000">
+              <a:schemeClr val="phClr">
+                <a:tint val="15000"/>
+                <a:satMod val="350000"/>
+              </a:schemeClr>
+            </a:gs>
+          </a:gsLst>
+          <a:lin ang="16200000" scaled="1"/>
+        </a:gradFill>
+        <a:gradFill rotWithShape="1">
+          <a:gsLst>
+            <a:gs pos="0">
+              <a:schemeClr val="phClr">
+                <a:tint val="100000"/>
+                <a:shade val="100000"/>
+                <a:satMod val="130000"/>
+              </a:schemeClr>
+            </a:gs>
+            <a:gs pos="100000">
+              <a:schemeClr val="phClr">
+                <a:tint val="50000"/>
+                <a:shade val="100000"/>
+                <a:satMod val="350000"/>
+              </a:schemeClr>
+            </a:gs>
+          </a:gsLst>
+          <a:lin ang="16200000" scaled="0"/>
+        </a:gradFill>
+      </a:fillStyleLst>
+      <a:lnStyleLst>
+        <a:ln w="9525" cap="flat" cmpd="sng" algn="ctr">
+          <a:solidFill>
+            <a:schemeClr val="phClr">
+              <a:shade val="95000"/>
+              <a:satMod val="105000"/>
+            </a:schemeClr>
+          </a:solidFill>
+          <a:prstDash val="solid"/>
+        </a:ln>
+        <a:ln w="25400" cap="flat" cmpd="sng" algn="ctr">
+          <a:solidFill>
+            <a:schemeClr val="phClr"/>
+          </a:solidFill>
+          <a:prstDash val="solid"/>
+        </a:ln>
+        <a:ln w="38100" cap="flat" cmpd="sng" algn="ctr">
+          <a:solidFill>
+            <a:schemeClr val="phClr"/>
+          </a:solidFill>
+          <a:prstDash val="solid"/>
+        </a:ln>
+      </a:lnStyleLst>
+      <a:effectStyleLst>
+        <a:effectStyle>
+          <a:effectLst>
+            <a:outerShdw blurRad="40000" dist="20000" dir="5400000" rotWithShape="0">
+              <a:srgbClr val="000000">
+                <a:alpha val="38000"/>
+              </a:srgbClr>
+            </a:outerShdw>
+          </a:effectLst>
+        </a:effectStyle>
+        <a:effectStyle>
+          <a:effectLst>
+            <a:outerShdw blurRad="40000" dist="23000" dir="5400000" rotWithShape="0">
+              <a:srgbClr val="000000">
+                <a:alpha val="35000"/>
+              </a:srgbClr>
+            </a:outerShdw>
+          </a:effectLst>
+        </a:effectStyle>
+        <a:effectStyle>
+          <a:effectLst>
+            <a:outerShdw blurRad="40000" dist="23000" dir="5400000" rotWithShape="0">
+              <a:srgbClr val="000000">
+                <a:alpha val="35000"/>
+              </a:srgbClr>
+            </a:outerShdw>
+          </a:effectLst>
+          <a:scene3d>
+            <a:camera prst="orthographicFront">
+              <a:rot lat="0" lon="0" rev="0"/>
+            </a:camera>
+            <a:lightRig rig="threePt" dir="t">
+              <a:rot lat="0" lon="0" rev="1200000"/>
+            </a:lightRig>
+          </a:scene3d>
+          <a:sp3d>
+            <a:bevelT w="63500" h="25400"/>
+          </a:sp3d>
+        </a:effectStyle>
+      </a:effectStyleLst>
+      <a:bgFillStyleLst>
+        <a:solidFill>
+          <a:schemeClr val="phClr"/>
+        </a:solidFill>
+        <a:gradFill rotWithShape="1">
+          <a:gsLst>
+            <a:gs pos="0">
+              <a:schemeClr val="phClr">
+                <a:tint val="40000"/>
+                <a:satMod val="350000"/>
+              </a:schemeClr>
+            </a:gs>
+            <a:gs pos="40000">
+              <a:schemeClr val="phClr">
+                <a:tint val="45000"/>
+                <a:shade val="99000"/>
+                <a:satMod val="350000"/>
+              </a:schemeClr>
+            </a:gs>
+            <a:gs pos="100000">
+              <a:schemeClr val="phClr">
+                <a:shade val="20000"/>
+                <a:satMod val="255000"/>
+              </a:schemeClr>
+            </a:gs>
+          </a:gsLst>
+          <a:path path="circle">
+            <a:fillToRect l="50000" t="-80000" r="50000" b="180000"/>
+          </a:path>
+        </a:gradFill>
+        <a:gradFill rotWithShape="1">
+          <a:gsLst>
+            <a:gs pos="0">
+              <a:schemeClr val="phClr">
+                <a:tint val="80000"/>
+                <a:satMod val="300000"/>
+              </a:schemeClr>
+            </a:gs>
+            <a:gs pos="100000">
+              <a:schemeClr val="phClr">
+                <a:shade val="30000"/>
+                <a:satMod val="200000"/>
+              </a:schemeClr>
+            </a:gs>
+          </a:gsLst>
+          <a:path path="circle">
+            <a:fillToRect l="50000" t="50000" r="50000" b="50000"/>
+          </a:path>
+        </a:gradFill>
+      </a:bgFillStyleLst>
+    </a:fmtScheme>
+  </a:themeElements>
+  <a:objectDefaults/>
+  <a:extraClrSchemeLst/>
+</a:theme>
+</file>
+
+<file path=ppt/theme/theme2.xml><?xml version="1.0" encoding="utf-8"?>
+<a:theme xmlns:a="http://schemas.openxmlformats.org/drawingml/2006/main">
   <a:themeElements>
     <a:clrScheme name="Default">
       <a:dk1>
@@ -12323,284 +12605,7 @@
       </a:bgFillStyleLst>
     </a:fmtScheme>
   </a:themeElements>
-</a:theme>
-</file>
-
-<file path=ppt/theme/theme2.xml><?xml version="1.0" encoding="utf-8"?>
-<a:theme xmlns:a="http://schemas.openxmlformats.org/drawingml/2006/main" xmlns:r="http://schemas.openxmlformats.org/officeDocument/2006/relationships" name="Shift">
-  <a:themeElements>
-    <a:clrScheme name="Shift">
-      <a:dk1>
-        <a:srgbClr val="FFFFFF"/>
-      </a:dk1>
-      <a:lt1>
-        <a:srgbClr val="AF7B51"/>
-      </a:lt1>
-      <a:dk2>
-        <a:srgbClr val="233A44"/>
-      </a:dk2>
-      <a:lt2>
-        <a:srgbClr val="D9D9D9"/>
-      </a:lt2>
-      <a:accent1>
-        <a:srgbClr val="00796B"/>
-      </a:accent1>
-      <a:accent2>
-        <a:srgbClr val="D9563F"/>
-      </a:accent2>
-      <a:accent3>
-        <a:srgbClr val="C4A15A"/>
-      </a:accent3>
-      <a:accent4>
-        <a:srgbClr val="14F597"/>
-      </a:accent4>
-      <a:accent5>
-        <a:srgbClr val="3D4594"/>
-      </a:accent5>
-      <a:accent6>
-        <a:srgbClr val="163EF5"/>
-      </a:accent6>
-      <a:hlink>
-        <a:srgbClr val="3D4594"/>
-      </a:hlink>
-      <a:folHlink>
-        <a:srgbClr val="3D4594"/>
-      </a:folHlink>
-    </a:clrScheme>
-    <a:fontScheme name="Office">
-      <a:majorFont>
-        <a:latin typeface="Arial"/>
-        <a:ea typeface=""/>
-        <a:cs typeface=""/>
-        <a:font script="Jpan" typeface="ＭＳ Ｐゴシック"/>
-        <a:font script="Hang" typeface="맑은 고딕"/>
-        <a:font script="Hans" typeface="宋体"/>
-        <a:font script="Hant" typeface="新細明體"/>
-        <a:font script="Arab" typeface="Times New Roman"/>
-        <a:font script="Hebr" typeface="Times New Roman"/>
-        <a:font script="Thai" typeface="Angsana New"/>
-        <a:font script="Ethi" typeface="Nyala"/>
-        <a:font script="Beng" typeface="Vrinda"/>
-        <a:font script="Gujr" typeface="Shruti"/>
-        <a:font script="Khmr" typeface="MoolBoran"/>
-        <a:font script="Knda" typeface="Tunga"/>
-        <a:font script="Guru" typeface="Raavi"/>
-        <a:font script="Cans" typeface="Euphemia"/>
-        <a:font script="Cher" typeface="Plantagenet Cherokee"/>
-        <a:font script="Yiii" typeface="Microsoft Yi Baiti"/>
-        <a:font script="Tibt" typeface="Microsoft Himalaya"/>
-        <a:font script="Thaa" typeface="MV Boli"/>
-        <a:font script="Deva" typeface="Mangal"/>
-        <a:font script="Telu" typeface="Gautami"/>
-        <a:font script="Taml" typeface="Latha"/>
-        <a:font script="Syrc" typeface="Estrangelo Edessa"/>
-        <a:font script="Orya" typeface="Kalinga"/>
-        <a:font script="Mlym" typeface="Kartika"/>
-        <a:font script="Laoo" typeface="DokChampa"/>
-        <a:font script="Sinh" typeface="Iskoola Pota"/>
-        <a:font script="Mong" typeface="Mongolian Baiti"/>
-        <a:font script="Viet" typeface="Times New Roman"/>
-        <a:font script="Uigh" typeface="Microsoft Uighur"/>
-        <a:font script="Geor" typeface="Sylfaen"/>
-      </a:majorFont>
-      <a:minorFont>
-        <a:latin typeface="Arial"/>
-        <a:ea typeface=""/>
-        <a:cs typeface=""/>
-        <a:font script="Jpan" typeface="ＭＳ Ｐゴシック"/>
-        <a:font script="Hang" typeface="맑은 고딕"/>
-        <a:font script="Hans" typeface="宋体"/>
-        <a:font script="Hant" typeface="新細明體"/>
-        <a:font script="Arab" typeface="Arial"/>
-        <a:font script="Hebr" typeface="Arial"/>
-        <a:font script="Thai" typeface="Cordia New"/>
-        <a:font script="Ethi" typeface="Nyala"/>
-        <a:font script="Beng" typeface="Vrinda"/>
-        <a:font script="Gujr" typeface="Shruti"/>
-        <a:font script="Khmr" typeface="DaunPenh"/>
-        <a:font script="Knda" typeface="Tunga"/>
-        <a:font script="Guru" typeface="Raavi"/>
-        <a:font script="Cans" typeface="Euphemia"/>
-        <a:font script="Cher" typeface="Plantagenet Cherokee"/>
-        <a:font script="Yiii" typeface="Microsoft Yi Baiti"/>
-        <a:font script="Tibt" typeface="Microsoft Himalaya"/>
-        <a:font script="Thaa" typeface="MV Boli"/>
-        <a:font script="Deva" typeface="Mangal"/>
-        <a:font script="Telu" typeface="Gautami"/>
-        <a:font script="Taml" typeface="Latha"/>
-        <a:font script="Syrc" typeface="Estrangelo Edessa"/>
-        <a:font script="Orya" typeface="Kalinga"/>
-        <a:font script="Mlym" typeface="Kartika"/>
-        <a:font script="Laoo" typeface="DokChampa"/>
-        <a:font script="Sinh" typeface="Iskoola Pota"/>
-        <a:font script="Mong" typeface="Mongolian Baiti"/>
-        <a:font script="Viet" typeface="Arial"/>
-        <a:font script="Uigh" typeface="Microsoft Uighur"/>
-        <a:font script="Geor" typeface="Sylfaen"/>
-      </a:minorFont>
-    </a:fontScheme>
-    <a:fmtScheme name="Office">
-      <a:fillStyleLst>
-        <a:solidFill>
-          <a:schemeClr val="phClr"/>
-        </a:solidFill>
-        <a:gradFill rotWithShape="1">
-          <a:gsLst>
-            <a:gs pos="0">
-              <a:schemeClr val="phClr">
-                <a:tint val="50000"/>
-                <a:satMod val="300000"/>
-              </a:schemeClr>
-            </a:gs>
-            <a:gs pos="35000">
-              <a:schemeClr val="phClr">
-                <a:tint val="37000"/>
-                <a:satMod val="300000"/>
-              </a:schemeClr>
-            </a:gs>
-            <a:gs pos="100000">
-              <a:schemeClr val="phClr">
-                <a:tint val="15000"/>
-                <a:satMod val="350000"/>
-              </a:schemeClr>
-            </a:gs>
-          </a:gsLst>
-          <a:lin ang="16200000" scaled="1"/>
-        </a:gradFill>
-        <a:gradFill rotWithShape="1">
-          <a:gsLst>
-            <a:gs pos="0">
-              <a:schemeClr val="phClr">
-                <a:tint val="100000"/>
-                <a:shade val="100000"/>
-                <a:satMod val="130000"/>
-              </a:schemeClr>
-            </a:gs>
-            <a:gs pos="100000">
-              <a:schemeClr val="phClr">
-                <a:tint val="50000"/>
-                <a:shade val="100000"/>
-                <a:satMod val="350000"/>
-              </a:schemeClr>
-            </a:gs>
-          </a:gsLst>
-          <a:lin ang="16200000" scaled="0"/>
-        </a:gradFill>
-      </a:fillStyleLst>
-      <a:lnStyleLst>
-        <a:ln w="9525" cap="flat" cmpd="sng" algn="ctr">
-          <a:solidFill>
-            <a:schemeClr val="phClr">
-              <a:shade val="95000"/>
-              <a:satMod val="105000"/>
-            </a:schemeClr>
-          </a:solidFill>
-          <a:prstDash val="solid"/>
-        </a:ln>
-        <a:ln w="25400" cap="flat" cmpd="sng" algn="ctr">
-          <a:solidFill>
-            <a:schemeClr val="phClr"/>
-          </a:solidFill>
-          <a:prstDash val="solid"/>
-        </a:ln>
-        <a:ln w="38100" cap="flat" cmpd="sng" algn="ctr">
-          <a:solidFill>
-            <a:schemeClr val="phClr"/>
-          </a:solidFill>
-          <a:prstDash val="solid"/>
-        </a:ln>
-      </a:lnStyleLst>
-      <a:effectStyleLst>
-        <a:effectStyle>
-          <a:effectLst>
-            <a:outerShdw blurRad="40000" dist="20000" dir="5400000" rotWithShape="0">
-              <a:srgbClr val="000000">
-                <a:alpha val="38000"/>
-              </a:srgbClr>
-            </a:outerShdw>
-          </a:effectLst>
-        </a:effectStyle>
-        <a:effectStyle>
-          <a:effectLst>
-            <a:outerShdw blurRad="40000" dist="23000" dir="5400000" rotWithShape="0">
-              <a:srgbClr val="000000">
-                <a:alpha val="35000"/>
-              </a:srgbClr>
-            </a:outerShdw>
-          </a:effectLst>
-        </a:effectStyle>
-        <a:effectStyle>
-          <a:effectLst>
-            <a:outerShdw blurRad="40000" dist="23000" dir="5400000" rotWithShape="0">
-              <a:srgbClr val="000000">
-                <a:alpha val="35000"/>
-              </a:srgbClr>
-            </a:outerShdw>
-          </a:effectLst>
-          <a:scene3d>
-            <a:camera prst="orthographicFront">
-              <a:rot lat="0" lon="0" rev="0"/>
-            </a:camera>
-            <a:lightRig rig="threePt" dir="t">
-              <a:rot lat="0" lon="0" rev="1200000"/>
-            </a:lightRig>
-          </a:scene3d>
-          <a:sp3d>
-            <a:bevelT w="63500" h="25400"/>
-          </a:sp3d>
-        </a:effectStyle>
-      </a:effectStyleLst>
-      <a:bgFillStyleLst>
-        <a:solidFill>
-          <a:schemeClr val="phClr"/>
-        </a:solidFill>
-        <a:gradFill rotWithShape="1">
-          <a:gsLst>
-            <a:gs pos="0">
-              <a:schemeClr val="phClr">
-                <a:tint val="40000"/>
-                <a:satMod val="350000"/>
-              </a:schemeClr>
-            </a:gs>
-            <a:gs pos="40000">
-              <a:schemeClr val="phClr">
-                <a:tint val="45000"/>
-                <a:shade val="99000"/>
-                <a:satMod val="350000"/>
-              </a:schemeClr>
-            </a:gs>
-            <a:gs pos="100000">
-              <a:schemeClr val="phClr">
-                <a:shade val="20000"/>
-                <a:satMod val="255000"/>
-              </a:schemeClr>
-            </a:gs>
-          </a:gsLst>
-          <a:path path="circle">
-            <a:fillToRect l="50000" t="-80000" r="50000" b="180000"/>
-          </a:path>
-        </a:gradFill>
-        <a:gradFill rotWithShape="1">
-          <a:gsLst>
-            <a:gs pos="0">
-              <a:schemeClr val="phClr">
-                <a:tint val="80000"/>
-                <a:satMod val="300000"/>
-              </a:schemeClr>
-            </a:gs>
-            <a:gs pos="100000">
-              <a:schemeClr val="phClr">
-                <a:shade val="30000"/>
-                <a:satMod val="200000"/>
-              </a:schemeClr>
-            </a:gs>
-          </a:gsLst>
-          <a:path path="circle">
-            <a:fillToRect l="50000" t="50000" r="50000" b="50000"/>
-          </a:path>
-        </a:gradFill>
-      </a:bgFillStyleLst>
-    </a:fmtScheme>
-  </a:themeElements>
+  <a:objectDefaults/>
+  <a:extraClrSchemeLst/>
 </a:theme>
 </file>